--- a/requirements/Snow_Card_Template.pptx
+++ b/requirements/Snow_Card_Template.pptx
@@ -158,6 +158,11 @@
     <p:ext uri="{EFAFB233-063F-42B5-8137-9DF3F51BA10A}">
       <p15:sldGuideLst xmlns:p15="http://schemas.microsoft.com/office/powerpoint/2012/main">
         <p15:guide id="1" orient="horz" pos="3203" userDrawn="1">
+          <p15:clr>
+            <a:srgbClr val="A4A3A4"/>
+          </p15:clr>
+        </p15:guide>
+        <p15:guide id="2" pos="3840">
           <p15:clr>
             <a:srgbClr val="A4A3A4"/>
           </p15:clr>
@@ -1117,7 +1122,7 @@
           <a:p>
             <a:fld id="{283A9E21-4981-413F-9BAB-A1BE42E0A624}" type="datetimeFigureOut">
               <a:rPr lang="de-DE" smtClean="0"/>
-              <a:t>31.10.2025</a:t>
+              <a:t>01.11.2025</a:t>
             </a:fld>
             <a:endParaRPr lang="de-DE"/>
           </a:p>
@@ -8454,7 +8459,7 @@
                   <a:schemeClr val="tx1"/>
                 </a:solidFill>
               </a:rPr>
-              <a:t>Requirement #:</a:t>
+              <a:t>Requirement #: FR-1</a:t>
             </a:r>
           </a:p>
         </p:txBody>
@@ -8514,7 +8519,7 @@
                   <a:schemeClr val="tx1"/>
                 </a:solidFill>
               </a:rPr>
-              <a:t>Requirement Type:</a:t>
+              <a:t>Requirement Type: Functional</a:t>
             </a:r>
           </a:p>
         </p:txBody>
@@ -8574,7 +8579,15 @@
                   <a:schemeClr val="tx1"/>
                 </a:solidFill>
               </a:rPr>
-              <a:t>Event/BUC/PUC#:</a:t>
+              <a:t>Event/BUC/PUC#: </a:t>
+            </a:r>
+            <a:r>
+              <a:rPr lang="de-DE" sz="1100" dirty="0">
+                <a:solidFill>
+                  <a:schemeClr val="tx1"/>
+                </a:solidFill>
+              </a:rPr>
+              <a:t>BUC-01-Datenerfassung</a:t>
             </a:r>
           </a:p>
         </p:txBody>
@@ -8708,7 +8721,535 @@
             <a:bodyPr rtlCol="0" anchor="ctr"/>
             <a:lstStyle/>
             <a:p>
-              <a:endParaRPr lang="en-US" sz="1600" u="sng" dirty="0">
+              <a:r>
+                <a:rPr lang="en-US" sz="1100" dirty="0">
+                  <a:solidFill>
+                    <a:schemeClr val="tx1"/>
+                  </a:solidFill>
+                </a:rPr>
+                <a:t>Das System </a:t>
+              </a:r>
+              <a:r>
+                <a:rPr lang="en-US" sz="1100" dirty="0" err="1">
+                  <a:solidFill>
+                    <a:schemeClr val="tx1"/>
+                  </a:solidFill>
+                </a:rPr>
+                <a:t>soll</a:t>
+              </a:r>
+              <a:r>
+                <a:rPr lang="en-US" sz="1100" dirty="0">
+                  <a:solidFill>
+                    <a:schemeClr val="tx1"/>
+                  </a:solidFill>
+                </a:rPr>
+                <a:t> Mitarbeiter*</a:t>
+              </a:r>
+              <a:r>
+                <a:rPr lang="en-US" sz="1100" dirty="0" err="1">
+                  <a:solidFill>
+                    <a:schemeClr val="tx1"/>
+                  </a:solidFill>
+                </a:rPr>
+                <a:t>innen</a:t>
+              </a:r>
+              <a:r>
+                <a:rPr lang="en-US" sz="1100" dirty="0">
+                  <a:solidFill>
+                    <a:schemeClr val="tx1"/>
+                  </a:solidFill>
+                </a:rPr>
+                <a:t> </a:t>
+              </a:r>
+              <a:r>
+                <a:rPr lang="en-US" sz="1100" dirty="0" err="1">
+                  <a:solidFill>
+                    <a:schemeClr val="tx1"/>
+                  </a:solidFill>
+                </a:rPr>
+                <a:t>ermöglichen</a:t>
+              </a:r>
+              <a:r>
+                <a:rPr lang="en-US" sz="1100" dirty="0">
+                  <a:solidFill>
+                    <a:schemeClr val="tx1"/>
+                  </a:solidFill>
+                </a:rPr>
+                <a:t>, </a:t>
+              </a:r>
+              <a:r>
+                <a:rPr lang="en-US" sz="1100" dirty="0" err="1">
+                  <a:solidFill>
+                    <a:schemeClr val="tx1"/>
+                  </a:solidFill>
+                </a:rPr>
+                <a:t>neue</a:t>
+              </a:r>
+              <a:r>
+                <a:rPr lang="en-US" sz="1100" dirty="0">
+                  <a:solidFill>
+                    <a:schemeClr val="tx1"/>
+                  </a:solidFill>
+                </a:rPr>
+                <a:t> </a:t>
+              </a:r>
+              <a:r>
+                <a:rPr lang="en-US" sz="1100" dirty="0" err="1">
+                  <a:solidFill>
+                    <a:schemeClr val="tx1"/>
+                  </a:solidFill>
+                </a:rPr>
+                <a:t>Anfragen</a:t>
+              </a:r>
+              <a:r>
+                <a:rPr lang="en-US" sz="1100" dirty="0">
+                  <a:solidFill>
+                    <a:schemeClr val="tx1"/>
+                  </a:solidFill>
+                </a:rPr>
+                <a:t> und </a:t>
+              </a:r>
+              <a:r>
+                <a:rPr lang="en-US" sz="1100" dirty="0" err="1">
+                  <a:solidFill>
+                    <a:schemeClr val="tx1"/>
+                  </a:solidFill>
+                </a:rPr>
+                <a:t>Beratungsfälle</a:t>
+              </a:r>
+              <a:r>
+                <a:rPr lang="en-US" sz="1100" dirty="0">
+                  <a:solidFill>
+                    <a:schemeClr val="tx1"/>
+                  </a:solidFill>
+                </a:rPr>
+                <a:t> </a:t>
+              </a:r>
+              <a:r>
+                <a:rPr lang="en-US" sz="1100" dirty="0" err="1">
+                  <a:solidFill>
+                    <a:schemeClr val="tx1"/>
+                  </a:solidFill>
+                </a:rPr>
+                <a:t>über</a:t>
+              </a:r>
+              <a:r>
+                <a:rPr lang="en-US" sz="1100" dirty="0">
+                  <a:solidFill>
+                    <a:schemeClr val="tx1"/>
+                  </a:solidFill>
+                </a:rPr>
+                <a:t> </a:t>
+              </a:r>
+              <a:r>
+                <a:rPr lang="en-US" sz="1100" dirty="0" err="1">
+                  <a:solidFill>
+                    <a:schemeClr val="tx1"/>
+                  </a:solidFill>
+                </a:rPr>
+                <a:t>eine</a:t>
+              </a:r>
+              <a:r>
+                <a:rPr lang="en-US" sz="1100" dirty="0">
+                  <a:solidFill>
+                    <a:schemeClr val="tx1"/>
+                  </a:solidFill>
+                </a:rPr>
+                <a:t> </a:t>
+              </a:r>
+              <a:r>
+                <a:rPr lang="en-US" sz="1100" dirty="0" err="1">
+                  <a:solidFill>
+                    <a:schemeClr val="tx1"/>
+                  </a:solidFill>
+                </a:rPr>
+                <a:t>benutzerfreundliche</a:t>
+              </a:r>
+              <a:r>
+                <a:rPr lang="en-US" sz="1100" dirty="0">
+                  <a:solidFill>
+                    <a:schemeClr val="tx1"/>
+                  </a:solidFill>
+                </a:rPr>
+                <a:t> </a:t>
+              </a:r>
+              <a:r>
+                <a:rPr lang="en-US" sz="1100" dirty="0" err="1">
+                  <a:solidFill>
+                    <a:schemeClr val="tx1"/>
+                  </a:solidFill>
+                </a:rPr>
+                <a:t>Eingabemaske</a:t>
+              </a:r>
+              <a:r>
+                <a:rPr lang="en-US" sz="1100" dirty="0">
+                  <a:solidFill>
+                    <a:schemeClr val="tx1"/>
+                  </a:solidFill>
+                </a:rPr>
+                <a:t> </a:t>
+              </a:r>
+              <a:r>
+                <a:rPr lang="en-US" sz="1100" dirty="0" err="1">
+                  <a:solidFill>
+                    <a:schemeClr val="tx1"/>
+                  </a:solidFill>
+                </a:rPr>
+                <a:t>zu</a:t>
+              </a:r>
+              <a:r>
+                <a:rPr lang="en-US" sz="1100" dirty="0">
+                  <a:solidFill>
+                    <a:schemeClr val="tx1"/>
+                  </a:solidFill>
+                </a:rPr>
+                <a:t> </a:t>
+              </a:r>
+              <a:r>
+                <a:rPr lang="en-US" sz="1100" dirty="0" err="1">
+                  <a:solidFill>
+                    <a:schemeClr val="tx1"/>
+                  </a:solidFill>
+                </a:rPr>
+                <a:t>erfassen</a:t>
+              </a:r>
+              <a:r>
+                <a:rPr lang="en-US" sz="1100" dirty="0">
+                  <a:solidFill>
+                    <a:schemeClr val="tx1"/>
+                  </a:solidFill>
+                </a:rPr>
+                <a:t>. Es </a:t>
+              </a:r>
+              <a:r>
+                <a:rPr lang="en-US" sz="1100" dirty="0" err="1">
+                  <a:solidFill>
+                    <a:schemeClr val="tx1"/>
+                  </a:solidFill>
+                </a:rPr>
+                <a:t>gibt</a:t>
+              </a:r>
+              <a:r>
+                <a:rPr lang="en-US" sz="1100" dirty="0">
+                  <a:solidFill>
+                    <a:schemeClr val="tx1"/>
+                  </a:solidFill>
+                </a:rPr>
+                <a:t> </a:t>
+              </a:r>
+              <a:r>
+                <a:rPr lang="en-US" sz="1100" dirty="0" err="1">
+                  <a:solidFill>
+                    <a:schemeClr val="tx1"/>
+                  </a:solidFill>
+                </a:rPr>
+                <a:t>zwei</a:t>
+              </a:r>
+              <a:r>
+                <a:rPr lang="en-US" sz="1100" dirty="0">
+                  <a:solidFill>
+                    <a:schemeClr val="tx1"/>
+                  </a:solidFill>
+                </a:rPr>
+                <a:t> </a:t>
+              </a:r>
+              <a:r>
+                <a:rPr lang="en-US" sz="1100" dirty="0" err="1">
+                  <a:solidFill>
+                    <a:schemeClr val="tx1"/>
+                  </a:solidFill>
+                </a:rPr>
+                <a:t>Arten</a:t>
+              </a:r>
+              <a:r>
+                <a:rPr lang="en-US" sz="1100" dirty="0">
+                  <a:solidFill>
+                    <a:schemeClr val="tx1"/>
+                  </a:solidFill>
+                </a:rPr>
+                <a:t> von </a:t>
+              </a:r>
+              <a:r>
+                <a:rPr lang="en-US" sz="1100" dirty="0" err="1">
+                  <a:solidFill>
+                    <a:schemeClr val="tx1"/>
+                  </a:solidFill>
+                </a:rPr>
+                <a:t>Datensätzem</a:t>
+              </a:r>
+              <a:r>
+                <a:rPr lang="en-US" sz="1100" dirty="0">
+                  <a:solidFill>
+                    <a:schemeClr val="tx1"/>
+                  </a:solidFill>
+                </a:rPr>
+                <a:t>:  </a:t>
+              </a:r>
+              <a:r>
+                <a:rPr lang="en-US" sz="1100" dirty="0" err="1">
+                  <a:solidFill>
+                    <a:schemeClr val="tx1"/>
+                  </a:solidFill>
+                </a:rPr>
+                <a:t>Anfrage</a:t>
+              </a:r>
+              <a:r>
+                <a:rPr lang="en-US" sz="1100" dirty="0">
+                  <a:solidFill>
+                    <a:schemeClr val="tx1"/>
+                  </a:solidFill>
+                </a:rPr>
+                <a:t> (</a:t>
+              </a:r>
+              <a:r>
+                <a:rPr lang="en-US" sz="1100" dirty="0" err="1">
+                  <a:solidFill>
+                    <a:schemeClr val="tx1"/>
+                  </a:solidFill>
+                </a:rPr>
+                <a:t>Erstkontakt</a:t>
+              </a:r>
+              <a:r>
+                <a:rPr lang="en-US" sz="1100" dirty="0">
+                  <a:solidFill>
+                    <a:schemeClr val="tx1"/>
+                  </a:solidFill>
+                </a:rPr>
+                <a:t> </a:t>
+              </a:r>
+              <a:r>
+                <a:rPr lang="en-US" sz="1100" dirty="0" err="1">
+                  <a:solidFill>
+                    <a:schemeClr val="tx1"/>
+                  </a:solidFill>
+                </a:rPr>
+                <a:t>bzw</a:t>
+              </a:r>
+              <a:r>
+                <a:rPr lang="en-US" sz="1100" dirty="0">
+                  <a:solidFill>
+                    <a:schemeClr val="tx1"/>
+                  </a:solidFill>
+                </a:rPr>
+                <a:t>. </a:t>
+              </a:r>
+              <a:r>
+                <a:rPr lang="en-US" sz="1100" dirty="0" err="1">
+                  <a:solidFill>
+                    <a:schemeClr val="tx1"/>
+                  </a:solidFill>
+                </a:rPr>
+                <a:t>Terminvereinbarung</a:t>
+              </a:r>
+              <a:r>
+                <a:rPr lang="en-US" sz="1100" dirty="0">
+                  <a:solidFill>
+                    <a:schemeClr val="tx1"/>
+                  </a:solidFill>
+                </a:rPr>
+                <a:t>) und </a:t>
+              </a:r>
+              <a:r>
+                <a:rPr lang="en-US" sz="1100" dirty="0" err="1">
+                  <a:solidFill>
+                    <a:schemeClr val="tx1"/>
+                  </a:solidFill>
+                </a:rPr>
+                <a:t>Beratungsfall</a:t>
+              </a:r>
+              <a:r>
+                <a:rPr lang="en-US" sz="1100" dirty="0">
+                  <a:solidFill>
+                    <a:schemeClr val="tx1"/>
+                  </a:solidFill>
+                </a:rPr>
+                <a:t> (</a:t>
+              </a:r>
+              <a:r>
+                <a:rPr lang="en-US" sz="1100" dirty="0" err="1">
+                  <a:solidFill>
+                    <a:schemeClr val="tx1"/>
+                  </a:solidFill>
+                </a:rPr>
+                <a:t>laufende</a:t>
+              </a:r>
+              <a:r>
+                <a:rPr lang="en-US" sz="1100" dirty="0">
+                  <a:solidFill>
+                    <a:schemeClr val="tx1"/>
+                  </a:solidFill>
+                </a:rPr>
+                <a:t> </a:t>
+              </a:r>
+              <a:r>
+                <a:rPr lang="en-US" sz="1100" dirty="0" err="1">
+                  <a:solidFill>
+                    <a:schemeClr val="tx1"/>
+                  </a:solidFill>
+                </a:rPr>
+                <a:t>Beratung</a:t>
+              </a:r>
+              <a:r>
+                <a:rPr lang="en-US" sz="1100" dirty="0">
+                  <a:solidFill>
+                    <a:schemeClr val="tx1"/>
+                  </a:solidFill>
+                </a:rPr>
+                <a:t>). Beim </a:t>
+              </a:r>
+              <a:r>
+                <a:rPr lang="en-US" sz="1100" dirty="0" err="1">
+                  <a:solidFill>
+                    <a:schemeClr val="tx1"/>
+                  </a:solidFill>
+                </a:rPr>
+                <a:t>Speichern</a:t>
+              </a:r>
+              <a:r>
+                <a:rPr lang="en-US" sz="1100" dirty="0">
+                  <a:solidFill>
+                    <a:schemeClr val="tx1"/>
+                  </a:solidFill>
+                </a:rPr>
+                <a:t> </a:t>
+              </a:r>
+              <a:r>
+                <a:rPr lang="en-US" sz="1100" dirty="0" err="1">
+                  <a:solidFill>
+                    <a:schemeClr val="tx1"/>
+                  </a:solidFill>
+                </a:rPr>
+                <a:t>werden</a:t>
+              </a:r>
+              <a:r>
+                <a:rPr lang="en-US" sz="1100" dirty="0">
+                  <a:solidFill>
+                    <a:schemeClr val="tx1"/>
+                  </a:solidFill>
+                </a:rPr>
+                <a:t> </a:t>
+              </a:r>
+              <a:r>
+                <a:rPr lang="en-US" sz="1100" dirty="0" err="1">
+                  <a:solidFill>
+                    <a:schemeClr val="tx1"/>
+                  </a:solidFill>
+                </a:rPr>
+                <a:t>Pflichtfelder</a:t>
+              </a:r>
+              <a:r>
+                <a:rPr lang="en-US" sz="1100" dirty="0">
+                  <a:solidFill>
+                    <a:schemeClr val="tx1"/>
+                  </a:solidFill>
+                </a:rPr>
+                <a:t> </a:t>
+              </a:r>
+              <a:r>
+                <a:rPr lang="en-US" sz="1100" dirty="0" err="1">
+                  <a:solidFill>
+                    <a:schemeClr val="tx1"/>
+                  </a:solidFill>
+                </a:rPr>
+                <a:t>überprüft</a:t>
+              </a:r>
+              <a:r>
+                <a:rPr lang="en-US" sz="1100" dirty="0">
+                  <a:solidFill>
+                    <a:schemeClr val="tx1"/>
+                  </a:solidFill>
+                </a:rPr>
+                <a:t>: </a:t>
+              </a:r>
+              <a:r>
+                <a:rPr lang="en-US" sz="1100" dirty="0" err="1">
+                  <a:solidFill>
+                    <a:schemeClr val="tx1"/>
+                  </a:solidFill>
+                </a:rPr>
+                <a:t>fehlende</a:t>
+              </a:r>
+              <a:r>
+                <a:rPr lang="en-US" sz="1100" dirty="0">
+                  <a:solidFill>
+                    <a:schemeClr val="tx1"/>
+                  </a:solidFill>
+                </a:rPr>
+                <a:t> </a:t>
+              </a:r>
+              <a:r>
+                <a:rPr lang="en-US" sz="1100" dirty="0" err="1">
+                  <a:solidFill>
+                    <a:schemeClr val="tx1"/>
+                  </a:solidFill>
+                </a:rPr>
+                <a:t>Angaben</a:t>
+              </a:r>
+              <a:r>
+                <a:rPr lang="en-US" sz="1100" dirty="0">
+                  <a:solidFill>
+                    <a:schemeClr val="tx1"/>
+                  </a:solidFill>
+                </a:rPr>
+                <a:t> </a:t>
+              </a:r>
+              <a:r>
+                <a:rPr lang="en-US" sz="1100" dirty="0" err="1">
+                  <a:solidFill>
+                    <a:schemeClr val="tx1"/>
+                  </a:solidFill>
+                </a:rPr>
+                <a:t>werden</a:t>
+              </a:r>
+              <a:r>
+                <a:rPr lang="en-US" sz="1100" dirty="0">
+                  <a:solidFill>
+                    <a:schemeClr val="tx1"/>
+                  </a:solidFill>
+                </a:rPr>
+                <a:t> </a:t>
+              </a:r>
+              <a:r>
+                <a:rPr lang="en-US" sz="1100" dirty="0" err="1">
+                  <a:solidFill>
+                    <a:schemeClr val="tx1"/>
+                  </a:solidFill>
+                </a:rPr>
+                <a:t>mit</a:t>
+              </a:r>
+              <a:r>
+                <a:rPr lang="en-US" sz="1100" dirty="0">
+                  <a:solidFill>
+                    <a:schemeClr val="tx1"/>
+                  </a:solidFill>
+                </a:rPr>
+                <a:t> </a:t>
+              </a:r>
+              <a:r>
+                <a:rPr lang="en-US" sz="1100" dirty="0" err="1">
+                  <a:solidFill>
+                    <a:schemeClr val="tx1"/>
+                  </a:solidFill>
+                </a:rPr>
+                <a:t>Fehlermeldung</a:t>
+              </a:r>
+              <a:r>
+                <a:rPr lang="en-US" sz="1100" dirty="0">
+                  <a:solidFill>
+                    <a:schemeClr val="tx1"/>
+                  </a:solidFill>
+                </a:rPr>
+                <a:t> </a:t>
+              </a:r>
+              <a:r>
+                <a:rPr lang="en-US" sz="1100" dirty="0" err="1">
+                  <a:solidFill>
+                    <a:schemeClr val="tx1"/>
+                  </a:solidFill>
+                </a:rPr>
+                <a:t>angezeigt</a:t>
+              </a:r>
+              <a:endParaRPr lang="en-US" sz="1100" dirty="0">
                 <a:solidFill>
                   <a:schemeClr val="tx1"/>
                 </a:solidFill>
@@ -8846,7 +9387,199 @@
             <a:bodyPr rtlCol="0" anchor="ctr"/>
             <a:lstStyle/>
             <a:p>
-              <a:endParaRPr lang="en-US" sz="1600" u="sng" dirty="0">
+              <a:r>
+                <a:rPr lang="en-US" sz="1100" dirty="0">
+                  <a:solidFill>
+                    <a:schemeClr val="tx1"/>
+                  </a:solidFill>
+                </a:rPr>
+                <a:t>Der </a:t>
+              </a:r>
+              <a:r>
+                <a:rPr lang="en-US" sz="1100" dirty="0" err="1">
+                  <a:solidFill>
+                    <a:schemeClr val="tx1"/>
+                  </a:solidFill>
+                </a:rPr>
+                <a:t>Kernprozess</a:t>
+              </a:r>
+              <a:r>
+                <a:rPr lang="en-US" sz="1100" dirty="0">
+                  <a:solidFill>
+                    <a:schemeClr val="tx1"/>
+                  </a:solidFill>
+                </a:rPr>
+                <a:t> des Systems </a:t>
+              </a:r>
+              <a:r>
+                <a:rPr lang="en-US" sz="1100" dirty="0" err="1">
+                  <a:solidFill>
+                    <a:schemeClr val="tx1"/>
+                  </a:solidFill>
+                </a:rPr>
+                <a:t>ist</a:t>
+              </a:r>
+              <a:r>
+                <a:rPr lang="en-US" sz="1100" dirty="0">
+                  <a:solidFill>
+                    <a:schemeClr val="tx1"/>
+                  </a:solidFill>
+                </a:rPr>
+                <a:t> die </a:t>
+              </a:r>
+              <a:r>
+                <a:rPr lang="en-US" sz="1100" dirty="0" err="1">
+                  <a:solidFill>
+                    <a:schemeClr val="tx1"/>
+                  </a:solidFill>
+                </a:rPr>
+                <a:t>Datenerfassung</a:t>
+              </a:r>
+              <a:r>
+                <a:rPr lang="en-US" sz="1100" dirty="0">
+                  <a:solidFill>
+                    <a:schemeClr val="tx1"/>
+                  </a:solidFill>
+                </a:rPr>
+                <a:t>. Die </a:t>
+              </a:r>
+              <a:r>
+                <a:rPr lang="en-US" sz="1100" dirty="0" err="1">
+                  <a:solidFill>
+                    <a:schemeClr val="tx1"/>
+                  </a:solidFill>
+                </a:rPr>
+                <a:t>Erfassung</a:t>
+              </a:r>
+              <a:r>
+                <a:rPr lang="en-US" sz="1100" dirty="0">
+                  <a:solidFill>
+                    <a:schemeClr val="tx1"/>
+                  </a:solidFill>
+                </a:rPr>
+                <a:t> </a:t>
+              </a:r>
+              <a:r>
+                <a:rPr lang="en-US" sz="1100" dirty="0" err="1">
+                  <a:solidFill>
+                    <a:schemeClr val="tx1"/>
+                  </a:solidFill>
+                </a:rPr>
+                <a:t>soll</a:t>
+              </a:r>
+              <a:r>
+                <a:rPr lang="en-US" sz="1100" dirty="0">
+                  <a:solidFill>
+                    <a:schemeClr val="tx1"/>
+                  </a:solidFill>
+                </a:rPr>
+                <a:t> </a:t>
+              </a:r>
+              <a:r>
+                <a:rPr lang="en-US" sz="1100" dirty="0" err="1">
+                  <a:solidFill>
+                    <a:schemeClr val="tx1"/>
+                  </a:solidFill>
+                </a:rPr>
+                <a:t>difital</a:t>
+              </a:r>
+              <a:r>
+                <a:rPr lang="en-US" sz="1100" dirty="0">
+                  <a:solidFill>
+                    <a:schemeClr val="tx1"/>
+                  </a:solidFill>
+                </a:rPr>
+                <a:t> und </a:t>
+              </a:r>
+              <a:r>
+                <a:rPr lang="en-US" sz="1100" dirty="0" err="1">
+                  <a:solidFill>
+                    <a:schemeClr val="tx1"/>
+                  </a:solidFill>
+                </a:rPr>
+                <a:t>strukturiert</a:t>
+              </a:r>
+              <a:r>
+                <a:rPr lang="en-US" sz="1100" dirty="0">
+                  <a:solidFill>
+                    <a:schemeClr val="tx1"/>
+                  </a:solidFill>
+                </a:rPr>
+                <a:t> </a:t>
+              </a:r>
+              <a:r>
+                <a:rPr lang="en-US" sz="1100" dirty="0" err="1">
+                  <a:solidFill>
+                    <a:schemeClr val="tx1"/>
+                  </a:solidFill>
+                </a:rPr>
+                <a:t>erfolgen</a:t>
+              </a:r>
+              <a:r>
+                <a:rPr lang="en-US" sz="1100" dirty="0">
+                  <a:solidFill>
+                    <a:schemeClr val="tx1"/>
+                  </a:solidFill>
+                </a:rPr>
+                <a:t>. Das </a:t>
+              </a:r>
+              <a:r>
+                <a:rPr lang="en-US" sz="1100" dirty="0" err="1">
+                  <a:solidFill>
+                    <a:schemeClr val="tx1"/>
+                  </a:solidFill>
+                </a:rPr>
+                <a:t>reduziert</a:t>
+              </a:r>
+              <a:r>
+                <a:rPr lang="en-US" sz="1100" dirty="0">
+                  <a:solidFill>
+                    <a:schemeClr val="tx1"/>
+                  </a:solidFill>
+                </a:rPr>
+                <a:t> den </a:t>
+              </a:r>
+              <a:r>
+                <a:rPr lang="en-US" sz="1100" dirty="0" err="1">
+                  <a:solidFill>
+                    <a:schemeClr val="tx1"/>
+                  </a:solidFill>
+                </a:rPr>
+                <a:t>Arbeitsaufwand</a:t>
+              </a:r>
+              <a:r>
+                <a:rPr lang="en-US" sz="1100" dirty="0">
+                  <a:solidFill>
+                    <a:schemeClr val="tx1"/>
+                  </a:solidFill>
+                </a:rPr>
+                <a:t> der </a:t>
+              </a:r>
+              <a:r>
+                <a:rPr lang="en-US" sz="1100" dirty="0" err="1">
+                  <a:solidFill>
+                    <a:schemeClr val="tx1"/>
+                  </a:solidFill>
+                </a:rPr>
+                <a:t>Mitglieder</a:t>
+              </a:r>
+              <a:r>
+                <a:rPr lang="en-US" sz="1100" dirty="0">
+                  <a:solidFill>
+                    <a:schemeClr val="tx1"/>
+                  </a:solidFill>
+                </a:rPr>
+                <a:t>*</a:t>
+              </a:r>
+              <a:r>
+                <a:rPr lang="en-US" sz="1100" dirty="0" err="1">
+                  <a:solidFill>
+                    <a:schemeClr val="tx1"/>
+                  </a:solidFill>
+                </a:rPr>
+                <a:t>innen</a:t>
+              </a:r>
+              <a:endParaRPr lang="en-US" sz="1100" dirty="0">
                 <a:solidFill>
                   <a:schemeClr val="tx1"/>
                 </a:solidFill>
@@ -8992,7 +9725,39 @@
             <a:bodyPr rtlCol="0" anchor="ctr"/>
             <a:lstStyle/>
             <a:p>
-              <a:endParaRPr lang="en-US" sz="1600" u="sng" dirty="0">
+              <a:r>
+                <a:rPr lang="en-US" sz="1100" dirty="0">
+                  <a:solidFill>
+                    <a:schemeClr val="tx1"/>
+                  </a:solidFill>
+                </a:rPr>
+                <a:t>Mitarbeiter*</a:t>
+              </a:r>
+              <a:r>
+                <a:rPr lang="en-US" sz="1100" dirty="0" err="1">
+                  <a:solidFill>
+                    <a:schemeClr val="tx1"/>
+                  </a:solidFill>
+                </a:rPr>
+                <a:t>innen</a:t>
+              </a:r>
+              <a:r>
+                <a:rPr lang="en-US" sz="1100" dirty="0">
+                  <a:solidFill>
+                    <a:schemeClr val="tx1"/>
+                  </a:solidFill>
+                </a:rPr>
+                <a:t> des Bellis </a:t>
+              </a:r>
+              <a:r>
+                <a:rPr lang="en-US" sz="1100" dirty="0" err="1">
+                  <a:solidFill>
+                    <a:schemeClr val="tx1"/>
+                  </a:solidFill>
+                </a:rPr>
+                <a:t>e.V.</a:t>
+              </a:r>
+              <a:endParaRPr lang="en-US" sz="1100" dirty="0">
                 <a:solidFill>
                   <a:schemeClr val="tx1"/>
                 </a:solidFill>
@@ -9146,14 +9911,254 @@
             <a:bodyPr rtlCol="0" anchor="ctr"/>
             <a:lstStyle/>
             <a:p>
-              <a:endParaRPr lang="en-US" sz="1600" u="sng" dirty="0">
+              <a:endParaRPr lang="en-US" sz="1100" dirty="0">
                 <a:solidFill>
                   <a:schemeClr val="tx1"/>
                 </a:solidFill>
               </a:endParaRPr>
             </a:p>
             <a:p>
-              <a:endParaRPr lang="en-US" sz="1600" u="sng" dirty="0">
+              <a:r>
+                <a:rPr lang="en-US" sz="1100" dirty="0">
+                  <a:solidFill>
+                    <a:schemeClr val="tx1"/>
+                  </a:solidFill>
+                </a:rPr>
+                <a:t>Mitarbeiter*</a:t>
+              </a:r>
+              <a:r>
+                <a:rPr lang="en-US" sz="1100" dirty="0" err="1">
+                  <a:solidFill>
+                    <a:schemeClr val="tx1"/>
+                  </a:solidFill>
+                </a:rPr>
+                <a:t>innen</a:t>
+              </a:r>
+              <a:r>
+                <a:rPr lang="en-US" sz="1100" dirty="0">
+                  <a:solidFill>
+                    <a:schemeClr val="tx1"/>
+                  </a:solidFill>
+                </a:rPr>
+                <a:t> </a:t>
+              </a:r>
+              <a:r>
+                <a:rPr lang="en-US" sz="1100" dirty="0" err="1">
+                  <a:solidFill>
+                    <a:schemeClr val="tx1"/>
+                  </a:solidFill>
+                </a:rPr>
+                <a:t>können</a:t>
+              </a:r>
+              <a:r>
+                <a:rPr lang="en-US" sz="1100" dirty="0">
+                  <a:solidFill>
+                    <a:schemeClr val="tx1"/>
+                  </a:solidFill>
+                </a:rPr>
+                <a:t> Schneller </a:t>
+              </a:r>
+              <a:r>
+                <a:rPr lang="en-US" sz="1100" dirty="0" err="1">
+                  <a:solidFill>
+                    <a:schemeClr val="tx1"/>
+                  </a:solidFill>
+                </a:rPr>
+                <a:t>eine</a:t>
+              </a:r>
+              <a:r>
+                <a:rPr lang="en-US" sz="1100" dirty="0">
+                  <a:solidFill>
+                    <a:schemeClr val="tx1"/>
+                  </a:solidFill>
+                </a:rPr>
+                <a:t> </a:t>
+              </a:r>
+              <a:r>
+                <a:rPr lang="en-US" sz="1100" dirty="0" err="1">
+                  <a:solidFill>
+                    <a:schemeClr val="tx1"/>
+                  </a:solidFill>
+                </a:rPr>
+                <a:t>vollständige</a:t>
+              </a:r>
+              <a:r>
+                <a:rPr lang="en-US" sz="1100" dirty="0">
+                  <a:solidFill>
+                    <a:schemeClr val="tx1"/>
+                  </a:solidFill>
+                </a:rPr>
+                <a:t> </a:t>
+              </a:r>
+              <a:r>
+                <a:rPr lang="en-US" sz="1100" dirty="0" err="1">
+                  <a:solidFill>
+                    <a:schemeClr val="tx1"/>
+                  </a:solidFill>
+                </a:rPr>
+                <a:t>Anfrage</a:t>
+              </a:r>
+              <a:r>
+                <a:rPr lang="en-US" sz="1100" dirty="0">
+                  <a:solidFill>
+                    <a:schemeClr val="tx1"/>
+                  </a:solidFill>
+                </a:rPr>
+                <a:t> </a:t>
+              </a:r>
+              <a:r>
+                <a:rPr lang="en-US" sz="1100" dirty="0" err="1">
+                  <a:solidFill>
+                    <a:schemeClr val="tx1"/>
+                  </a:solidFill>
+                </a:rPr>
+                <a:t>oder</a:t>
+              </a:r>
+              <a:r>
+                <a:rPr lang="en-US" sz="1100" dirty="0">
+                  <a:solidFill>
+                    <a:schemeClr val="tx1"/>
+                  </a:solidFill>
+                </a:rPr>
+                <a:t> </a:t>
+              </a:r>
+              <a:r>
+                <a:rPr lang="en-US" sz="1100" dirty="0" err="1">
+                  <a:solidFill>
+                    <a:schemeClr val="tx1"/>
+                  </a:solidFill>
+                </a:rPr>
+                <a:t>Beratungsfall</a:t>
+              </a:r>
+              <a:r>
+                <a:rPr lang="en-US" sz="1100" dirty="0">
+                  <a:solidFill>
+                    <a:schemeClr val="tx1"/>
+                  </a:solidFill>
+                </a:rPr>
+                <a:t> </a:t>
+              </a:r>
+              <a:r>
+                <a:rPr lang="en-US" sz="1100" dirty="0" err="1">
+                  <a:solidFill>
+                    <a:schemeClr val="tx1"/>
+                  </a:solidFill>
+                </a:rPr>
+                <a:t>erfassen</a:t>
+              </a:r>
+              <a:r>
+                <a:rPr lang="en-US" sz="1100" dirty="0">
+                  <a:solidFill>
+                    <a:schemeClr val="tx1"/>
+                  </a:solidFill>
+                </a:rPr>
+                <a:t>. Alle </a:t>
+              </a:r>
+              <a:r>
+                <a:rPr lang="en-US" sz="1100" dirty="0" err="1">
+                  <a:solidFill>
+                    <a:schemeClr val="tx1"/>
+                  </a:solidFill>
+                </a:rPr>
+                <a:t>Pflichtfelder</a:t>
+              </a:r>
+              <a:r>
+                <a:rPr lang="en-US" sz="1100" dirty="0">
+                  <a:solidFill>
+                    <a:schemeClr val="tx1"/>
+                  </a:solidFill>
+                </a:rPr>
+                <a:t> </a:t>
+              </a:r>
+              <a:r>
+                <a:rPr lang="en-US" sz="1100" dirty="0" err="1">
+                  <a:solidFill>
+                    <a:schemeClr val="tx1"/>
+                  </a:solidFill>
+                </a:rPr>
+                <a:t>werden</a:t>
+              </a:r>
+              <a:r>
+                <a:rPr lang="en-US" sz="1100" dirty="0">
+                  <a:solidFill>
+                    <a:schemeClr val="tx1"/>
+                  </a:solidFill>
+                </a:rPr>
+                <a:t> </a:t>
+              </a:r>
+              <a:r>
+                <a:rPr lang="en-US" sz="1100" dirty="0" err="1">
+                  <a:solidFill>
+                    <a:schemeClr val="tx1"/>
+                  </a:solidFill>
+                </a:rPr>
+                <a:t>überprüft</a:t>
+              </a:r>
+              <a:r>
+                <a:rPr lang="en-US" sz="1100" dirty="0">
+                  <a:solidFill>
+                    <a:schemeClr val="tx1"/>
+                  </a:solidFill>
+                </a:rPr>
+                <a:t> und </a:t>
+              </a:r>
+              <a:r>
+                <a:rPr lang="en-US" sz="1100" dirty="0" err="1">
+                  <a:solidFill>
+                    <a:schemeClr val="tx1"/>
+                  </a:solidFill>
+                </a:rPr>
+                <a:t>Fehlermeldungen</a:t>
+              </a:r>
+              <a:r>
+                <a:rPr lang="en-US" sz="1100" dirty="0">
+                  <a:solidFill>
+                    <a:schemeClr val="tx1"/>
+                  </a:solidFill>
+                </a:rPr>
+                <a:t> </a:t>
+              </a:r>
+              <a:r>
+                <a:rPr lang="en-US" sz="1100" dirty="0" err="1">
+                  <a:solidFill>
+                    <a:schemeClr val="tx1"/>
+                  </a:solidFill>
+                </a:rPr>
+                <a:t>sind</a:t>
+              </a:r>
+              <a:r>
+                <a:rPr lang="en-US" sz="1100" dirty="0">
+                  <a:solidFill>
+                    <a:schemeClr val="tx1"/>
+                  </a:solidFill>
+                </a:rPr>
+                <a:t> </a:t>
+              </a:r>
+              <a:r>
+                <a:rPr lang="en-US" sz="1100" dirty="0" err="1">
+                  <a:solidFill>
+                    <a:schemeClr val="tx1"/>
+                  </a:solidFill>
+                </a:rPr>
+                <a:t>verständlich</a:t>
+              </a:r>
+              <a:r>
+                <a:rPr lang="en-US" sz="1100" dirty="0">
+                  <a:solidFill>
+                    <a:schemeClr val="tx1"/>
+                  </a:solidFill>
+                </a:rPr>
+                <a:t> </a:t>
+              </a:r>
+              <a:r>
+                <a:rPr lang="en-US" sz="1100" dirty="0" err="1">
+                  <a:solidFill>
+                    <a:schemeClr val="tx1"/>
+                  </a:solidFill>
+                </a:rPr>
+                <a:t>formuliert</a:t>
+              </a:r>
+              <a:endParaRPr lang="en-US" sz="1100" dirty="0">
                 <a:solidFill>
                   <a:schemeClr val="tx1"/>
                 </a:solidFill>
@@ -9245,7 +10250,15 @@
                   <a:schemeClr val="tx1"/>
                 </a:solidFill>
               </a:rPr>
-              <a:t>:</a:t>
+              <a:t>: </a:t>
+            </a:r>
+            <a:r>
+              <a:rPr lang="de-DE" sz="1100" dirty="0">
+                <a:solidFill>
+                  <a:schemeClr val="tx1"/>
+                </a:solidFill>
+              </a:rPr>
+              <a:t>Schnellere Dokumentation &amp; schnellere Eingabe</a:t>
             </a:r>
           </a:p>
         </p:txBody>
@@ -9321,7 +10334,15 @@
                   <a:schemeClr val="tx1"/>
                 </a:solidFill>
               </a:rPr>
-              <a:t>:</a:t>
+              <a:t>: </a:t>
+            </a:r>
+            <a:r>
+              <a:rPr lang="de-DE" sz="1100" dirty="0">
+                <a:solidFill>
+                  <a:schemeClr val="tx1"/>
+                </a:solidFill>
+              </a:rPr>
+              <a:t>Ohne diese Funktion bleibt der Erfassungsprozess unübersichtlich und die Fehleranfälligkeit bleibt hoch</a:t>
             </a:r>
           </a:p>
         </p:txBody>
@@ -9394,7 +10415,15 @@
                   <a:schemeClr val="tx1"/>
                 </a:solidFill>
               </a:rPr>
-              <a:t>:</a:t>
+              <a:t>: </a:t>
+            </a:r>
+            <a:r>
+              <a:rPr lang="de-DE" sz="1100" dirty="0">
+                <a:solidFill>
+                  <a:schemeClr val="tx1"/>
+                </a:solidFill>
+              </a:rPr>
+              <a:t>Hoch</a:t>
             </a:r>
           </a:p>
         </p:txBody>
@@ -9462,7 +10491,15 @@
                   <a:schemeClr val="tx1"/>
                 </a:solidFill>
               </a:rPr>
-              <a:t>:</a:t>
+              <a:t>: </a:t>
+            </a:r>
+            <a:r>
+              <a:rPr lang="de-DE" sz="1100" dirty="0">
+                <a:solidFill>
+                  <a:schemeClr val="tx1"/>
+                </a:solidFill>
+              </a:rPr>
+              <a:t>Bei zu vielen Pflichtfeldern kann die Erfassung als zu aufwendig empfunden werden. </a:t>
             </a:r>
           </a:p>
         </p:txBody>
@@ -9535,7 +10572,15 @@
                   <a:schemeClr val="tx1"/>
                 </a:solidFill>
               </a:rPr>
-              <a:t> Materials:</a:t>
+              <a:t> Materials: </a:t>
+            </a:r>
+            <a:r>
+              <a:rPr lang="de-DE" sz="1100" dirty="0">
+                <a:solidFill>
+                  <a:schemeClr val="tx1"/>
+                </a:solidFill>
+              </a:rPr>
+              <a:t>Projektbeschreibung</a:t>
             </a:r>
           </a:p>
         </p:txBody>
@@ -9608,7 +10653,15 @@
                   <a:schemeClr val="tx1"/>
                 </a:solidFill>
               </a:rPr>
-              <a:t>:</a:t>
+              <a:t>: </a:t>
+            </a:r>
+            <a:r>
+              <a:rPr lang="de-DE" sz="1100" dirty="0">
+                <a:solidFill>
+                  <a:schemeClr val="tx1"/>
+                </a:solidFill>
+              </a:rPr>
+              <a:t>01.11.</a:t>
             </a:r>
           </a:p>
         </p:txBody>
@@ -9740,7 +10793,7 @@
                   <a:schemeClr val="tx1"/>
                 </a:solidFill>
               </a:rPr>
-              <a:t>Requirement #:</a:t>
+              <a:t>Requirement #: NFR-01</a:t>
             </a:r>
           </a:p>
         </p:txBody>
@@ -9759,7 +10812,7 @@
         </p:nvSpPr>
         <p:spPr>
           <a:xfrm>
-            <a:off x="4436269" y="908050"/>
+            <a:off x="4277517" y="910844"/>
             <a:ext cx="3319462" cy="323850"/>
           </a:xfrm>
           <a:prstGeom prst="rect">
@@ -9800,8 +10853,13 @@
                   <a:schemeClr val="tx1"/>
                 </a:solidFill>
               </a:rPr>
-              <a:t>Requirement Type:</a:t>
-            </a:r>
+              <a:t>Requirement Type: Non-Functional</a:t>
+            </a:r>
+            <a:endParaRPr lang="en-US" sz="1400" b="1" dirty="0">
+              <a:solidFill>
+                <a:schemeClr val="tx1"/>
+              </a:solidFill>
+            </a:endParaRPr>
           </a:p>
         </p:txBody>
       </p:sp>
@@ -9994,11 +11052,334 @@
             <a:bodyPr rtlCol="0" anchor="ctr"/>
             <a:lstStyle/>
             <a:p>
-              <a:endParaRPr lang="en-US" sz="1600" u="sng" dirty="0">
-                <a:solidFill>
-                  <a:schemeClr val="tx1"/>
-                </a:solidFill>
-              </a:endParaRPr>
+              <a:r>
+                <a:rPr lang="en-US" sz="1100" dirty="0">
+                  <a:solidFill>
+                    <a:schemeClr val="tx1"/>
+                  </a:solidFill>
+                </a:rPr>
+                <a:t>Das System </a:t>
+              </a:r>
+              <a:r>
+                <a:rPr lang="en-US" sz="1100" dirty="0" err="1">
+                  <a:solidFill>
+                    <a:schemeClr val="tx1"/>
+                  </a:solidFill>
+                </a:rPr>
+                <a:t>soll</a:t>
+              </a:r>
+              <a:r>
+                <a:rPr lang="en-US" sz="1100" dirty="0">
+                  <a:solidFill>
+                    <a:schemeClr val="tx1"/>
+                  </a:solidFill>
+                </a:rPr>
+                <a:t> </a:t>
+              </a:r>
+              <a:r>
+                <a:rPr lang="en-US" sz="1100" dirty="0" err="1">
+                  <a:solidFill>
+                    <a:schemeClr val="tx1"/>
+                  </a:solidFill>
+                </a:rPr>
+                <a:t>eine</a:t>
+              </a:r>
+              <a:r>
+                <a:rPr lang="en-US" sz="1100" dirty="0">
+                  <a:solidFill>
+                    <a:schemeClr val="tx1"/>
+                  </a:solidFill>
+                </a:rPr>
+                <a:t> </a:t>
+              </a:r>
+              <a:r>
+                <a:rPr lang="en-US" sz="1100" dirty="0" err="1">
+                  <a:solidFill>
+                    <a:schemeClr val="tx1"/>
+                  </a:solidFill>
+                </a:rPr>
+                <a:t>barrierearme</a:t>
+              </a:r>
+              <a:r>
+                <a:rPr lang="en-US" sz="1100" dirty="0">
+                  <a:solidFill>
+                    <a:schemeClr val="tx1"/>
+                  </a:solidFill>
+                </a:rPr>
+                <a:t> </a:t>
+              </a:r>
+              <a:r>
+                <a:rPr lang="en-US" sz="1100" dirty="0" err="1">
+                  <a:solidFill>
+                    <a:schemeClr val="tx1"/>
+                  </a:solidFill>
+                </a:rPr>
+                <a:t>Benutzeroberfläche</a:t>
+              </a:r>
+              <a:r>
+                <a:rPr lang="en-US" sz="1100" dirty="0">
+                  <a:solidFill>
+                    <a:schemeClr val="tx1"/>
+                  </a:solidFill>
+                </a:rPr>
+                <a:t> </a:t>
+              </a:r>
+              <a:r>
+                <a:rPr lang="en-US" sz="1100" dirty="0" err="1">
+                  <a:solidFill>
+                    <a:schemeClr val="tx1"/>
+                  </a:solidFill>
+                </a:rPr>
+                <a:t>bereitstellen</a:t>
+              </a:r>
+              <a:r>
+                <a:rPr lang="en-US" sz="1100" dirty="0">
+                  <a:solidFill>
+                    <a:schemeClr val="tx1"/>
+                  </a:solidFill>
+                </a:rPr>
+                <a:t>- </a:t>
+              </a:r>
+              <a:r>
+                <a:rPr lang="en-US" sz="1100" dirty="0" err="1">
+                  <a:solidFill>
+                    <a:schemeClr val="tx1"/>
+                  </a:solidFill>
+                </a:rPr>
+                <a:t>Diese</a:t>
+              </a:r>
+              <a:r>
+                <a:rPr lang="en-US" sz="1100" dirty="0">
+                  <a:solidFill>
+                    <a:schemeClr val="tx1"/>
+                  </a:solidFill>
+                </a:rPr>
+                <a:t> </a:t>
+              </a:r>
+              <a:r>
+                <a:rPr lang="en-US" sz="1100" dirty="0" err="1">
+                  <a:solidFill>
+                    <a:schemeClr val="tx1"/>
+                  </a:solidFill>
+                </a:rPr>
+                <a:t>soll</a:t>
+              </a:r>
+              <a:r>
+                <a:rPr lang="en-US" sz="1100" dirty="0">
+                  <a:solidFill>
+                    <a:schemeClr val="tx1"/>
+                  </a:solidFill>
+                </a:rPr>
+                <a:t> </a:t>
+              </a:r>
+              <a:r>
+                <a:rPr lang="en-US" sz="1100" dirty="0" err="1">
+                  <a:solidFill>
+                    <a:schemeClr val="tx1"/>
+                  </a:solidFill>
+                </a:rPr>
+                <a:t>ohne</a:t>
+              </a:r>
+              <a:r>
+                <a:rPr lang="en-US" sz="1100" dirty="0">
+                  <a:solidFill>
+                    <a:schemeClr val="tx1"/>
+                  </a:solidFill>
+                </a:rPr>
+                <a:t> </a:t>
+              </a:r>
+              <a:r>
+                <a:rPr lang="en-US" sz="1100" dirty="0" err="1">
+                  <a:solidFill>
+                    <a:schemeClr val="tx1"/>
+                  </a:solidFill>
+                </a:rPr>
+                <a:t>technische</a:t>
+              </a:r>
+              <a:r>
+                <a:rPr lang="en-US" sz="1100" dirty="0">
+                  <a:solidFill>
+                    <a:schemeClr val="tx1"/>
+                  </a:solidFill>
+                </a:rPr>
+                <a:t> </a:t>
+              </a:r>
+              <a:r>
+                <a:rPr lang="en-US" sz="1100" dirty="0" err="1">
+                  <a:solidFill>
+                    <a:schemeClr val="tx1"/>
+                  </a:solidFill>
+                </a:rPr>
+                <a:t>Vorkenntnisse</a:t>
+              </a:r>
+              <a:r>
+                <a:rPr lang="en-US" sz="1100" dirty="0">
+                  <a:solidFill>
+                    <a:schemeClr val="tx1"/>
+                  </a:solidFill>
+                </a:rPr>
+                <a:t> </a:t>
+              </a:r>
+              <a:r>
+                <a:rPr lang="en-US" sz="1100" dirty="0" err="1">
+                  <a:solidFill>
+                    <a:schemeClr val="tx1"/>
+                  </a:solidFill>
+                </a:rPr>
+                <a:t>bedienbar</a:t>
+              </a:r>
+              <a:r>
+                <a:rPr lang="en-US" sz="1100" dirty="0">
+                  <a:solidFill>
+                    <a:schemeClr val="tx1"/>
+                  </a:solidFill>
+                </a:rPr>
+                <a:t> sein. </a:t>
+              </a:r>
+              <a:r>
+                <a:rPr lang="en-US" sz="1100" dirty="0" err="1">
+                  <a:solidFill>
+                    <a:schemeClr val="tx1"/>
+                  </a:solidFill>
+                </a:rPr>
+                <a:t>Nutzer</a:t>
+              </a:r>
+              <a:r>
+                <a:rPr lang="en-US" sz="1100" dirty="0">
+                  <a:solidFill>
+                    <a:schemeClr val="tx1"/>
+                  </a:solidFill>
+                </a:rPr>
+                <a:t>*</a:t>
+              </a:r>
+              <a:r>
+                <a:rPr lang="en-US" sz="1100" dirty="0" err="1">
+                  <a:solidFill>
+                    <a:schemeClr val="tx1"/>
+                  </a:solidFill>
+                </a:rPr>
+                <a:t>innen</a:t>
+              </a:r>
+              <a:r>
+                <a:rPr lang="en-US" sz="1100" dirty="0">
+                  <a:solidFill>
+                    <a:schemeClr val="tx1"/>
+                  </a:solidFill>
+                </a:rPr>
+                <a:t> </a:t>
+              </a:r>
+              <a:r>
+                <a:rPr lang="en-US" sz="1100" dirty="0" err="1">
+                  <a:solidFill>
+                    <a:schemeClr val="tx1"/>
+                  </a:solidFill>
+                </a:rPr>
+                <a:t>sollen</a:t>
+              </a:r>
+              <a:r>
+                <a:rPr lang="en-US" sz="1100" dirty="0">
+                  <a:solidFill>
+                    <a:schemeClr val="tx1"/>
+                  </a:solidFill>
+                </a:rPr>
+                <a:t> </a:t>
+              </a:r>
+              <a:r>
+                <a:rPr lang="en-US" sz="1100" dirty="0" err="1">
+                  <a:solidFill>
+                    <a:schemeClr val="tx1"/>
+                  </a:solidFill>
+                </a:rPr>
+                <a:t>Funktionen</a:t>
+              </a:r>
+              <a:r>
+                <a:rPr lang="en-US" sz="1100" dirty="0">
+                  <a:solidFill>
+                    <a:schemeClr val="tx1"/>
+                  </a:solidFill>
+                </a:rPr>
+                <a:t> </a:t>
+              </a:r>
+              <a:r>
+                <a:rPr lang="en-US" sz="1100" dirty="0" err="1">
+                  <a:solidFill>
+                    <a:schemeClr val="tx1"/>
+                  </a:solidFill>
+                </a:rPr>
+                <a:t>wie</a:t>
+              </a:r>
+              <a:r>
+                <a:rPr lang="en-US" sz="1100" dirty="0">
+                  <a:solidFill>
+                    <a:schemeClr val="tx1"/>
+                  </a:solidFill>
+                </a:rPr>
+                <a:t> </a:t>
+              </a:r>
+              <a:r>
+                <a:rPr lang="en-US" sz="1100" dirty="0" err="1">
+                  <a:solidFill>
+                    <a:schemeClr val="tx1"/>
+                  </a:solidFill>
+                </a:rPr>
+                <a:t>Datenerfassung</a:t>
+              </a:r>
+              <a:r>
+                <a:rPr lang="en-US" sz="1100" dirty="0">
+                  <a:solidFill>
+                    <a:schemeClr val="tx1"/>
+                  </a:solidFill>
+                </a:rPr>
+                <a:t>, </a:t>
+              </a:r>
+              <a:r>
+                <a:rPr lang="en-US" sz="1100" dirty="0" err="1">
+                  <a:solidFill>
+                    <a:schemeClr val="tx1"/>
+                  </a:solidFill>
+                </a:rPr>
+                <a:t>Bearbeitung</a:t>
+              </a:r>
+              <a:r>
+                <a:rPr lang="en-US" sz="1100" dirty="0">
+                  <a:solidFill>
+                    <a:schemeClr val="tx1"/>
+                  </a:solidFill>
+                </a:rPr>
+                <a:t> und </a:t>
+              </a:r>
+              <a:r>
+                <a:rPr lang="en-US" sz="1100" dirty="0" err="1">
+                  <a:solidFill>
+                    <a:schemeClr val="tx1"/>
+                  </a:solidFill>
+                </a:rPr>
+                <a:t>Statistikausgabe</a:t>
+              </a:r>
+              <a:r>
+                <a:rPr lang="en-US" sz="1100" dirty="0">
+                  <a:solidFill>
+                    <a:schemeClr val="tx1"/>
+                  </a:solidFill>
+                </a:rPr>
+                <a:t> Leicht verstehen </a:t>
+              </a:r>
+              <a:r>
+                <a:rPr lang="en-US" sz="1100" dirty="0" err="1">
+                  <a:solidFill>
+                    <a:schemeClr val="tx1"/>
+                  </a:solidFill>
+                </a:rPr>
+                <a:t>können</a:t>
+              </a:r>
+              <a:r>
+                <a:rPr lang="en-US" sz="1100" dirty="0">
+                  <a:solidFill>
+                    <a:schemeClr val="tx1"/>
+                  </a:solidFill>
+                </a:rPr>
+                <a:t>. </a:t>
+              </a:r>
             </a:p>
           </p:txBody>
         </p:sp>
@@ -10132,11 +11513,142 @@
             <a:bodyPr rtlCol="0" anchor="ctr"/>
             <a:lstStyle/>
             <a:p>
-              <a:endParaRPr lang="en-US" sz="1600" u="sng" dirty="0">
-                <a:solidFill>
-                  <a:schemeClr val="tx1"/>
-                </a:solidFill>
-              </a:endParaRPr>
+              <a:r>
+                <a:rPr lang="en-US" sz="1100" dirty="0">
+                  <a:solidFill>
+                    <a:schemeClr val="tx1"/>
+                  </a:solidFill>
+                </a:rPr>
+                <a:t>Eine </a:t>
+              </a:r>
+              <a:r>
+                <a:rPr lang="en-US" sz="1100" dirty="0" err="1">
+                  <a:solidFill>
+                    <a:schemeClr val="tx1"/>
+                  </a:solidFill>
+                </a:rPr>
+                <a:t>einfache</a:t>
+              </a:r>
+              <a:r>
+                <a:rPr lang="en-US" sz="1100" dirty="0">
+                  <a:solidFill>
+                    <a:schemeClr val="tx1"/>
+                  </a:solidFill>
+                </a:rPr>
+                <a:t> </a:t>
+              </a:r>
+              <a:r>
+                <a:rPr lang="en-US" sz="1100" dirty="0" err="1">
+                  <a:solidFill>
+                    <a:schemeClr val="tx1"/>
+                  </a:solidFill>
+                </a:rPr>
+                <a:t>Bedienung</a:t>
+              </a:r>
+              <a:r>
+                <a:rPr lang="en-US" sz="1100" dirty="0">
+                  <a:solidFill>
+                    <a:schemeClr val="tx1"/>
+                  </a:solidFill>
+                </a:rPr>
+                <a:t> </a:t>
+              </a:r>
+              <a:r>
+                <a:rPr lang="en-US" sz="1100" dirty="0" err="1">
+                  <a:solidFill>
+                    <a:schemeClr val="tx1"/>
+                  </a:solidFill>
+                </a:rPr>
+                <a:t>ist</a:t>
+              </a:r>
+              <a:r>
+                <a:rPr lang="en-US" sz="1100" dirty="0">
+                  <a:solidFill>
+                    <a:schemeClr val="tx1"/>
+                  </a:solidFill>
+                </a:rPr>
+                <a:t> </a:t>
+              </a:r>
+              <a:r>
+                <a:rPr lang="en-US" sz="1100" dirty="0" err="1">
+                  <a:solidFill>
+                    <a:schemeClr val="tx1"/>
+                  </a:solidFill>
+                </a:rPr>
+                <a:t>entscheidend</a:t>
+              </a:r>
+              <a:r>
+                <a:rPr lang="en-US" sz="1100" dirty="0">
+                  <a:solidFill>
+                    <a:schemeClr val="tx1"/>
+                  </a:solidFill>
+                </a:rPr>
+                <a:t>, um </a:t>
+              </a:r>
+              <a:r>
+                <a:rPr lang="en-US" sz="1100" dirty="0" err="1">
+                  <a:solidFill>
+                    <a:schemeClr val="tx1"/>
+                  </a:solidFill>
+                </a:rPr>
+                <a:t>fehlerfreie</a:t>
+              </a:r>
+              <a:r>
+                <a:rPr lang="en-US" sz="1100" dirty="0">
+                  <a:solidFill>
+                    <a:schemeClr val="tx1"/>
+                  </a:solidFill>
+                </a:rPr>
+                <a:t> </a:t>
+              </a:r>
+              <a:r>
+                <a:rPr lang="en-US" sz="1100" dirty="0" err="1">
+                  <a:solidFill>
+                    <a:schemeClr val="tx1"/>
+                  </a:solidFill>
+                </a:rPr>
+                <a:t>Nutzung</a:t>
+              </a:r>
+              <a:r>
+                <a:rPr lang="en-US" sz="1100" dirty="0">
+                  <a:solidFill>
+                    <a:schemeClr val="tx1"/>
+                  </a:solidFill>
+                </a:rPr>
+                <a:t> </a:t>
+              </a:r>
+              <a:r>
+                <a:rPr lang="en-US" sz="1100" dirty="0" err="1">
+                  <a:solidFill>
+                    <a:schemeClr val="tx1"/>
+                  </a:solidFill>
+                </a:rPr>
+                <a:t>zu</a:t>
+              </a:r>
+              <a:r>
+                <a:rPr lang="en-US" sz="1100" dirty="0">
+                  <a:solidFill>
+                    <a:schemeClr val="tx1"/>
+                  </a:solidFill>
+                </a:rPr>
+                <a:t> </a:t>
+              </a:r>
+              <a:r>
+                <a:rPr lang="en-US" sz="1100" dirty="0" err="1">
+                  <a:solidFill>
+                    <a:schemeClr val="tx1"/>
+                  </a:solidFill>
+                </a:rPr>
+                <a:t>gewährleisten</a:t>
+              </a:r>
+              <a:r>
+                <a:rPr lang="en-US" sz="1100" dirty="0">
+                  <a:solidFill>
+                    <a:schemeClr val="tx1"/>
+                  </a:solidFill>
+                </a:rPr>
+                <a:t>. </a:t>
+              </a:r>
             </a:p>
           </p:txBody>
         </p:sp>
@@ -10278,7 +11790,39 @@
             <a:bodyPr rtlCol="0" anchor="ctr"/>
             <a:lstStyle/>
             <a:p>
-              <a:endParaRPr lang="en-US" sz="1600" u="sng" dirty="0">
+              <a:r>
+                <a:rPr lang="en-US" sz="1100" dirty="0">
+                  <a:solidFill>
+                    <a:schemeClr val="tx1"/>
+                  </a:solidFill>
+                </a:rPr>
+                <a:t>Mitarbeiter*</a:t>
+              </a:r>
+              <a:r>
+                <a:rPr lang="en-US" sz="1100" dirty="0" err="1">
+                  <a:solidFill>
+                    <a:schemeClr val="tx1"/>
+                  </a:solidFill>
+                </a:rPr>
+                <a:t>innen</a:t>
+              </a:r>
+              <a:r>
+                <a:rPr lang="en-US" sz="1100" dirty="0">
+                  <a:solidFill>
+                    <a:schemeClr val="tx1"/>
+                  </a:solidFill>
+                </a:rPr>
+                <a:t> des Bellis </a:t>
+              </a:r>
+              <a:r>
+                <a:rPr lang="en-US" sz="1100" dirty="0" err="1">
+                  <a:solidFill>
+                    <a:schemeClr val="tx1"/>
+                  </a:solidFill>
+                </a:rPr>
+                <a:t>e.V.</a:t>
+              </a:r>
+              <a:endParaRPr lang="en-US" sz="1100" dirty="0">
                 <a:solidFill>
                   <a:schemeClr val="tx1"/>
                 </a:solidFill>
@@ -10439,11 +11983,350 @@
               </a:endParaRPr>
             </a:p>
             <a:p>
-              <a:endParaRPr lang="en-US" sz="1600" u="sng" dirty="0">
-                <a:solidFill>
-                  <a:schemeClr val="tx1"/>
-                </a:solidFill>
-              </a:endParaRPr>
+              <a:r>
+                <a:rPr lang="en-US" sz="1200" dirty="0">
+                  <a:solidFill>
+                    <a:schemeClr val="tx1"/>
+                  </a:solidFill>
+                </a:rPr>
+                <a:t>Eine </a:t>
+              </a:r>
+              <a:r>
+                <a:rPr lang="en-US" sz="1200" dirty="0" err="1">
+                  <a:solidFill>
+                    <a:schemeClr val="tx1"/>
+                  </a:solidFill>
+                </a:rPr>
+                <a:t>neue</a:t>
+              </a:r>
+              <a:r>
+                <a:rPr lang="en-US" sz="1200" dirty="0">
+                  <a:solidFill>
+                    <a:schemeClr val="tx1"/>
+                  </a:solidFill>
+                </a:rPr>
+                <a:t> </a:t>
+              </a:r>
+              <a:r>
+                <a:rPr lang="en-US" sz="1200" dirty="0" err="1">
+                  <a:solidFill>
+                    <a:schemeClr val="tx1"/>
+                  </a:solidFill>
+                </a:rPr>
+                <a:t>Nutzer</a:t>
+              </a:r>
+              <a:r>
+                <a:rPr lang="en-US" sz="1200" dirty="0">
+                  <a:solidFill>
+                    <a:schemeClr val="tx1"/>
+                  </a:solidFill>
+                </a:rPr>
+                <a:t>*in </a:t>
+              </a:r>
+              <a:r>
+                <a:rPr lang="en-US" sz="1200" dirty="0" err="1">
+                  <a:solidFill>
+                    <a:schemeClr val="tx1"/>
+                  </a:solidFill>
+                </a:rPr>
+                <a:t>kann</a:t>
+              </a:r>
+              <a:r>
+                <a:rPr lang="en-US" sz="1200" dirty="0">
+                  <a:solidFill>
+                    <a:schemeClr val="tx1"/>
+                  </a:solidFill>
+                </a:rPr>
+                <a:t> </a:t>
+              </a:r>
+              <a:r>
+                <a:rPr lang="en-US" sz="1200" dirty="0" err="1">
+                  <a:solidFill>
+                    <a:schemeClr val="tx1"/>
+                  </a:solidFill>
+                </a:rPr>
+                <a:t>innerhalb</a:t>
+              </a:r>
+              <a:r>
+                <a:rPr lang="en-US" sz="1200" dirty="0">
+                  <a:solidFill>
+                    <a:schemeClr val="tx1"/>
+                  </a:solidFill>
+                </a:rPr>
+                <a:t> von </a:t>
+              </a:r>
+              <a:r>
+                <a:rPr lang="en-US" sz="1200" dirty="0" err="1">
+                  <a:solidFill>
+                    <a:schemeClr val="tx1"/>
+                  </a:solidFill>
+                </a:rPr>
+                <a:t>wenigen</a:t>
+              </a:r>
+              <a:r>
+                <a:rPr lang="en-US" sz="1200" dirty="0">
+                  <a:solidFill>
+                    <a:schemeClr val="tx1"/>
+                  </a:solidFill>
+                </a:rPr>
+                <a:t> </a:t>
+              </a:r>
+              <a:r>
+                <a:rPr lang="en-US" sz="1200" dirty="0" err="1">
+                  <a:solidFill>
+                    <a:schemeClr val="tx1"/>
+                  </a:solidFill>
+                </a:rPr>
+                <a:t>Minuten</a:t>
+              </a:r>
+              <a:r>
+                <a:rPr lang="en-US" sz="1200" dirty="0">
+                  <a:solidFill>
+                    <a:schemeClr val="tx1"/>
+                  </a:solidFill>
+                </a:rPr>
+                <a:t> </a:t>
+              </a:r>
+              <a:r>
+                <a:rPr lang="en-US" sz="1200" dirty="0" err="1">
+                  <a:solidFill>
+                    <a:schemeClr val="tx1"/>
+                  </a:solidFill>
+                </a:rPr>
+                <a:t>eine</a:t>
+              </a:r>
+              <a:r>
+                <a:rPr lang="en-US" sz="1200" dirty="0">
+                  <a:solidFill>
+                    <a:schemeClr val="tx1"/>
+                  </a:solidFill>
+                </a:rPr>
+                <a:t> </a:t>
+              </a:r>
+              <a:r>
+                <a:rPr lang="en-US" sz="1200" dirty="0" err="1">
+                  <a:solidFill>
+                    <a:schemeClr val="tx1"/>
+                  </a:solidFill>
+                </a:rPr>
+                <a:t>Anfrage</a:t>
+              </a:r>
+              <a:r>
+                <a:rPr lang="en-US" sz="1200" dirty="0">
+                  <a:solidFill>
+                    <a:schemeClr val="tx1"/>
+                  </a:solidFill>
+                </a:rPr>
+                <a:t> </a:t>
+              </a:r>
+              <a:r>
+                <a:rPr lang="en-US" sz="1200" dirty="0" err="1">
+                  <a:solidFill>
+                    <a:schemeClr val="tx1"/>
+                  </a:solidFill>
+                </a:rPr>
+                <a:t>vollständig</a:t>
+              </a:r>
+              <a:r>
+                <a:rPr lang="en-US" sz="1200" dirty="0">
+                  <a:solidFill>
+                    <a:schemeClr val="tx1"/>
+                  </a:solidFill>
+                </a:rPr>
+                <a:t> </a:t>
+              </a:r>
+              <a:r>
+                <a:rPr lang="en-US" sz="1200" dirty="0" err="1">
+                  <a:solidFill>
+                    <a:schemeClr val="tx1"/>
+                  </a:solidFill>
+                </a:rPr>
+                <a:t>erfassen</a:t>
+              </a:r>
+              <a:r>
+                <a:rPr lang="en-US" sz="1200" dirty="0">
+                  <a:solidFill>
+                    <a:schemeClr val="tx1"/>
+                  </a:solidFill>
+                </a:rPr>
+                <a:t>. Die </a:t>
+              </a:r>
+              <a:r>
+                <a:rPr lang="en-US" sz="1200" dirty="0" err="1">
+                  <a:solidFill>
+                    <a:schemeClr val="tx1"/>
+                  </a:solidFill>
+                </a:rPr>
+                <a:t>Oberfläche</a:t>
+              </a:r>
+              <a:r>
+                <a:rPr lang="en-US" sz="1200" dirty="0">
+                  <a:solidFill>
+                    <a:schemeClr val="tx1"/>
+                  </a:solidFill>
+                </a:rPr>
+                <a:t> </a:t>
+              </a:r>
+              <a:r>
+                <a:rPr lang="en-US" sz="1200" dirty="0" err="1">
+                  <a:solidFill>
+                    <a:schemeClr val="tx1"/>
+                  </a:solidFill>
+                </a:rPr>
+                <a:t>soll</a:t>
+              </a:r>
+              <a:r>
+                <a:rPr lang="en-US" sz="1200" dirty="0">
+                  <a:solidFill>
+                    <a:schemeClr val="tx1"/>
+                  </a:solidFill>
+                </a:rPr>
+                <a:t> </a:t>
+              </a:r>
+              <a:r>
+                <a:rPr lang="en-US" sz="1200" dirty="0" err="1">
+                  <a:solidFill>
+                    <a:schemeClr val="tx1"/>
+                  </a:solidFill>
+                </a:rPr>
+                <a:t>als</a:t>
+              </a:r>
+              <a:r>
+                <a:rPr lang="en-US" sz="1200" dirty="0">
+                  <a:solidFill>
+                    <a:schemeClr val="tx1"/>
+                  </a:solidFill>
+                </a:rPr>
+                <a:t> </a:t>
+              </a:r>
+              <a:r>
+                <a:rPr lang="en-US" sz="1200" dirty="0" err="1">
+                  <a:solidFill>
+                    <a:schemeClr val="tx1"/>
+                  </a:solidFill>
+                </a:rPr>
+                <a:t>intuitiv</a:t>
+              </a:r>
+              <a:r>
+                <a:rPr lang="en-US" sz="1200" dirty="0">
+                  <a:solidFill>
+                    <a:schemeClr val="tx1"/>
+                  </a:solidFill>
+                </a:rPr>
+                <a:t> und </a:t>
+              </a:r>
+              <a:r>
+                <a:rPr lang="en-US" sz="1200" dirty="0" err="1">
+                  <a:solidFill>
+                    <a:schemeClr val="tx1"/>
+                  </a:solidFill>
+                </a:rPr>
+                <a:t>verständlich</a:t>
+              </a:r>
+              <a:r>
+                <a:rPr lang="en-US" sz="1200" dirty="0">
+                  <a:solidFill>
+                    <a:schemeClr val="tx1"/>
+                  </a:solidFill>
+                </a:rPr>
+                <a:t> </a:t>
+              </a:r>
+              <a:r>
+                <a:rPr lang="en-US" sz="1200" dirty="0" err="1">
+                  <a:solidFill>
+                    <a:schemeClr val="tx1"/>
+                  </a:solidFill>
+                </a:rPr>
+                <a:t>wahrgenommen</a:t>
+              </a:r>
+              <a:r>
+                <a:rPr lang="en-US" sz="1200" dirty="0">
+                  <a:solidFill>
+                    <a:schemeClr val="tx1"/>
+                  </a:solidFill>
+                </a:rPr>
+                <a:t> </a:t>
+              </a:r>
+              <a:r>
+                <a:rPr lang="en-US" sz="1200" dirty="0" err="1">
+                  <a:solidFill>
+                    <a:schemeClr val="tx1"/>
+                  </a:solidFill>
+                </a:rPr>
+                <a:t>werden</a:t>
+              </a:r>
+              <a:r>
+                <a:rPr lang="en-US" sz="1200" dirty="0">
+                  <a:solidFill>
+                    <a:schemeClr val="tx1"/>
+                  </a:solidFill>
+                </a:rPr>
+                <a:t>. </a:t>
+              </a:r>
+              <a:r>
+                <a:rPr lang="en-US" sz="1200" dirty="0" err="1">
+                  <a:solidFill>
+                    <a:schemeClr val="tx1"/>
+                  </a:solidFill>
+                </a:rPr>
+                <a:t>Schriftgröße</a:t>
+              </a:r>
+              <a:r>
+                <a:rPr lang="en-US" sz="1200" dirty="0">
+                  <a:solidFill>
+                    <a:schemeClr val="tx1"/>
+                  </a:solidFill>
+                </a:rPr>
+                <a:t> und </a:t>
+              </a:r>
+              <a:r>
+                <a:rPr lang="en-US" sz="1200" dirty="0" err="1">
+                  <a:solidFill>
+                    <a:schemeClr val="tx1"/>
+                  </a:solidFill>
+                </a:rPr>
+                <a:t>Kontrast</a:t>
+              </a:r>
+              <a:r>
+                <a:rPr lang="en-US" sz="1200" dirty="0">
+                  <a:solidFill>
+                    <a:schemeClr val="tx1"/>
+                  </a:solidFill>
+                </a:rPr>
+                <a:t> </a:t>
+              </a:r>
+              <a:r>
+                <a:rPr lang="en-US" sz="1200" dirty="0" err="1">
+                  <a:solidFill>
+                    <a:schemeClr val="tx1"/>
+                  </a:solidFill>
+                </a:rPr>
+                <a:t>sind</a:t>
+              </a:r>
+              <a:r>
+                <a:rPr lang="en-US" sz="1200" dirty="0">
+                  <a:solidFill>
+                    <a:schemeClr val="tx1"/>
+                  </a:solidFill>
+                </a:rPr>
+                <a:t> </a:t>
+              </a:r>
+              <a:r>
+                <a:rPr lang="en-US" sz="1200" dirty="0" err="1">
+                  <a:solidFill>
+                    <a:schemeClr val="tx1"/>
+                  </a:solidFill>
+                </a:rPr>
+                <a:t>einstellbar</a:t>
+              </a:r>
+              <a:r>
+                <a:rPr lang="en-US" sz="1200" dirty="0">
+                  <a:solidFill>
+                    <a:schemeClr val="tx1"/>
+                  </a:solidFill>
+                </a:rPr>
+                <a:t>.</a:t>
+              </a:r>
             </a:p>
             <a:p>
               <a:endParaRPr lang="en-US" sz="1600" u="sng" dirty="0">
@@ -10531,7 +12414,15 @@
                   <a:schemeClr val="tx1"/>
                 </a:solidFill>
               </a:rPr>
-              <a:t>:</a:t>
+              <a:t>: </a:t>
+            </a:r>
+            <a:r>
+              <a:rPr lang="de-DE" sz="1100" dirty="0">
+                <a:solidFill>
+                  <a:schemeClr val="tx1"/>
+                </a:solidFill>
+              </a:rPr>
+              <a:t>Schnelle Einführung ohne Schulungsaufwand</a:t>
             </a:r>
           </a:p>
         </p:txBody>
@@ -10607,7 +12498,15 @@
                   <a:schemeClr val="tx1"/>
                 </a:solidFill>
               </a:rPr>
-              <a:t>:</a:t>
+              <a:t>: </a:t>
+            </a:r>
+            <a:r>
+              <a:rPr lang="de-DE" sz="1100" dirty="0">
+                <a:solidFill>
+                  <a:schemeClr val="tx1"/>
+                </a:solidFill>
+              </a:rPr>
+              <a:t>Wenn die Oberfläche zu komplex ist, wird sie nicht gerne genutzt</a:t>
             </a:r>
           </a:p>
         </p:txBody>
@@ -10680,7 +12579,15 @@
                   <a:schemeClr val="tx1"/>
                 </a:solidFill>
               </a:rPr>
-              <a:t>:</a:t>
+              <a:t>: </a:t>
+            </a:r>
+            <a:r>
+              <a:rPr lang="de-DE" sz="1100" dirty="0">
+                <a:solidFill>
+                  <a:schemeClr val="tx1"/>
+                </a:solidFill>
+              </a:rPr>
+              <a:t>Hoch</a:t>
             </a:r>
           </a:p>
         </p:txBody>
@@ -10748,7 +12655,15 @@
                   <a:schemeClr val="tx1"/>
                 </a:solidFill>
               </a:rPr>
-              <a:t>:</a:t>
+              <a:t>: </a:t>
+            </a:r>
+            <a:r>
+              <a:rPr lang="de-DE" sz="1100" dirty="0">
+                <a:solidFill>
+                  <a:schemeClr val="tx1"/>
+                </a:solidFill>
+              </a:rPr>
+              <a:t>Höhere Barrierefreiheit kann die Designfreiheit einschränken</a:t>
             </a:r>
           </a:p>
         </p:txBody>
@@ -10821,7 +12736,15 @@
                   <a:schemeClr val="tx1"/>
                 </a:solidFill>
               </a:rPr>
-              <a:t> Materials:</a:t>
+              <a:t> Materials: </a:t>
+            </a:r>
+            <a:r>
+              <a:rPr lang="de-DE" sz="1100" dirty="0">
+                <a:solidFill>
+                  <a:schemeClr val="tx1"/>
+                </a:solidFill>
+              </a:rPr>
+              <a:t>Projektbeschreibung</a:t>
             </a:r>
           </a:p>
         </p:txBody>
@@ -10894,7 +12817,15 @@
                   <a:schemeClr val="tx1"/>
                 </a:solidFill>
               </a:rPr>
-              <a:t>:</a:t>
+              <a:t>: </a:t>
+            </a:r>
+            <a:r>
+              <a:rPr lang="de-DE" sz="1100" dirty="0">
+                <a:solidFill>
+                  <a:schemeClr val="tx1"/>
+                </a:solidFill>
+              </a:rPr>
+              <a:t>01.11.</a:t>
             </a:r>
           </a:p>
         </p:txBody>

--- a/requirements/Snow_Card_Template.pptx
+++ b/requirements/Snow_Card_Template.pptx
@@ -187,20 +187,12 @@
 </p:presentation>
 </file>
 
-<file path=ppt/revisionInfo.xml><?xml version="1.0" encoding="utf-8"?>
-<p1510:revInfo xmlns:a="http://schemas.openxmlformats.org/drawingml/2006/main" xmlns:r="http://schemas.openxmlformats.org/officeDocument/2006/relationships" xmlns:p1510="http://schemas.microsoft.com/office/powerpoint/2015/10/main">
-  <p1510:revLst>
-    <p1510:client id="{491B7DA5-8C32-4711-AF06-E98DA0A06F70}" v="43" dt="2025-10-31T17:19:02.795"/>
-  </p1510:revLst>
-</p1510:revInfo>
-</file>
-
 <file path=ppt/changesInfos/changesInfo1.xml><?xml version="1.0" encoding="utf-8"?>
 <pc:chgInfo xmlns:a="http://schemas.openxmlformats.org/drawingml/2006/main" xmlns:r="http://schemas.openxmlformats.org/officeDocument/2006/relationships" xmlns:ac="http://schemas.microsoft.com/office/drawing/2013/main/command" xmlns:pc="http://schemas.microsoft.com/office/powerpoint/2013/main/command">
   <pc:docChgLst>
     <pc:chgData name="Anton Schmierer" userId="cd19fb61ffe98ab8" providerId="LiveId" clId="{80B9D0F7-EA3F-41F2-A018-82727FD7D854}"/>
     <pc:docChg chg="undo custSel addSld delSld modSld">
-      <pc:chgData name="Anton Schmierer" userId="cd19fb61ffe98ab8" providerId="LiveId" clId="{80B9D0F7-EA3F-41F2-A018-82727FD7D854}" dt="2025-10-31T17:30:08.735" v="1560" actId="20577"/>
+      <pc:chgData name="Anton Schmierer" userId="cd19fb61ffe98ab8" providerId="LiveId" clId="{80B9D0F7-EA3F-41F2-A018-82727FD7D854}" dt="2025-11-02T12:01:20.402" v="1583" actId="20577"/>
       <pc:docMkLst>
         <pc:docMk/>
       </pc:docMkLst>
@@ -254,174 +246,6 @@
           <pc:docMk/>
           <pc:sldMk cId="4138308023" sldId="321"/>
         </pc:sldMkLst>
-        <pc:spChg chg="add mod">
-          <ac:chgData name="Anton Schmierer" userId="cd19fb61ffe98ab8" providerId="LiveId" clId="{80B9D0F7-EA3F-41F2-A018-82727FD7D854}" dt="2025-10-31T16:44:03.557" v="598" actId="403"/>
-          <ac:spMkLst>
-            <pc:docMk/>
-            <pc:sldMk cId="4138308023" sldId="321"/>
-            <ac:spMk id="2" creationId="{58E6ED6A-5276-3D67-F900-C2A4C6F791A3}"/>
-          </ac:spMkLst>
-        </pc:spChg>
-        <pc:spChg chg="add mod">
-          <ac:chgData name="Anton Schmierer" userId="cd19fb61ffe98ab8" providerId="LiveId" clId="{80B9D0F7-EA3F-41F2-A018-82727FD7D854}" dt="2025-10-31T16:44:09.804" v="602" actId="404"/>
-          <ac:spMkLst>
-            <pc:docMk/>
-            <pc:sldMk cId="4138308023" sldId="321"/>
-            <ac:spMk id="3" creationId="{3B00EDAD-1365-FF3F-A259-D94E746F412E}"/>
-          </ac:spMkLst>
-        </pc:spChg>
-        <pc:spChg chg="add mod">
-          <ac:chgData name="Anton Schmierer" userId="cd19fb61ffe98ab8" providerId="LiveId" clId="{80B9D0F7-EA3F-41F2-A018-82727FD7D854}" dt="2025-10-31T16:44:03.557" v="598" actId="403"/>
-          <ac:spMkLst>
-            <pc:docMk/>
-            <pc:sldMk cId="4138308023" sldId="321"/>
-            <ac:spMk id="4" creationId="{4BBE0604-7D99-1D7A-C7BE-2A7B9CE40F3A}"/>
-          </ac:spMkLst>
-        </pc:spChg>
-        <pc:spChg chg="mod">
-          <ac:chgData name="Anton Schmierer" userId="cd19fb61ffe98ab8" providerId="LiveId" clId="{80B9D0F7-EA3F-41F2-A018-82727FD7D854}" dt="2025-10-31T16:32:13.700" v="308" actId="1076"/>
-          <ac:spMkLst>
-            <pc:docMk/>
-            <pc:sldMk cId="4138308023" sldId="321"/>
-            <ac:spMk id="5" creationId="{E3079A6A-7F56-E714-B4D4-F61F7E7F9DC0}"/>
-          </ac:spMkLst>
-        </pc:spChg>
-        <pc:spChg chg="add mod">
-          <ac:chgData name="Anton Schmierer" userId="cd19fb61ffe98ab8" providerId="LiveId" clId="{80B9D0F7-EA3F-41F2-A018-82727FD7D854}" dt="2025-10-31T16:20:44.219" v="70"/>
-          <ac:spMkLst>
-            <pc:docMk/>
-            <pc:sldMk cId="4138308023" sldId="321"/>
-            <ac:spMk id="6" creationId="{C6050A22-A784-0486-8D60-40021A989C88}"/>
-          </ac:spMkLst>
-        </pc:spChg>
-        <pc:spChg chg="mod">
-          <ac:chgData name="Anton Schmierer" userId="cd19fb61ffe98ab8" providerId="LiveId" clId="{80B9D0F7-EA3F-41F2-A018-82727FD7D854}" dt="2025-10-31T16:44:03.557" v="598" actId="403"/>
-          <ac:spMkLst>
-            <pc:docMk/>
-            <pc:sldMk cId="4138308023" sldId="321"/>
-            <ac:spMk id="7" creationId="{181661DF-5A32-8022-52A5-967FF12A5251}"/>
-          </ac:spMkLst>
-        </pc:spChg>
-        <pc:spChg chg="add mod">
-          <ac:chgData name="Anton Schmierer" userId="cd19fb61ffe98ab8" providerId="LiveId" clId="{80B9D0F7-EA3F-41F2-A018-82727FD7D854}" dt="2025-10-31T16:44:03.557" v="598" actId="403"/>
-          <ac:spMkLst>
-            <pc:docMk/>
-            <pc:sldMk cId="4138308023" sldId="321"/>
-            <ac:spMk id="8" creationId="{355D9EBE-0F44-B8C9-5766-9DE81F0C789E}"/>
-          </ac:spMkLst>
-        </pc:spChg>
-        <pc:spChg chg="add mod">
-          <ac:chgData name="Anton Schmierer" userId="cd19fb61ffe98ab8" providerId="LiveId" clId="{80B9D0F7-EA3F-41F2-A018-82727FD7D854}" dt="2025-10-31T16:43:23.792" v="593" actId="552"/>
-          <ac:spMkLst>
-            <pc:docMk/>
-            <pc:sldMk cId="4138308023" sldId="321"/>
-            <ac:spMk id="9" creationId="{56A1587D-4EEB-DD13-9050-797908653041}"/>
-          </ac:spMkLst>
-        </pc:spChg>
-        <pc:spChg chg="add mod">
-          <ac:chgData name="Anton Schmierer" userId="cd19fb61ffe98ab8" providerId="LiveId" clId="{80B9D0F7-EA3F-41F2-A018-82727FD7D854}" dt="2025-10-31T16:44:03.557" v="598" actId="403"/>
-          <ac:spMkLst>
-            <pc:docMk/>
-            <pc:sldMk cId="4138308023" sldId="321"/>
-            <ac:spMk id="10" creationId="{4BB91660-F14D-0B9A-E4D1-2846A3B3C228}"/>
-          </ac:spMkLst>
-        </pc:spChg>
-        <pc:spChg chg="add mod">
-          <ac:chgData name="Anton Schmierer" userId="cd19fb61ffe98ab8" providerId="LiveId" clId="{80B9D0F7-EA3F-41F2-A018-82727FD7D854}" dt="2025-10-31T16:43:23.792" v="593" actId="552"/>
-          <ac:spMkLst>
-            <pc:docMk/>
-            <pc:sldMk cId="4138308023" sldId="321"/>
-            <ac:spMk id="11" creationId="{1308DCC4-7AAC-145F-F74A-FBC19A98C27F}"/>
-          </ac:spMkLst>
-        </pc:spChg>
-        <pc:spChg chg="add del mod">
-          <ac:chgData name="Anton Schmierer" userId="cd19fb61ffe98ab8" providerId="LiveId" clId="{80B9D0F7-EA3F-41F2-A018-82727FD7D854}" dt="2025-10-31T16:40:41.198" v="549" actId="478"/>
-          <ac:spMkLst>
-            <pc:docMk/>
-            <pc:sldMk cId="4138308023" sldId="321"/>
-            <ac:spMk id="12" creationId="{D4321070-1144-83D2-4C57-E674063C8BFA}"/>
-          </ac:spMkLst>
-        </pc:spChg>
-        <pc:spChg chg="add del mod">
-          <ac:chgData name="Anton Schmierer" userId="cd19fb61ffe98ab8" providerId="LiveId" clId="{80B9D0F7-EA3F-41F2-A018-82727FD7D854}" dt="2025-10-31T16:38:27.909" v="499" actId="478"/>
-          <ac:spMkLst>
-            <pc:docMk/>
-            <pc:sldMk cId="4138308023" sldId="321"/>
-            <ac:spMk id="13" creationId="{F78E5A0C-6A28-2766-8E7A-573189EF9659}"/>
-          </ac:spMkLst>
-        </pc:spChg>
-        <pc:spChg chg="add del mod">
-          <ac:chgData name="Anton Schmierer" userId="cd19fb61ffe98ab8" providerId="LiveId" clId="{80B9D0F7-EA3F-41F2-A018-82727FD7D854}" dt="2025-10-31T16:38:26.150" v="498" actId="478"/>
-          <ac:spMkLst>
-            <pc:docMk/>
-            <pc:sldMk cId="4138308023" sldId="321"/>
-            <ac:spMk id="14" creationId="{793E0EDC-BF67-DC25-58E3-462A795DA487}"/>
-          </ac:spMkLst>
-        </pc:spChg>
-        <pc:spChg chg="add del mod">
-          <ac:chgData name="Anton Schmierer" userId="cd19fb61ffe98ab8" providerId="LiveId" clId="{80B9D0F7-EA3F-41F2-A018-82727FD7D854}" dt="2025-10-31T16:38:26.150" v="498" actId="478"/>
-          <ac:spMkLst>
-            <pc:docMk/>
-            <pc:sldMk cId="4138308023" sldId="321"/>
-            <ac:spMk id="15" creationId="{6FF1A289-CD6F-CDEC-544F-05146FA1651B}"/>
-          </ac:spMkLst>
-        </pc:spChg>
-        <pc:spChg chg="add del mod">
-          <ac:chgData name="Anton Schmierer" userId="cd19fb61ffe98ab8" providerId="LiveId" clId="{80B9D0F7-EA3F-41F2-A018-82727FD7D854}" dt="2025-10-31T16:38:29.427" v="500" actId="478"/>
-          <ac:spMkLst>
-            <pc:docMk/>
-            <pc:sldMk cId="4138308023" sldId="321"/>
-            <ac:spMk id="16" creationId="{2BFEEABB-F264-299E-5949-12F37D5B9AD8}"/>
-          </ac:spMkLst>
-        </pc:spChg>
-        <pc:spChg chg="add del mod">
-          <ac:chgData name="Anton Schmierer" userId="cd19fb61ffe98ab8" providerId="LiveId" clId="{80B9D0F7-EA3F-41F2-A018-82727FD7D854}" dt="2025-10-31T16:36:55.188" v="446" actId="478"/>
-          <ac:spMkLst>
-            <pc:docMk/>
-            <pc:sldMk cId="4138308023" sldId="321"/>
-            <ac:spMk id="17" creationId="{6D1D89FE-488E-DCA0-2885-9E4285C1D55E}"/>
-          </ac:spMkLst>
-        </pc:spChg>
-        <pc:spChg chg="add mod">
-          <ac:chgData name="Anton Schmierer" userId="cd19fb61ffe98ab8" providerId="LiveId" clId="{80B9D0F7-EA3F-41F2-A018-82727FD7D854}" dt="2025-10-31T16:44:03.557" v="598" actId="403"/>
-          <ac:spMkLst>
-            <pc:docMk/>
-            <pc:sldMk cId="4138308023" sldId="321"/>
-            <ac:spMk id="18" creationId="{B1F993AC-A5D7-14A7-08A6-7897ED28436C}"/>
-          </ac:spMkLst>
-        </pc:spChg>
-        <pc:spChg chg="add mod">
-          <ac:chgData name="Anton Schmierer" userId="cd19fb61ffe98ab8" providerId="LiveId" clId="{80B9D0F7-EA3F-41F2-A018-82727FD7D854}" dt="2025-10-31T16:44:03.557" v="598" actId="403"/>
-          <ac:spMkLst>
-            <pc:docMk/>
-            <pc:sldMk cId="4138308023" sldId="321"/>
-            <ac:spMk id="19" creationId="{96905951-54E1-5403-B737-225E2A9EDA0A}"/>
-          </ac:spMkLst>
-        </pc:spChg>
-        <pc:spChg chg="add mod">
-          <ac:chgData name="Anton Schmierer" userId="cd19fb61ffe98ab8" providerId="LiveId" clId="{80B9D0F7-EA3F-41F2-A018-82727FD7D854}" dt="2025-10-31T16:44:03.557" v="598" actId="403"/>
-          <ac:spMkLst>
-            <pc:docMk/>
-            <pc:sldMk cId="4138308023" sldId="321"/>
-            <ac:spMk id="20" creationId="{BE2ACEA5-9E72-24F1-6151-FFF0233B38A1}"/>
-          </ac:spMkLst>
-        </pc:spChg>
-        <pc:spChg chg="add mod">
-          <ac:chgData name="Anton Schmierer" userId="cd19fb61ffe98ab8" providerId="LiveId" clId="{80B9D0F7-EA3F-41F2-A018-82727FD7D854}" dt="2025-10-31T16:44:03.557" v="598" actId="403"/>
-          <ac:spMkLst>
-            <pc:docMk/>
-            <pc:sldMk cId="4138308023" sldId="321"/>
-            <ac:spMk id="21" creationId="{68E24266-F891-5AD3-4AEA-6594439CD2AC}"/>
-          </ac:spMkLst>
-        </pc:spChg>
-        <pc:spChg chg="add mod">
-          <ac:chgData name="Anton Schmierer" userId="cd19fb61ffe98ab8" providerId="LiveId" clId="{80B9D0F7-EA3F-41F2-A018-82727FD7D854}" dt="2025-10-31T16:44:03.557" v="598" actId="403"/>
-          <ac:spMkLst>
-            <pc:docMk/>
-            <pc:sldMk cId="4138308023" sldId="321"/>
-            <ac:spMk id="22" creationId="{583DF7D8-7ABC-5AE2-4C68-BB7D305F7127}"/>
-          </ac:spMkLst>
-        </pc:spChg>
       </pc:sldChg>
       <pc:sldChg chg="del">
         <pc:chgData name="Anton Schmierer" userId="cd19fb61ffe98ab8" providerId="LiveId" clId="{80B9D0F7-EA3F-41F2-A018-82727FD7D854}" dt="2025-10-31T16:09:01.383" v="2" actId="2696"/>
@@ -436,285 +260,13 @@
           <pc:docMk/>
           <pc:sldMk cId="3874823076" sldId="322"/>
         </pc:sldMkLst>
-        <pc:spChg chg="del">
-          <ac:chgData name="Anton Schmierer" userId="cd19fb61ffe98ab8" providerId="LiveId" clId="{80B9D0F7-EA3F-41F2-A018-82727FD7D854}" dt="2025-10-31T16:30:54.165" v="305" actId="478"/>
-          <ac:spMkLst>
-            <pc:docMk/>
-            <pc:sldMk cId="3874823076" sldId="322"/>
-            <ac:spMk id="2" creationId="{A36ABC37-52CE-908C-8863-A4BD917D0A6A}"/>
-          </ac:spMkLst>
-        </pc:spChg>
-        <pc:spChg chg="del">
-          <ac:chgData name="Anton Schmierer" userId="cd19fb61ffe98ab8" providerId="LiveId" clId="{80B9D0F7-EA3F-41F2-A018-82727FD7D854}" dt="2025-10-31T16:30:54.165" v="305" actId="478"/>
-          <ac:spMkLst>
-            <pc:docMk/>
-            <pc:sldMk cId="3874823076" sldId="322"/>
-            <ac:spMk id="3" creationId="{A286D2DB-6ECA-3F0B-77CC-DD8C96CECC97}"/>
-          </ac:spMkLst>
-        </pc:spChg>
-        <pc:spChg chg="del">
-          <ac:chgData name="Anton Schmierer" userId="cd19fb61ffe98ab8" providerId="LiveId" clId="{80B9D0F7-EA3F-41F2-A018-82727FD7D854}" dt="2025-10-31T16:30:50.106" v="304" actId="478"/>
-          <ac:spMkLst>
-            <pc:docMk/>
-            <pc:sldMk cId="3874823076" sldId="322"/>
-            <ac:spMk id="4" creationId="{2F694394-49CA-E2AA-5100-65BA65C399EF}"/>
-          </ac:spMkLst>
-        </pc:spChg>
-        <pc:spChg chg="mod">
-          <ac:chgData name="Anton Schmierer" userId="cd19fb61ffe98ab8" providerId="LiveId" clId="{80B9D0F7-EA3F-41F2-A018-82727FD7D854}" dt="2025-10-31T16:30:44.603" v="303" actId="1076"/>
-          <ac:spMkLst>
-            <pc:docMk/>
-            <pc:sldMk cId="3874823076" sldId="322"/>
-            <ac:spMk id="5" creationId="{095B6D34-7DF2-5923-C8E2-20A069249269}"/>
-          </ac:spMkLst>
-        </pc:spChg>
-        <pc:spChg chg="del">
-          <ac:chgData name="Anton Schmierer" userId="cd19fb61ffe98ab8" providerId="LiveId" clId="{80B9D0F7-EA3F-41F2-A018-82727FD7D854}" dt="2025-10-31T16:30:54.165" v="305" actId="478"/>
-          <ac:spMkLst>
-            <pc:docMk/>
-            <pc:sldMk cId="3874823076" sldId="322"/>
-            <ac:spMk id="7" creationId="{F8371035-9B93-15AE-FDF9-58C768340EA0}"/>
-          </ac:spMkLst>
-        </pc:spChg>
-        <pc:spChg chg="del">
-          <ac:chgData name="Anton Schmierer" userId="cd19fb61ffe98ab8" providerId="LiveId" clId="{80B9D0F7-EA3F-41F2-A018-82727FD7D854}" dt="2025-10-31T16:30:50.106" v="304" actId="478"/>
-          <ac:spMkLst>
-            <pc:docMk/>
-            <pc:sldMk cId="3874823076" sldId="322"/>
-            <ac:spMk id="8" creationId="{AEAC1907-6830-5E6F-8BBF-8A648ECF95AC}"/>
-          </ac:spMkLst>
-        </pc:spChg>
-        <pc:spChg chg="del">
-          <ac:chgData name="Anton Schmierer" userId="cd19fb61ffe98ab8" providerId="LiveId" clId="{80B9D0F7-EA3F-41F2-A018-82727FD7D854}" dt="2025-10-31T16:30:50.106" v="304" actId="478"/>
-          <ac:spMkLst>
-            <pc:docMk/>
-            <pc:sldMk cId="3874823076" sldId="322"/>
-            <ac:spMk id="9" creationId="{34120DDE-515B-459C-9537-F570EF71972A}"/>
-          </ac:spMkLst>
-        </pc:spChg>
-        <pc:spChg chg="del">
-          <ac:chgData name="Anton Schmierer" userId="cd19fb61ffe98ab8" providerId="LiveId" clId="{80B9D0F7-EA3F-41F2-A018-82727FD7D854}" dt="2025-10-31T16:30:50.106" v="304" actId="478"/>
-          <ac:spMkLst>
-            <pc:docMk/>
-            <pc:sldMk cId="3874823076" sldId="322"/>
-            <ac:spMk id="10" creationId="{98A98C1E-D19D-5EA5-5E7C-307C06932840}"/>
-          </ac:spMkLst>
-        </pc:spChg>
-        <pc:spChg chg="del">
-          <ac:chgData name="Anton Schmierer" userId="cd19fb61ffe98ab8" providerId="LiveId" clId="{80B9D0F7-EA3F-41F2-A018-82727FD7D854}" dt="2025-10-31T16:30:50.106" v="304" actId="478"/>
-          <ac:spMkLst>
-            <pc:docMk/>
-            <pc:sldMk cId="3874823076" sldId="322"/>
-            <ac:spMk id="11" creationId="{CF2A4494-6B04-03C0-481F-3E85845356A8}"/>
-          </ac:spMkLst>
-        </pc:spChg>
-        <pc:spChg chg="del">
-          <ac:chgData name="Anton Schmierer" userId="cd19fb61ffe98ab8" providerId="LiveId" clId="{80B9D0F7-EA3F-41F2-A018-82727FD7D854}" dt="2025-10-31T16:30:50.106" v="304" actId="478"/>
-          <ac:spMkLst>
-            <pc:docMk/>
-            <pc:sldMk cId="3874823076" sldId="322"/>
-            <ac:spMk id="12" creationId="{13BF176F-0F92-B40B-C854-7EE99521F517}"/>
-          </ac:spMkLst>
-        </pc:spChg>
-        <pc:spChg chg="del">
-          <ac:chgData name="Anton Schmierer" userId="cd19fb61ffe98ab8" providerId="LiveId" clId="{80B9D0F7-EA3F-41F2-A018-82727FD7D854}" dt="2025-10-31T16:30:50.106" v="304" actId="478"/>
-          <ac:spMkLst>
-            <pc:docMk/>
-            <pc:sldMk cId="3874823076" sldId="322"/>
-            <ac:spMk id="13" creationId="{B6949CA3-A8D4-3148-45AB-BA4916CF523A}"/>
-          </ac:spMkLst>
-        </pc:spChg>
-        <pc:spChg chg="del">
-          <ac:chgData name="Anton Schmierer" userId="cd19fb61ffe98ab8" providerId="LiveId" clId="{80B9D0F7-EA3F-41F2-A018-82727FD7D854}" dt="2025-10-31T16:30:50.106" v="304" actId="478"/>
-          <ac:spMkLst>
-            <pc:docMk/>
-            <pc:sldMk cId="3874823076" sldId="322"/>
-            <ac:spMk id="14" creationId="{A093A628-BDE1-91BF-5BE7-D3133C07998A}"/>
-          </ac:spMkLst>
-        </pc:spChg>
-        <pc:spChg chg="del">
-          <ac:chgData name="Anton Schmierer" userId="cd19fb61ffe98ab8" providerId="LiveId" clId="{80B9D0F7-EA3F-41F2-A018-82727FD7D854}" dt="2025-10-31T16:30:50.106" v="304" actId="478"/>
-          <ac:spMkLst>
-            <pc:docMk/>
-            <pc:sldMk cId="3874823076" sldId="322"/>
-            <ac:spMk id="15" creationId="{60CF77E7-55FD-156F-AC5D-8908F3633602}"/>
-          </ac:spMkLst>
-        </pc:spChg>
-        <pc:spChg chg="del">
-          <ac:chgData name="Anton Schmierer" userId="cd19fb61ffe98ab8" providerId="LiveId" clId="{80B9D0F7-EA3F-41F2-A018-82727FD7D854}" dt="2025-10-31T16:30:50.106" v="304" actId="478"/>
-          <ac:spMkLst>
-            <pc:docMk/>
-            <pc:sldMk cId="3874823076" sldId="322"/>
-            <ac:spMk id="16" creationId="{98AEDDDF-3264-5E89-B32A-CDD58989002F}"/>
-          </ac:spMkLst>
-        </pc:spChg>
-        <pc:spChg chg="add mod">
-          <ac:chgData name="Anton Schmierer" userId="cd19fb61ffe98ab8" providerId="LiveId" clId="{80B9D0F7-EA3F-41F2-A018-82727FD7D854}" dt="2025-10-31T16:30:54.165" v="305" actId="478"/>
-          <ac:spMkLst>
-            <pc:docMk/>
-            <pc:sldMk cId="3874823076" sldId="322"/>
-            <ac:spMk id="17" creationId="{02BB7235-8D80-86C5-7EF7-1362BD33E0E6}"/>
-          </ac:spMkLst>
-        </pc:spChg>
-        <pc:spChg chg="add mod">
-          <ac:chgData name="Anton Schmierer" userId="cd19fb61ffe98ab8" providerId="LiveId" clId="{80B9D0F7-EA3F-41F2-A018-82727FD7D854}" dt="2025-10-31T16:31:01.677" v="306"/>
-          <ac:spMkLst>
-            <pc:docMk/>
-            <pc:sldMk cId="3874823076" sldId="322"/>
-            <ac:spMk id="19" creationId="{C6B84921-4E77-1534-9345-F600B323872E}"/>
-          </ac:spMkLst>
-        </pc:spChg>
-        <pc:spChg chg="add mod">
-          <ac:chgData name="Anton Schmierer" userId="cd19fb61ffe98ab8" providerId="LiveId" clId="{80B9D0F7-EA3F-41F2-A018-82727FD7D854}" dt="2025-10-31T16:31:01.677" v="306"/>
-          <ac:spMkLst>
-            <pc:docMk/>
-            <pc:sldMk cId="3874823076" sldId="322"/>
-            <ac:spMk id="20" creationId="{9EAC4B71-3482-2FB8-D221-B95B0B2DA78F}"/>
-          </ac:spMkLst>
-        </pc:spChg>
-        <pc:spChg chg="add mod">
-          <ac:chgData name="Anton Schmierer" userId="cd19fb61ffe98ab8" providerId="LiveId" clId="{80B9D0F7-EA3F-41F2-A018-82727FD7D854}" dt="2025-10-31T16:31:01.677" v="306"/>
-          <ac:spMkLst>
-            <pc:docMk/>
-            <pc:sldMk cId="3874823076" sldId="322"/>
-            <ac:spMk id="22" creationId="{34946706-B729-D93E-8638-690D16728235}"/>
-          </ac:spMkLst>
-        </pc:spChg>
-        <pc:spChg chg="add mod">
-          <ac:chgData name="Anton Schmierer" userId="cd19fb61ffe98ab8" providerId="LiveId" clId="{80B9D0F7-EA3F-41F2-A018-82727FD7D854}" dt="2025-10-31T16:31:01.677" v="306"/>
-          <ac:spMkLst>
-            <pc:docMk/>
-            <pc:sldMk cId="3874823076" sldId="322"/>
-            <ac:spMk id="25" creationId="{63F3EC68-056F-CB1E-5BCE-B1444E67F284}"/>
-          </ac:spMkLst>
-        </pc:spChg>
-        <pc:spChg chg="add mod">
-          <ac:chgData name="Anton Schmierer" userId="cd19fb61ffe98ab8" providerId="LiveId" clId="{80B9D0F7-EA3F-41F2-A018-82727FD7D854}" dt="2025-10-31T16:31:01.677" v="306"/>
-          <ac:spMkLst>
-            <pc:docMk/>
-            <pc:sldMk cId="3874823076" sldId="322"/>
-            <ac:spMk id="26" creationId="{F184491A-9365-6A60-698D-033FF9A637D1}"/>
-          </ac:spMkLst>
-        </pc:spChg>
-        <pc:spChg chg="add mod">
-          <ac:chgData name="Anton Schmierer" userId="cd19fb61ffe98ab8" providerId="LiveId" clId="{80B9D0F7-EA3F-41F2-A018-82727FD7D854}" dt="2025-10-31T16:31:01.677" v="306"/>
-          <ac:spMkLst>
-            <pc:docMk/>
-            <pc:sldMk cId="3874823076" sldId="322"/>
-            <ac:spMk id="27" creationId="{5B4FD141-1EC9-203B-9016-78054AF05305}"/>
-          </ac:spMkLst>
-        </pc:spChg>
-        <pc:spChg chg="add mod">
-          <ac:chgData name="Anton Schmierer" userId="cd19fb61ffe98ab8" providerId="LiveId" clId="{80B9D0F7-EA3F-41F2-A018-82727FD7D854}" dt="2025-10-31T16:31:01.677" v="306"/>
-          <ac:spMkLst>
-            <pc:docMk/>
-            <pc:sldMk cId="3874823076" sldId="322"/>
-            <ac:spMk id="28" creationId="{83A7A32D-18BA-6B3E-6201-EE3F0DA014A5}"/>
-          </ac:spMkLst>
-        </pc:spChg>
-        <pc:spChg chg="add mod">
-          <ac:chgData name="Anton Schmierer" userId="cd19fb61ffe98ab8" providerId="LiveId" clId="{80B9D0F7-EA3F-41F2-A018-82727FD7D854}" dt="2025-10-31T16:31:01.677" v="306"/>
-          <ac:spMkLst>
-            <pc:docMk/>
-            <pc:sldMk cId="3874823076" sldId="322"/>
-            <ac:spMk id="30" creationId="{3E416257-BBE8-091C-3CD5-05F85EAB04B7}"/>
-          </ac:spMkLst>
-        </pc:spChg>
-        <pc:spChg chg="add mod">
-          <ac:chgData name="Anton Schmierer" userId="cd19fb61ffe98ab8" providerId="LiveId" clId="{80B9D0F7-EA3F-41F2-A018-82727FD7D854}" dt="2025-10-31T16:31:01.677" v="306"/>
-          <ac:spMkLst>
-            <pc:docMk/>
-            <pc:sldMk cId="3874823076" sldId="322"/>
-            <ac:spMk id="31" creationId="{B1F4119C-CF10-A79C-80A5-F06496B48C10}"/>
-          </ac:spMkLst>
-        </pc:spChg>
-        <pc:spChg chg="add mod">
-          <ac:chgData name="Anton Schmierer" userId="cd19fb61ffe98ab8" providerId="LiveId" clId="{80B9D0F7-EA3F-41F2-A018-82727FD7D854}" dt="2025-10-31T16:31:01.677" v="306"/>
-          <ac:spMkLst>
-            <pc:docMk/>
-            <pc:sldMk cId="3874823076" sldId="322"/>
-            <ac:spMk id="32" creationId="{42501866-5D44-52E9-169E-73701D82EF37}"/>
-          </ac:spMkLst>
-        </pc:spChg>
       </pc:sldChg>
       <pc:sldChg chg="addSp delSp modSp add mod">
-        <pc:chgData name="Anton Schmierer" userId="cd19fb61ffe98ab8" providerId="LiveId" clId="{80B9D0F7-EA3F-41F2-A018-82727FD7D854}" dt="2025-10-31T17:22:55.685" v="1201" actId="207"/>
+        <pc:chgData name="Anton Schmierer" userId="cd19fb61ffe98ab8" providerId="LiveId" clId="{80B9D0F7-EA3F-41F2-A018-82727FD7D854}" dt="2025-11-02T12:01:17.202" v="1582" actId="20577"/>
         <pc:sldMkLst>
           <pc:docMk/>
           <pc:sldMk cId="840838842" sldId="323"/>
         </pc:sldMkLst>
-        <pc:spChg chg="del">
-          <ac:chgData name="Anton Schmierer" userId="cd19fb61ffe98ab8" providerId="LiveId" clId="{80B9D0F7-EA3F-41F2-A018-82727FD7D854}" dt="2025-10-31T16:48:10.907" v="605" actId="478"/>
-          <ac:spMkLst>
-            <pc:docMk/>
-            <pc:sldMk cId="840838842" sldId="323"/>
-            <ac:spMk id="2" creationId="{BB8BD1F0-E0DD-24C8-2BD1-974FA41DE189}"/>
-          </ac:spMkLst>
-        </pc:spChg>
-        <pc:spChg chg="del">
-          <ac:chgData name="Anton Schmierer" userId="cd19fb61ffe98ab8" providerId="LiveId" clId="{80B9D0F7-EA3F-41F2-A018-82727FD7D854}" dt="2025-10-31T16:48:19.990" v="608" actId="478"/>
-          <ac:spMkLst>
-            <pc:docMk/>
-            <pc:sldMk cId="840838842" sldId="323"/>
-            <ac:spMk id="3" creationId="{64974DAD-7107-A9FD-5553-F10BFD63C166}"/>
-          </ac:spMkLst>
-        </pc:spChg>
-        <pc:spChg chg="del">
-          <ac:chgData name="Anton Schmierer" userId="cd19fb61ffe98ab8" providerId="LiveId" clId="{80B9D0F7-EA3F-41F2-A018-82727FD7D854}" dt="2025-10-31T16:48:08.565" v="604" actId="478"/>
-          <ac:spMkLst>
-            <pc:docMk/>
-            <pc:sldMk cId="840838842" sldId="323"/>
-            <ac:spMk id="4" creationId="{ECA435C2-6C0F-B2D8-30A4-C5BDD460243A}"/>
-          </ac:spMkLst>
-        </pc:spChg>
-        <pc:spChg chg="del">
-          <ac:chgData name="Anton Schmierer" userId="cd19fb61ffe98ab8" providerId="LiveId" clId="{80B9D0F7-EA3F-41F2-A018-82727FD7D854}" dt="2025-10-31T16:48:12.671" v="606" actId="478"/>
-          <ac:spMkLst>
-            <pc:docMk/>
-            <pc:sldMk cId="840838842" sldId="323"/>
-            <ac:spMk id="7" creationId="{792193DD-505A-DE1B-DD7C-7CD13ED18D6D}"/>
-          </ac:spMkLst>
-        </pc:spChg>
-        <pc:spChg chg="del">
-          <ac:chgData name="Anton Schmierer" userId="cd19fb61ffe98ab8" providerId="LiveId" clId="{80B9D0F7-EA3F-41F2-A018-82727FD7D854}" dt="2025-10-31T16:48:08.565" v="604" actId="478"/>
-          <ac:spMkLst>
-            <pc:docMk/>
-            <pc:sldMk cId="840838842" sldId="323"/>
-            <ac:spMk id="8" creationId="{C5F61ABD-540F-8846-3C5D-49C81EFFC8D3}"/>
-          </ac:spMkLst>
-        </pc:spChg>
-        <pc:spChg chg="del">
-          <ac:chgData name="Anton Schmierer" userId="cd19fb61ffe98ab8" providerId="LiveId" clId="{80B9D0F7-EA3F-41F2-A018-82727FD7D854}" dt="2025-10-31T16:48:08.565" v="604" actId="478"/>
-          <ac:spMkLst>
-            <pc:docMk/>
-            <pc:sldMk cId="840838842" sldId="323"/>
-            <ac:spMk id="9" creationId="{04173979-BC96-BE01-1D15-A313A6C3A56F}"/>
-          </ac:spMkLst>
-        </pc:spChg>
-        <pc:spChg chg="del">
-          <ac:chgData name="Anton Schmierer" userId="cd19fb61ffe98ab8" providerId="LiveId" clId="{80B9D0F7-EA3F-41F2-A018-82727FD7D854}" dt="2025-10-31T16:48:08.565" v="604" actId="478"/>
-          <ac:spMkLst>
-            <pc:docMk/>
-            <pc:sldMk cId="840838842" sldId="323"/>
-            <ac:spMk id="10" creationId="{1FC38447-3132-7378-DDDA-F1DD40C510EB}"/>
-          </ac:spMkLst>
-        </pc:spChg>
-        <pc:spChg chg="del">
-          <ac:chgData name="Anton Schmierer" userId="cd19fb61ffe98ab8" providerId="LiveId" clId="{80B9D0F7-EA3F-41F2-A018-82727FD7D854}" dt="2025-10-31T16:48:08.565" v="604" actId="478"/>
-          <ac:spMkLst>
-            <pc:docMk/>
-            <pc:sldMk cId="840838842" sldId="323"/>
-            <ac:spMk id="11" creationId="{20EE058D-D63F-9637-8F9A-3769820C0E2D}"/>
-          </ac:spMkLst>
-        </pc:spChg>
-        <pc:spChg chg="add del mod">
-          <ac:chgData name="Anton Schmierer" userId="cd19fb61ffe98ab8" providerId="LiveId" clId="{80B9D0F7-EA3F-41F2-A018-82727FD7D854}" dt="2025-10-31T16:48:18.419" v="607" actId="478"/>
-          <ac:spMkLst>
-            <pc:docMk/>
-            <pc:sldMk cId="840838842" sldId="323"/>
-            <ac:spMk id="12" creationId="{F1CBF084-F6DA-ED78-DBF0-0631A53049F4}"/>
-          </ac:spMkLst>
-        </pc:spChg>
         <pc:spChg chg="add mod">
           <ac:chgData name="Anton Schmierer" userId="cd19fb61ffe98ab8" providerId="LiveId" clId="{80B9D0F7-EA3F-41F2-A018-82727FD7D854}" dt="2025-10-31T17:16:23.993" v="1004" actId="12788"/>
           <ac:spMkLst>
@@ -732,7 +284,7 @@
           </ac:spMkLst>
         </pc:spChg>
         <pc:spChg chg="add mod">
-          <ac:chgData name="Anton Schmierer" userId="cd19fb61ffe98ab8" providerId="LiveId" clId="{80B9D0F7-EA3F-41F2-A018-82727FD7D854}" dt="2025-10-31T17:22:55.685" v="1201" actId="207"/>
+          <ac:chgData name="Anton Schmierer" userId="cd19fb61ffe98ab8" providerId="LiveId" clId="{80B9D0F7-EA3F-41F2-A018-82727FD7D854}" dt="2025-11-02T12:01:17.202" v="1582" actId="20577"/>
           <ac:spMkLst>
             <pc:docMk/>
             <pc:sldMk cId="840838842" sldId="323"/>
@@ -747,84 +299,12 @@
             <ac:spMk id="16" creationId="{53882B26-0FFE-8541-E3E9-B67B5CEEFFE6}"/>
           </ac:spMkLst>
         </pc:spChg>
-        <pc:spChg chg="add del mod">
-          <ac:chgData name="Anton Schmierer" userId="cd19fb61ffe98ab8" providerId="LiveId" clId="{80B9D0F7-EA3F-41F2-A018-82727FD7D854}" dt="2025-10-31T17:02:49.689" v="824" actId="478"/>
-          <ac:spMkLst>
-            <pc:docMk/>
-            <pc:sldMk cId="840838842" sldId="323"/>
-            <ac:spMk id="17" creationId="{263E3562-47C5-0EAB-FD5F-550415CB6360}"/>
-          </ac:spMkLst>
-        </pc:spChg>
-        <pc:spChg chg="del">
-          <ac:chgData name="Anton Schmierer" userId="cd19fb61ffe98ab8" providerId="LiveId" clId="{80B9D0F7-EA3F-41F2-A018-82727FD7D854}" dt="2025-10-31T16:48:08.565" v="604" actId="478"/>
-          <ac:spMkLst>
-            <pc:docMk/>
-            <pc:sldMk cId="840838842" sldId="323"/>
-            <ac:spMk id="18" creationId="{159C5C30-2A17-AD06-1493-62FA37C97C46}"/>
-          </ac:spMkLst>
-        </pc:spChg>
-        <pc:spChg chg="del">
-          <ac:chgData name="Anton Schmierer" userId="cd19fb61ffe98ab8" providerId="LiveId" clId="{80B9D0F7-EA3F-41F2-A018-82727FD7D854}" dt="2025-10-31T16:48:08.565" v="604" actId="478"/>
-          <ac:spMkLst>
-            <pc:docMk/>
-            <pc:sldMk cId="840838842" sldId="323"/>
-            <ac:spMk id="19" creationId="{D8738A27-BBF0-67F9-EEDB-4AEDC3BC8CC5}"/>
-          </ac:spMkLst>
-        </pc:spChg>
-        <pc:spChg chg="del">
-          <ac:chgData name="Anton Schmierer" userId="cd19fb61ffe98ab8" providerId="LiveId" clId="{80B9D0F7-EA3F-41F2-A018-82727FD7D854}" dt="2025-10-31T16:48:08.565" v="604" actId="478"/>
-          <ac:spMkLst>
-            <pc:docMk/>
-            <pc:sldMk cId="840838842" sldId="323"/>
-            <ac:spMk id="20" creationId="{F4A9D50F-307A-951F-ED86-94E8BF2B20E5}"/>
-          </ac:spMkLst>
-        </pc:spChg>
-        <pc:spChg chg="del">
-          <ac:chgData name="Anton Schmierer" userId="cd19fb61ffe98ab8" providerId="LiveId" clId="{80B9D0F7-EA3F-41F2-A018-82727FD7D854}" dt="2025-10-31T16:48:08.565" v="604" actId="478"/>
-          <ac:spMkLst>
-            <pc:docMk/>
-            <pc:sldMk cId="840838842" sldId="323"/>
-            <ac:spMk id="21" creationId="{3DA40B04-A04D-64A9-4D14-D4DE966D3F12}"/>
-          </ac:spMkLst>
-        </pc:spChg>
-        <pc:spChg chg="del">
-          <ac:chgData name="Anton Schmierer" userId="cd19fb61ffe98ab8" providerId="LiveId" clId="{80B9D0F7-EA3F-41F2-A018-82727FD7D854}" dt="2025-10-31T16:48:08.565" v="604" actId="478"/>
-          <ac:spMkLst>
-            <pc:docMk/>
-            <pc:sldMk cId="840838842" sldId="323"/>
-            <ac:spMk id="22" creationId="{9CC675C6-1450-AA44-9E8A-86B9A38E2538}"/>
-          </ac:spMkLst>
-        </pc:spChg>
         <pc:spChg chg="add mod">
-          <ac:chgData name="Anton Schmierer" userId="cd19fb61ffe98ab8" providerId="LiveId" clId="{80B9D0F7-EA3F-41F2-A018-82727FD7D854}" dt="2025-10-31T17:22:55.685" v="1201" actId="207"/>
+          <ac:chgData name="Anton Schmierer" userId="cd19fb61ffe98ab8" providerId="LiveId" clId="{80B9D0F7-EA3F-41F2-A018-82727FD7D854}" dt="2025-11-02T12:00:52.753" v="1571" actId="6549"/>
           <ac:spMkLst>
             <pc:docMk/>
             <pc:sldMk cId="840838842" sldId="323"/>
             <ac:spMk id="23" creationId="{6DD8798C-9846-824E-B3B1-C5C10749438D}"/>
-          </ac:spMkLst>
-        </pc:spChg>
-        <pc:spChg chg="add mod">
-          <ac:chgData name="Anton Schmierer" userId="cd19fb61ffe98ab8" providerId="LiveId" clId="{80B9D0F7-EA3F-41F2-A018-82727FD7D854}" dt="2025-10-31T17:02:18.368" v="819"/>
-          <ac:spMkLst>
-            <pc:docMk/>
-            <pc:sldMk cId="840838842" sldId="323"/>
-            <ac:spMk id="24" creationId="{36782A07-5E28-77F2-D64E-7A00C5593133}"/>
-          </ac:spMkLst>
-        </pc:spChg>
-        <pc:spChg chg="add del mod">
-          <ac:chgData name="Anton Schmierer" userId="cd19fb61ffe98ab8" providerId="LiveId" clId="{80B9D0F7-EA3F-41F2-A018-82727FD7D854}" dt="2025-10-31T17:02:49.689" v="824" actId="478"/>
-          <ac:spMkLst>
-            <pc:docMk/>
-            <pc:sldMk cId="840838842" sldId="323"/>
-            <ac:spMk id="25" creationId="{8923A928-854D-F740-4C80-C98BB768F4AA}"/>
-          </ac:spMkLst>
-        </pc:spChg>
-        <pc:spChg chg="add del mod">
-          <ac:chgData name="Anton Schmierer" userId="cd19fb61ffe98ab8" providerId="LiveId" clId="{80B9D0F7-EA3F-41F2-A018-82727FD7D854}" dt="2025-10-31T17:02:56.634" v="826" actId="478"/>
-          <ac:spMkLst>
-            <pc:docMk/>
-            <pc:sldMk cId="840838842" sldId="323"/>
-            <ac:spMk id="27" creationId="{1D308F54-62E8-C39F-3FA3-B3C533A4CD93}"/>
           </ac:spMkLst>
         </pc:spChg>
         <pc:spChg chg="mod">
@@ -836,7 +316,7 @@
           </ac:spMkLst>
         </pc:spChg>
         <pc:spChg chg="mod">
-          <ac:chgData name="Anton Schmierer" userId="cd19fb61ffe98ab8" providerId="LiveId" clId="{80B9D0F7-EA3F-41F2-A018-82727FD7D854}" dt="2025-10-31T17:22:55.685" v="1201" actId="207"/>
+          <ac:chgData name="Anton Schmierer" userId="cd19fb61ffe98ab8" providerId="LiveId" clId="{80B9D0F7-EA3F-41F2-A018-82727FD7D854}" dt="2025-11-02T12:00:54.121" v="1572" actId="6549"/>
           <ac:spMkLst>
             <pc:docMk/>
             <pc:sldMk cId="840838842" sldId="323"/>
@@ -852,7 +332,7 @@
           </ac:spMkLst>
         </pc:spChg>
         <pc:spChg chg="mod">
-          <ac:chgData name="Anton Schmierer" userId="cd19fb61ffe98ab8" providerId="LiveId" clId="{80B9D0F7-EA3F-41F2-A018-82727FD7D854}" dt="2025-10-31T17:22:55.685" v="1201" actId="207"/>
+          <ac:chgData name="Anton Schmierer" userId="cd19fb61ffe98ab8" providerId="LiveId" clId="{80B9D0F7-EA3F-41F2-A018-82727FD7D854}" dt="2025-11-02T12:00:55.335" v="1573" actId="6549"/>
           <ac:spMkLst>
             <pc:docMk/>
             <pc:sldMk cId="840838842" sldId="323"/>
@@ -868,7 +348,7 @@
           </ac:spMkLst>
         </pc:spChg>
         <pc:spChg chg="mod">
-          <ac:chgData name="Anton Schmierer" userId="cd19fb61ffe98ab8" providerId="LiveId" clId="{80B9D0F7-EA3F-41F2-A018-82727FD7D854}" dt="2025-10-31T17:22:55.685" v="1201" actId="207"/>
+          <ac:chgData name="Anton Schmierer" userId="cd19fb61ffe98ab8" providerId="LiveId" clId="{80B9D0F7-EA3F-41F2-A018-82727FD7D854}" dt="2025-11-02T12:00:56.652" v="1574" actId="6549"/>
           <ac:spMkLst>
             <pc:docMk/>
             <pc:sldMk cId="840838842" sldId="323"/>
@@ -876,7 +356,7 @@
           </ac:spMkLst>
         </pc:spChg>
         <pc:spChg chg="add mod">
-          <ac:chgData name="Anton Schmierer" userId="cd19fb61ffe98ab8" providerId="LiveId" clId="{80B9D0F7-EA3F-41F2-A018-82727FD7D854}" dt="2025-10-31T17:22:55.685" v="1201" actId="207"/>
+          <ac:chgData name="Anton Schmierer" userId="cd19fb61ffe98ab8" providerId="LiveId" clId="{80B9D0F7-EA3F-41F2-A018-82727FD7D854}" dt="2025-11-02T12:00:59.266" v="1575" actId="6549"/>
           <ac:spMkLst>
             <pc:docMk/>
             <pc:sldMk cId="840838842" sldId="323"/>
@@ -884,7 +364,7 @@
           </ac:spMkLst>
         </pc:spChg>
         <pc:spChg chg="add mod">
-          <ac:chgData name="Anton Schmierer" userId="cd19fb61ffe98ab8" providerId="LiveId" clId="{80B9D0F7-EA3F-41F2-A018-82727FD7D854}" dt="2025-10-31T17:22:55.685" v="1201" actId="207"/>
+          <ac:chgData name="Anton Schmierer" userId="cd19fb61ffe98ab8" providerId="LiveId" clId="{80B9D0F7-EA3F-41F2-A018-82727FD7D854}" dt="2025-11-02T12:01:07.483" v="1579" actId="6549"/>
           <ac:spMkLst>
             <pc:docMk/>
             <pc:sldMk cId="840838842" sldId="323"/>
@@ -892,7 +372,7 @@
           </ac:spMkLst>
         </pc:spChg>
         <pc:spChg chg="add mod">
-          <ac:chgData name="Anton Schmierer" userId="cd19fb61ffe98ab8" providerId="LiveId" clId="{80B9D0F7-EA3F-41F2-A018-82727FD7D854}" dt="2025-10-31T17:20:25.444" v="1149" actId="20577"/>
+          <ac:chgData name="Anton Schmierer" userId="cd19fb61ffe98ab8" providerId="LiveId" clId="{80B9D0F7-EA3F-41F2-A018-82727FD7D854}" dt="2025-11-02T12:01:00.279" v="1576" actId="6549"/>
           <ac:spMkLst>
             <pc:docMk/>
             <pc:sldMk cId="840838842" sldId="323"/>
@@ -900,7 +380,7 @@
           </ac:spMkLst>
         </pc:spChg>
         <pc:spChg chg="add mod">
-          <ac:chgData name="Anton Schmierer" userId="cd19fb61ffe98ab8" providerId="LiveId" clId="{80B9D0F7-EA3F-41F2-A018-82727FD7D854}" dt="2025-10-31T17:20:49.858" v="1165" actId="20577"/>
+          <ac:chgData name="Anton Schmierer" userId="cd19fb61ffe98ab8" providerId="LiveId" clId="{80B9D0F7-EA3F-41F2-A018-82727FD7D854}" dt="2025-11-02T12:01:09.553" v="1580" actId="6549"/>
           <ac:spMkLst>
             <pc:docMk/>
             <pc:sldMk cId="840838842" sldId="323"/>
@@ -908,7 +388,7 @@
           </ac:spMkLst>
         </pc:spChg>
         <pc:spChg chg="add mod">
-          <ac:chgData name="Anton Schmierer" userId="cd19fb61ffe98ab8" providerId="LiveId" clId="{80B9D0F7-EA3F-41F2-A018-82727FD7D854}" dt="2025-10-31T17:21:04.922" v="1188" actId="20577"/>
+          <ac:chgData name="Anton Schmierer" userId="cd19fb61ffe98ab8" providerId="LiveId" clId="{80B9D0F7-EA3F-41F2-A018-82727FD7D854}" dt="2025-11-02T12:01:01.283" v="1577" actId="6549"/>
           <ac:spMkLst>
             <pc:docMk/>
             <pc:sldMk cId="840838842" sldId="323"/>
@@ -916,7 +396,7 @@
           </ac:spMkLst>
         </pc:spChg>
         <pc:spChg chg="add mod">
-          <ac:chgData name="Anton Schmierer" userId="cd19fb61ffe98ab8" providerId="LiveId" clId="{80B9D0F7-EA3F-41F2-A018-82727FD7D854}" dt="2025-10-31T17:22:55.685" v="1201" actId="207"/>
+          <ac:chgData name="Anton Schmierer" userId="cd19fb61ffe98ab8" providerId="LiveId" clId="{80B9D0F7-EA3F-41F2-A018-82727FD7D854}" dt="2025-11-02T12:01:04.010" v="1578" actId="6549"/>
           <ac:spMkLst>
             <pc:docMk/>
             <pc:sldMk cId="840838842" sldId="323"/>
@@ -971,7 +451,7 @@
         </pc:sldMkLst>
       </pc:sldChg>
       <pc:sldChg chg="modSp add mod">
-        <pc:chgData name="Anton Schmierer" userId="cd19fb61ffe98ab8" providerId="LiveId" clId="{80B9D0F7-EA3F-41F2-A018-82727FD7D854}" dt="2025-10-31T17:24:46.991" v="1212" actId="20577"/>
+        <pc:chgData name="Anton Schmierer" userId="cd19fb61ffe98ab8" providerId="LiveId" clId="{80B9D0F7-EA3F-41F2-A018-82727FD7D854}" dt="2025-11-02T12:01:20.402" v="1583" actId="20577"/>
         <pc:sldMkLst>
           <pc:docMk/>
           <pc:sldMk cId="3198472219" sldId="324"/>
@@ -982,6 +462,94 @@
             <pc:docMk/>
             <pc:sldMk cId="3198472219" sldId="324"/>
             <ac:spMk id="5" creationId="{000C1D0B-B467-5948-C622-835FFEE33463}"/>
+          </ac:spMkLst>
+        </pc:spChg>
+        <pc:spChg chg="mod">
+          <ac:chgData name="Anton Schmierer" userId="cd19fb61ffe98ab8" providerId="LiveId" clId="{80B9D0F7-EA3F-41F2-A018-82727FD7D854}" dt="2025-11-02T12:01:20.402" v="1583" actId="20577"/>
+          <ac:spMkLst>
+            <pc:docMk/>
+            <pc:sldMk cId="3198472219" sldId="324"/>
+            <ac:spMk id="15" creationId="{856B961D-F51D-6F4C-A1F9-B09D60081259}"/>
+          </ac:spMkLst>
+        </pc:spChg>
+        <pc:spChg chg="mod">
+          <ac:chgData name="Anton Schmierer" userId="cd19fb61ffe98ab8" providerId="LiveId" clId="{80B9D0F7-EA3F-41F2-A018-82727FD7D854}" dt="2025-11-02T12:00:20.872" v="1561" actId="6549"/>
+          <ac:spMkLst>
+            <pc:docMk/>
+            <pc:sldMk cId="3198472219" sldId="324"/>
+            <ac:spMk id="23" creationId="{2C1286C7-C68F-5F16-0D9B-1DBA4D2E3D45}"/>
+          </ac:spMkLst>
+        </pc:spChg>
+        <pc:spChg chg="mod">
+          <ac:chgData name="Anton Schmierer" userId="cd19fb61ffe98ab8" providerId="LiveId" clId="{80B9D0F7-EA3F-41F2-A018-82727FD7D854}" dt="2025-11-02T12:00:22.351" v="1562" actId="6549"/>
+          <ac:spMkLst>
+            <pc:docMk/>
+            <pc:sldMk cId="3198472219" sldId="324"/>
+            <ac:spMk id="30" creationId="{6D0FFC1E-8967-7C12-A88E-CE3F989EE207}"/>
+          </ac:spMkLst>
+        </pc:spChg>
+        <pc:spChg chg="mod">
+          <ac:chgData name="Anton Schmierer" userId="cd19fb61ffe98ab8" providerId="LiveId" clId="{80B9D0F7-EA3F-41F2-A018-82727FD7D854}" dt="2025-11-02T12:00:23.944" v="1563" actId="6549"/>
+          <ac:spMkLst>
+            <pc:docMk/>
+            <pc:sldMk cId="3198472219" sldId="324"/>
+            <ac:spMk id="33" creationId="{4CFA62C9-9BD8-1E81-A223-56D80A9F9FB2}"/>
+          </ac:spMkLst>
+        </pc:spChg>
+        <pc:spChg chg="mod">
+          <ac:chgData name="Anton Schmierer" userId="cd19fb61ffe98ab8" providerId="LiveId" clId="{80B9D0F7-EA3F-41F2-A018-82727FD7D854}" dt="2025-11-02T12:00:25.043" v="1564" actId="6549"/>
+          <ac:spMkLst>
+            <pc:docMk/>
+            <pc:sldMk cId="3198472219" sldId="324"/>
+            <ac:spMk id="36" creationId="{1EA3713F-729B-04C7-B7E5-83DBB5A34B0E}"/>
+          </ac:spMkLst>
+        </pc:spChg>
+        <pc:spChg chg="mod">
+          <ac:chgData name="Anton Schmierer" userId="cd19fb61ffe98ab8" providerId="LiveId" clId="{80B9D0F7-EA3F-41F2-A018-82727FD7D854}" dt="2025-11-02T12:00:28.692" v="1565" actId="6549"/>
+          <ac:spMkLst>
+            <pc:docMk/>
+            <pc:sldMk cId="3198472219" sldId="324"/>
+            <ac:spMk id="37" creationId="{8BF66F1C-F3F0-6207-6D6C-D7D327A8FC3B}"/>
+          </ac:spMkLst>
+        </pc:spChg>
+        <pc:spChg chg="mod">
+          <ac:chgData name="Anton Schmierer" userId="cd19fb61ffe98ab8" providerId="LiveId" clId="{80B9D0F7-EA3F-41F2-A018-82727FD7D854}" dt="2025-11-02T12:00:37.307" v="1569" actId="6549"/>
+          <ac:spMkLst>
+            <pc:docMk/>
+            <pc:sldMk cId="3198472219" sldId="324"/>
+            <ac:spMk id="38" creationId="{C35DC875-2562-1A44-A2D2-2B03E097E088}"/>
+          </ac:spMkLst>
+        </pc:spChg>
+        <pc:spChg chg="mod">
+          <ac:chgData name="Anton Schmierer" userId="cd19fb61ffe98ab8" providerId="LiveId" clId="{80B9D0F7-EA3F-41F2-A018-82727FD7D854}" dt="2025-11-02T12:00:30.056" v="1566" actId="6549"/>
+          <ac:spMkLst>
+            <pc:docMk/>
+            <pc:sldMk cId="3198472219" sldId="324"/>
+            <ac:spMk id="39" creationId="{24BE4F8F-8C82-1E22-A77E-1A39EBD6F4B1}"/>
+          </ac:spMkLst>
+        </pc:spChg>
+        <pc:spChg chg="mod">
+          <ac:chgData name="Anton Schmierer" userId="cd19fb61ffe98ab8" providerId="LiveId" clId="{80B9D0F7-EA3F-41F2-A018-82727FD7D854}" dt="2025-11-02T12:00:39.616" v="1570" actId="6549"/>
+          <ac:spMkLst>
+            <pc:docMk/>
+            <pc:sldMk cId="3198472219" sldId="324"/>
+            <ac:spMk id="40" creationId="{E43B6525-5DD7-A335-6AF1-9D22F4E70BE3}"/>
+          </ac:spMkLst>
+        </pc:spChg>
+        <pc:spChg chg="mod">
+          <ac:chgData name="Anton Schmierer" userId="cd19fb61ffe98ab8" providerId="LiveId" clId="{80B9D0F7-EA3F-41F2-A018-82727FD7D854}" dt="2025-11-02T12:00:31.107" v="1567" actId="6549"/>
+          <ac:spMkLst>
+            <pc:docMk/>
+            <pc:sldMk cId="3198472219" sldId="324"/>
+            <ac:spMk id="41" creationId="{D767AA3C-7BA7-BCCD-1823-6957F385573B}"/>
+          </ac:spMkLst>
+        </pc:spChg>
+        <pc:spChg chg="mod">
+          <ac:chgData name="Anton Schmierer" userId="cd19fb61ffe98ab8" providerId="LiveId" clId="{80B9D0F7-EA3F-41F2-A018-82727FD7D854}" dt="2025-11-02T12:00:32.700" v="1568" actId="6549"/>
+          <ac:spMkLst>
+            <pc:docMk/>
+            <pc:sldMk cId="3198472219" sldId="324"/>
+            <ac:spMk id="42" creationId="{0BEE69BB-E5CD-6491-43F9-7B7EBF604529}"/>
           </ac:spMkLst>
         </pc:spChg>
       </pc:sldChg>
@@ -1122,7 +690,7 @@
           <a:p>
             <a:fld id="{283A9E21-4981-413F-9BAB-A1BE42E0A624}" type="datetimeFigureOut">
               <a:rPr lang="de-DE" smtClean="0"/>
-              <a:t>01.11.2025</a:t>
+              <a:t>02.11.2025</a:t>
             </a:fld>
             <a:endParaRPr lang="de-DE"/>
           </a:p>
@@ -8579,16 +8147,13 @@
                   <a:schemeClr val="tx1"/>
                 </a:solidFill>
               </a:rPr>
-              <a:t>Event/BUC/PUC#: </a:t>
-            </a:r>
-            <a:r>
-              <a:rPr lang="de-DE" sz="1100" dirty="0">
-                <a:solidFill>
-                  <a:schemeClr val="tx1"/>
-                </a:solidFill>
-              </a:rPr>
-              <a:t>BUC-01-Datenerfassung</a:t>
-            </a:r>
+              <a:t>Event/BUC/PUC #:</a:t>
+            </a:r>
+            <a:endParaRPr lang="de-DE" sz="1100" dirty="0">
+              <a:solidFill>
+                <a:schemeClr val="tx1"/>
+              </a:solidFill>
+            </a:endParaRPr>
           </a:p>
         </p:txBody>
       </p:sp>
@@ -8721,534 +8286,6 @@
             <a:bodyPr rtlCol="0" anchor="ctr"/>
             <a:lstStyle/>
             <a:p>
-              <a:r>
-                <a:rPr lang="en-US" sz="1100" dirty="0">
-                  <a:solidFill>
-                    <a:schemeClr val="tx1"/>
-                  </a:solidFill>
-                </a:rPr>
-                <a:t>Das System </a:t>
-              </a:r>
-              <a:r>
-                <a:rPr lang="en-US" sz="1100" dirty="0" err="1">
-                  <a:solidFill>
-                    <a:schemeClr val="tx1"/>
-                  </a:solidFill>
-                </a:rPr>
-                <a:t>soll</a:t>
-              </a:r>
-              <a:r>
-                <a:rPr lang="en-US" sz="1100" dirty="0">
-                  <a:solidFill>
-                    <a:schemeClr val="tx1"/>
-                  </a:solidFill>
-                </a:rPr>
-                <a:t> Mitarbeiter*</a:t>
-              </a:r>
-              <a:r>
-                <a:rPr lang="en-US" sz="1100" dirty="0" err="1">
-                  <a:solidFill>
-                    <a:schemeClr val="tx1"/>
-                  </a:solidFill>
-                </a:rPr>
-                <a:t>innen</a:t>
-              </a:r>
-              <a:r>
-                <a:rPr lang="en-US" sz="1100" dirty="0">
-                  <a:solidFill>
-                    <a:schemeClr val="tx1"/>
-                  </a:solidFill>
-                </a:rPr>
-                <a:t> </a:t>
-              </a:r>
-              <a:r>
-                <a:rPr lang="en-US" sz="1100" dirty="0" err="1">
-                  <a:solidFill>
-                    <a:schemeClr val="tx1"/>
-                  </a:solidFill>
-                </a:rPr>
-                <a:t>ermöglichen</a:t>
-              </a:r>
-              <a:r>
-                <a:rPr lang="en-US" sz="1100" dirty="0">
-                  <a:solidFill>
-                    <a:schemeClr val="tx1"/>
-                  </a:solidFill>
-                </a:rPr>
-                <a:t>, </a:t>
-              </a:r>
-              <a:r>
-                <a:rPr lang="en-US" sz="1100" dirty="0" err="1">
-                  <a:solidFill>
-                    <a:schemeClr val="tx1"/>
-                  </a:solidFill>
-                </a:rPr>
-                <a:t>neue</a:t>
-              </a:r>
-              <a:r>
-                <a:rPr lang="en-US" sz="1100" dirty="0">
-                  <a:solidFill>
-                    <a:schemeClr val="tx1"/>
-                  </a:solidFill>
-                </a:rPr>
-                <a:t> </a:t>
-              </a:r>
-              <a:r>
-                <a:rPr lang="en-US" sz="1100" dirty="0" err="1">
-                  <a:solidFill>
-                    <a:schemeClr val="tx1"/>
-                  </a:solidFill>
-                </a:rPr>
-                <a:t>Anfragen</a:t>
-              </a:r>
-              <a:r>
-                <a:rPr lang="en-US" sz="1100" dirty="0">
-                  <a:solidFill>
-                    <a:schemeClr val="tx1"/>
-                  </a:solidFill>
-                </a:rPr>
-                <a:t> und </a:t>
-              </a:r>
-              <a:r>
-                <a:rPr lang="en-US" sz="1100" dirty="0" err="1">
-                  <a:solidFill>
-                    <a:schemeClr val="tx1"/>
-                  </a:solidFill>
-                </a:rPr>
-                <a:t>Beratungsfälle</a:t>
-              </a:r>
-              <a:r>
-                <a:rPr lang="en-US" sz="1100" dirty="0">
-                  <a:solidFill>
-                    <a:schemeClr val="tx1"/>
-                  </a:solidFill>
-                </a:rPr>
-                <a:t> </a:t>
-              </a:r>
-              <a:r>
-                <a:rPr lang="en-US" sz="1100" dirty="0" err="1">
-                  <a:solidFill>
-                    <a:schemeClr val="tx1"/>
-                  </a:solidFill>
-                </a:rPr>
-                <a:t>über</a:t>
-              </a:r>
-              <a:r>
-                <a:rPr lang="en-US" sz="1100" dirty="0">
-                  <a:solidFill>
-                    <a:schemeClr val="tx1"/>
-                  </a:solidFill>
-                </a:rPr>
-                <a:t> </a:t>
-              </a:r>
-              <a:r>
-                <a:rPr lang="en-US" sz="1100" dirty="0" err="1">
-                  <a:solidFill>
-                    <a:schemeClr val="tx1"/>
-                  </a:solidFill>
-                </a:rPr>
-                <a:t>eine</a:t>
-              </a:r>
-              <a:r>
-                <a:rPr lang="en-US" sz="1100" dirty="0">
-                  <a:solidFill>
-                    <a:schemeClr val="tx1"/>
-                  </a:solidFill>
-                </a:rPr>
-                <a:t> </a:t>
-              </a:r>
-              <a:r>
-                <a:rPr lang="en-US" sz="1100" dirty="0" err="1">
-                  <a:solidFill>
-                    <a:schemeClr val="tx1"/>
-                  </a:solidFill>
-                </a:rPr>
-                <a:t>benutzerfreundliche</a:t>
-              </a:r>
-              <a:r>
-                <a:rPr lang="en-US" sz="1100" dirty="0">
-                  <a:solidFill>
-                    <a:schemeClr val="tx1"/>
-                  </a:solidFill>
-                </a:rPr>
-                <a:t> </a:t>
-              </a:r>
-              <a:r>
-                <a:rPr lang="en-US" sz="1100" dirty="0" err="1">
-                  <a:solidFill>
-                    <a:schemeClr val="tx1"/>
-                  </a:solidFill>
-                </a:rPr>
-                <a:t>Eingabemaske</a:t>
-              </a:r>
-              <a:r>
-                <a:rPr lang="en-US" sz="1100" dirty="0">
-                  <a:solidFill>
-                    <a:schemeClr val="tx1"/>
-                  </a:solidFill>
-                </a:rPr>
-                <a:t> </a:t>
-              </a:r>
-              <a:r>
-                <a:rPr lang="en-US" sz="1100" dirty="0" err="1">
-                  <a:solidFill>
-                    <a:schemeClr val="tx1"/>
-                  </a:solidFill>
-                </a:rPr>
-                <a:t>zu</a:t>
-              </a:r>
-              <a:r>
-                <a:rPr lang="en-US" sz="1100" dirty="0">
-                  <a:solidFill>
-                    <a:schemeClr val="tx1"/>
-                  </a:solidFill>
-                </a:rPr>
-                <a:t> </a:t>
-              </a:r>
-              <a:r>
-                <a:rPr lang="en-US" sz="1100" dirty="0" err="1">
-                  <a:solidFill>
-                    <a:schemeClr val="tx1"/>
-                  </a:solidFill>
-                </a:rPr>
-                <a:t>erfassen</a:t>
-              </a:r>
-              <a:r>
-                <a:rPr lang="en-US" sz="1100" dirty="0">
-                  <a:solidFill>
-                    <a:schemeClr val="tx1"/>
-                  </a:solidFill>
-                </a:rPr>
-                <a:t>. Es </a:t>
-              </a:r>
-              <a:r>
-                <a:rPr lang="en-US" sz="1100" dirty="0" err="1">
-                  <a:solidFill>
-                    <a:schemeClr val="tx1"/>
-                  </a:solidFill>
-                </a:rPr>
-                <a:t>gibt</a:t>
-              </a:r>
-              <a:r>
-                <a:rPr lang="en-US" sz="1100" dirty="0">
-                  <a:solidFill>
-                    <a:schemeClr val="tx1"/>
-                  </a:solidFill>
-                </a:rPr>
-                <a:t> </a:t>
-              </a:r>
-              <a:r>
-                <a:rPr lang="en-US" sz="1100" dirty="0" err="1">
-                  <a:solidFill>
-                    <a:schemeClr val="tx1"/>
-                  </a:solidFill>
-                </a:rPr>
-                <a:t>zwei</a:t>
-              </a:r>
-              <a:r>
-                <a:rPr lang="en-US" sz="1100" dirty="0">
-                  <a:solidFill>
-                    <a:schemeClr val="tx1"/>
-                  </a:solidFill>
-                </a:rPr>
-                <a:t> </a:t>
-              </a:r>
-              <a:r>
-                <a:rPr lang="en-US" sz="1100" dirty="0" err="1">
-                  <a:solidFill>
-                    <a:schemeClr val="tx1"/>
-                  </a:solidFill>
-                </a:rPr>
-                <a:t>Arten</a:t>
-              </a:r>
-              <a:r>
-                <a:rPr lang="en-US" sz="1100" dirty="0">
-                  <a:solidFill>
-                    <a:schemeClr val="tx1"/>
-                  </a:solidFill>
-                </a:rPr>
-                <a:t> von </a:t>
-              </a:r>
-              <a:r>
-                <a:rPr lang="en-US" sz="1100" dirty="0" err="1">
-                  <a:solidFill>
-                    <a:schemeClr val="tx1"/>
-                  </a:solidFill>
-                </a:rPr>
-                <a:t>Datensätzem</a:t>
-              </a:r>
-              <a:r>
-                <a:rPr lang="en-US" sz="1100" dirty="0">
-                  <a:solidFill>
-                    <a:schemeClr val="tx1"/>
-                  </a:solidFill>
-                </a:rPr>
-                <a:t>:  </a:t>
-              </a:r>
-              <a:r>
-                <a:rPr lang="en-US" sz="1100" dirty="0" err="1">
-                  <a:solidFill>
-                    <a:schemeClr val="tx1"/>
-                  </a:solidFill>
-                </a:rPr>
-                <a:t>Anfrage</a:t>
-              </a:r>
-              <a:r>
-                <a:rPr lang="en-US" sz="1100" dirty="0">
-                  <a:solidFill>
-                    <a:schemeClr val="tx1"/>
-                  </a:solidFill>
-                </a:rPr>
-                <a:t> (</a:t>
-              </a:r>
-              <a:r>
-                <a:rPr lang="en-US" sz="1100" dirty="0" err="1">
-                  <a:solidFill>
-                    <a:schemeClr val="tx1"/>
-                  </a:solidFill>
-                </a:rPr>
-                <a:t>Erstkontakt</a:t>
-              </a:r>
-              <a:r>
-                <a:rPr lang="en-US" sz="1100" dirty="0">
-                  <a:solidFill>
-                    <a:schemeClr val="tx1"/>
-                  </a:solidFill>
-                </a:rPr>
-                <a:t> </a:t>
-              </a:r>
-              <a:r>
-                <a:rPr lang="en-US" sz="1100" dirty="0" err="1">
-                  <a:solidFill>
-                    <a:schemeClr val="tx1"/>
-                  </a:solidFill>
-                </a:rPr>
-                <a:t>bzw</a:t>
-              </a:r>
-              <a:r>
-                <a:rPr lang="en-US" sz="1100" dirty="0">
-                  <a:solidFill>
-                    <a:schemeClr val="tx1"/>
-                  </a:solidFill>
-                </a:rPr>
-                <a:t>. </a:t>
-              </a:r>
-              <a:r>
-                <a:rPr lang="en-US" sz="1100" dirty="0" err="1">
-                  <a:solidFill>
-                    <a:schemeClr val="tx1"/>
-                  </a:solidFill>
-                </a:rPr>
-                <a:t>Terminvereinbarung</a:t>
-              </a:r>
-              <a:r>
-                <a:rPr lang="en-US" sz="1100" dirty="0">
-                  <a:solidFill>
-                    <a:schemeClr val="tx1"/>
-                  </a:solidFill>
-                </a:rPr>
-                <a:t>) und </a:t>
-              </a:r>
-              <a:r>
-                <a:rPr lang="en-US" sz="1100" dirty="0" err="1">
-                  <a:solidFill>
-                    <a:schemeClr val="tx1"/>
-                  </a:solidFill>
-                </a:rPr>
-                <a:t>Beratungsfall</a:t>
-              </a:r>
-              <a:r>
-                <a:rPr lang="en-US" sz="1100" dirty="0">
-                  <a:solidFill>
-                    <a:schemeClr val="tx1"/>
-                  </a:solidFill>
-                </a:rPr>
-                <a:t> (</a:t>
-              </a:r>
-              <a:r>
-                <a:rPr lang="en-US" sz="1100" dirty="0" err="1">
-                  <a:solidFill>
-                    <a:schemeClr val="tx1"/>
-                  </a:solidFill>
-                </a:rPr>
-                <a:t>laufende</a:t>
-              </a:r>
-              <a:r>
-                <a:rPr lang="en-US" sz="1100" dirty="0">
-                  <a:solidFill>
-                    <a:schemeClr val="tx1"/>
-                  </a:solidFill>
-                </a:rPr>
-                <a:t> </a:t>
-              </a:r>
-              <a:r>
-                <a:rPr lang="en-US" sz="1100" dirty="0" err="1">
-                  <a:solidFill>
-                    <a:schemeClr val="tx1"/>
-                  </a:solidFill>
-                </a:rPr>
-                <a:t>Beratung</a:t>
-              </a:r>
-              <a:r>
-                <a:rPr lang="en-US" sz="1100" dirty="0">
-                  <a:solidFill>
-                    <a:schemeClr val="tx1"/>
-                  </a:solidFill>
-                </a:rPr>
-                <a:t>). Beim </a:t>
-              </a:r>
-              <a:r>
-                <a:rPr lang="en-US" sz="1100" dirty="0" err="1">
-                  <a:solidFill>
-                    <a:schemeClr val="tx1"/>
-                  </a:solidFill>
-                </a:rPr>
-                <a:t>Speichern</a:t>
-              </a:r>
-              <a:r>
-                <a:rPr lang="en-US" sz="1100" dirty="0">
-                  <a:solidFill>
-                    <a:schemeClr val="tx1"/>
-                  </a:solidFill>
-                </a:rPr>
-                <a:t> </a:t>
-              </a:r>
-              <a:r>
-                <a:rPr lang="en-US" sz="1100" dirty="0" err="1">
-                  <a:solidFill>
-                    <a:schemeClr val="tx1"/>
-                  </a:solidFill>
-                </a:rPr>
-                <a:t>werden</a:t>
-              </a:r>
-              <a:r>
-                <a:rPr lang="en-US" sz="1100" dirty="0">
-                  <a:solidFill>
-                    <a:schemeClr val="tx1"/>
-                  </a:solidFill>
-                </a:rPr>
-                <a:t> </a:t>
-              </a:r>
-              <a:r>
-                <a:rPr lang="en-US" sz="1100" dirty="0" err="1">
-                  <a:solidFill>
-                    <a:schemeClr val="tx1"/>
-                  </a:solidFill>
-                </a:rPr>
-                <a:t>Pflichtfelder</a:t>
-              </a:r>
-              <a:r>
-                <a:rPr lang="en-US" sz="1100" dirty="0">
-                  <a:solidFill>
-                    <a:schemeClr val="tx1"/>
-                  </a:solidFill>
-                </a:rPr>
-                <a:t> </a:t>
-              </a:r>
-              <a:r>
-                <a:rPr lang="en-US" sz="1100" dirty="0" err="1">
-                  <a:solidFill>
-                    <a:schemeClr val="tx1"/>
-                  </a:solidFill>
-                </a:rPr>
-                <a:t>überprüft</a:t>
-              </a:r>
-              <a:r>
-                <a:rPr lang="en-US" sz="1100" dirty="0">
-                  <a:solidFill>
-                    <a:schemeClr val="tx1"/>
-                  </a:solidFill>
-                </a:rPr>
-                <a:t>: </a:t>
-              </a:r>
-              <a:r>
-                <a:rPr lang="en-US" sz="1100" dirty="0" err="1">
-                  <a:solidFill>
-                    <a:schemeClr val="tx1"/>
-                  </a:solidFill>
-                </a:rPr>
-                <a:t>fehlende</a:t>
-              </a:r>
-              <a:r>
-                <a:rPr lang="en-US" sz="1100" dirty="0">
-                  <a:solidFill>
-                    <a:schemeClr val="tx1"/>
-                  </a:solidFill>
-                </a:rPr>
-                <a:t> </a:t>
-              </a:r>
-              <a:r>
-                <a:rPr lang="en-US" sz="1100" dirty="0" err="1">
-                  <a:solidFill>
-                    <a:schemeClr val="tx1"/>
-                  </a:solidFill>
-                </a:rPr>
-                <a:t>Angaben</a:t>
-              </a:r>
-              <a:r>
-                <a:rPr lang="en-US" sz="1100" dirty="0">
-                  <a:solidFill>
-                    <a:schemeClr val="tx1"/>
-                  </a:solidFill>
-                </a:rPr>
-                <a:t> </a:t>
-              </a:r>
-              <a:r>
-                <a:rPr lang="en-US" sz="1100" dirty="0" err="1">
-                  <a:solidFill>
-                    <a:schemeClr val="tx1"/>
-                  </a:solidFill>
-                </a:rPr>
-                <a:t>werden</a:t>
-              </a:r>
-              <a:r>
-                <a:rPr lang="en-US" sz="1100" dirty="0">
-                  <a:solidFill>
-                    <a:schemeClr val="tx1"/>
-                  </a:solidFill>
-                </a:rPr>
-                <a:t> </a:t>
-              </a:r>
-              <a:r>
-                <a:rPr lang="en-US" sz="1100" dirty="0" err="1">
-                  <a:solidFill>
-                    <a:schemeClr val="tx1"/>
-                  </a:solidFill>
-                </a:rPr>
-                <a:t>mit</a:t>
-              </a:r>
-              <a:r>
-                <a:rPr lang="en-US" sz="1100" dirty="0">
-                  <a:solidFill>
-                    <a:schemeClr val="tx1"/>
-                  </a:solidFill>
-                </a:rPr>
-                <a:t> </a:t>
-              </a:r>
-              <a:r>
-                <a:rPr lang="en-US" sz="1100" dirty="0" err="1">
-                  <a:solidFill>
-                    <a:schemeClr val="tx1"/>
-                  </a:solidFill>
-                </a:rPr>
-                <a:t>Fehlermeldung</a:t>
-              </a:r>
-              <a:r>
-                <a:rPr lang="en-US" sz="1100" dirty="0">
-                  <a:solidFill>
-                    <a:schemeClr val="tx1"/>
-                  </a:solidFill>
-                </a:rPr>
-                <a:t> </a:t>
-              </a:r>
-              <a:r>
-                <a:rPr lang="en-US" sz="1100" dirty="0" err="1">
-                  <a:solidFill>
-                    <a:schemeClr val="tx1"/>
-                  </a:solidFill>
-                </a:rPr>
-                <a:t>angezeigt</a:t>
-              </a:r>
               <a:endParaRPr lang="en-US" sz="1100" dirty="0">
                 <a:solidFill>
                   <a:schemeClr val="tx1"/>
@@ -9387,198 +8424,6 @@
             <a:bodyPr rtlCol="0" anchor="ctr"/>
             <a:lstStyle/>
             <a:p>
-              <a:r>
-                <a:rPr lang="en-US" sz="1100" dirty="0">
-                  <a:solidFill>
-                    <a:schemeClr val="tx1"/>
-                  </a:solidFill>
-                </a:rPr>
-                <a:t>Der </a:t>
-              </a:r>
-              <a:r>
-                <a:rPr lang="en-US" sz="1100" dirty="0" err="1">
-                  <a:solidFill>
-                    <a:schemeClr val="tx1"/>
-                  </a:solidFill>
-                </a:rPr>
-                <a:t>Kernprozess</a:t>
-              </a:r>
-              <a:r>
-                <a:rPr lang="en-US" sz="1100" dirty="0">
-                  <a:solidFill>
-                    <a:schemeClr val="tx1"/>
-                  </a:solidFill>
-                </a:rPr>
-                <a:t> des Systems </a:t>
-              </a:r>
-              <a:r>
-                <a:rPr lang="en-US" sz="1100" dirty="0" err="1">
-                  <a:solidFill>
-                    <a:schemeClr val="tx1"/>
-                  </a:solidFill>
-                </a:rPr>
-                <a:t>ist</a:t>
-              </a:r>
-              <a:r>
-                <a:rPr lang="en-US" sz="1100" dirty="0">
-                  <a:solidFill>
-                    <a:schemeClr val="tx1"/>
-                  </a:solidFill>
-                </a:rPr>
-                <a:t> die </a:t>
-              </a:r>
-              <a:r>
-                <a:rPr lang="en-US" sz="1100" dirty="0" err="1">
-                  <a:solidFill>
-                    <a:schemeClr val="tx1"/>
-                  </a:solidFill>
-                </a:rPr>
-                <a:t>Datenerfassung</a:t>
-              </a:r>
-              <a:r>
-                <a:rPr lang="en-US" sz="1100" dirty="0">
-                  <a:solidFill>
-                    <a:schemeClr val="tx1"/>
-                  </a:solidFill>
-                </a:rPr>
-                <a:t>. Die </a:t>
-              </a:r>
-              <a:r>
-                <a:rPr lang="en-US" sz="1100" dirty="0" err="1">
-                  <a:solidFill>
-                    <a:schemeClr val="tx1"/>
-                  </a:solidFill>
-                </a:rPr>
-                <a:t>Erfassung</a:t>
-              </a:r>
-              <a:r>
-                <a:rPr lang="en-US" sz="1100" dirty="0">
-                  <a:solidFill>
-                    <a:schemeClr val="tx1"/>
-                  </a:solidFill>
-                </a:rPr>
-                <a:t> </a:t>
-              </a:r>
-              <a:r>
-                <a:rPr lang="en-US" sz="1100" dirty="0" err="1">
-                  <a:solidFill>
-                    <a:schemeClr val="tx1"/>
-                  </a:solidFill>
-                </a:rPr>
-                <a:t>soll</a:t>
-              </a:r>
-              <a:r>
-                <a:rPr lang="en-US" sz="1100" dirty="0">
-                  <a:solidFill>
-                    <a:schemeClr val="tx1"/>
-                  </a:solidFill>
-                </a:rPr>
-                <a:t> </a:t>
-              </a:r>
-              <a:r>
-                <a:rPr lang="en-US" sz="1100" dirty="0" err="1">
-                  <a:solidFill>
-                    <a:schemeClr val="tx1"/>
-                  </a:solidFill>
-                </a:rPr>
-                <a:t>difital</a:t>
-              </a:r>
-              <a:r>
-                <a:rPr lang="en-US" sz="1100" dirty="0">
-                  <a:solidFill>
-                    <a:schemeClr val="tx1"/>
-                  </a:solidFill>
-                </a:rPr>
-                <a:t> und </a:t>
-              </a:r>
-              <a:r>
-                <a:rPr lang="en-US" sz="1100" dirty="0" err="1">
-                  <a:solidFill>
-                    <a:schemeClr val="tx1"/>
-                  </a:solidFill>
-                </a:rPr>
-                <a:t>strukturiert</a:t>
-              </a:r>
-              <a:r>
-                <a:rPr lang="en-US" sz="1100" dirty="0">
-                  <a:solidFill>
-                    <a:schemeClr val="tx1"/>
-                  </a:solidFill>
-                </a:rPr>
-                <a:t> </a:t>
-              </a:r>
-              <a:r>
-                <a:rPr lang="en-US" sz="1100" dirty="0" err="1">
-                  <a:solidFill>
-                    <a:schemeClr val="tx1"/>
-                  </a:solidFill>
-                </a:rPr>
-                <a:t>erfolgen</a:t>
-              </a:r>
-              <a:r>
-                <a:rPr lang="en-US" sz="1100" dirty="0">
-                  <a:solidFill>
-                    <a:schemeClr val="tx1"/>
-                  </a:solidFill>
-                </a:rPr>
-                <a:t>. Das </a:t>
-              </a:r>
-              <a:r>
-                <a:rPr lang="en-US" sz="1100" dirty="0" err="1">
-                  <a:solidFill>
-                    <a:schemeClr val="tx1"/>
-                  </a:solidFill>
-                </a:rPr>
-                <a:t>reduziert</a:t>
-              </a:r>
-              <a:r>
-                <a:rPr lang="en-US" sz="1100" dirty="0">
-                  <a:solidFill>
-                    <a:schemeClr val="tx1"/>
-                  </a:solidFill>
-                </a:rPr>
-                <a:t> den </a:t>
-              </a:r>
-              <a:r>
-                <a:rPr lang="en-US" sz="1100" dirty="0" err="1">
-                  <a:solidFill>
-                    <a:schemeClr val="tx1"/>
-                  </a:solidFill>
-                </a:rPr>
-                <a:t>Arbeitsaufwand</a:t>
-              </a:r>
-              <a:r>
-                <a:rPr lang="en-US" sz="1100" dirty="0">
-                  <a:solidFill>
-                    <a:schemeClr val="tx1"/>
-                  </a:solidFill>
-                </a:rPr>
-                <a:t> der </a:t>
-              </a:r>
-              <a:r>
-                <a:rPr lang="en-US" sz="1100" dirty="0" err="1">
-                  <a:solidFill>
-                    <a:schemeClr val="tx1"/>
-                  </a:solidFill>
-                </a:rPr>
-                <a:t>Mitglieder</a:t>
-              </a:r>
-              <a:r>
-                <a:rPr lang="en-US" sz="1100" dirty="0">
-                  <a:solidFill>
-                    <a:schemeClr val="tx1"/>
-                  </a:solidFill>
-                </a:rPr>
-                <a:t>*</a:t>
-              </a:r>
-              <a:r>
-                <a:rPr lang="en-US" sz="1100" dirty="0" err="1">
-                  <a:solidFill>
-                    <a:schemeClr val="tx1"/>
-                  </a:solidFill>
-                </a:rPr>
-                <a:t>innen</a:t>
-              </a:r>
               <a:endParaRPr lang="en-US" sz="1100" dirty="0">
                 <a:solidFill>
                   <a:schemeClr val="tx1"/>
@@ -9725,38 +8570,6 @@
             <a:bodyPr rtlCol="0" anchor="ctr"/>
             <a:lstStyle/>
             <a:p>
-              <a:r>
-                <a:rPr lang="en-US" sz="1100" dirty="0">
-                  <a:solidFill>
-                    <a:schemeClr val="tx1"/>
-                  </a:solidFill>
-                </a:rPr>
-                <a:t>Mitarbeiter*</a:t>
-              </a:r>
-              <a:r>
-                <a:rPr lang="en-US" sz="1100" dirty="0" err="1">
-                  <a:solidFill>
-                    <a:schemeClr val="tx1"/>
-                  </a:solidFill>
-                </a:rPr>
-                <a:t>innen</a:t>
-              </a:r>
-              <a:r>
-                <a:rPr lang="en-US" sz="1100" dirty="0">
-                  <a:solidFill>
-                    <a:schemeClr val="tx1"/>
-                  </a:solidFill>
-                </a:rPr>
-                <a:t> des Bellis </a:t>
-              </a:r>
-              <a:r>
-                <a:rPr lang="en-US" sz="1100" dirty="0" err="1">
-                  <a:solidFill>
-                    <a:schemeClr val="tx1"/>
-                  </a:solidFill>
-                </a:rPr>
-                <a:t>e.V.</a:t>
-              </a:r>
               <a:endParaRPr lang="en-US" sz="1100" dirty="0">
                 <a:solidFill>
                   <a:schemeClr val="tx1"/>
@@ -9918,253 +8731,6 @@
               </a:endParaRPr>
             </a:p>
             <a:p>
-              <a:r>
-                <a:rPr lang="en-US" sz="1100" dirty="0">
-                  <a:solidFill>
-                    <a:schemeClr val="tx1"/>
-                  </a:solidFill>
-                </a:rPr>
-                <a:t>Mitarbeiter*</a:t>
-              </a:r>
-              <a:r>
-                <a:rPr lang="en-US" sz="1100" dirty="0" err="1">
-                  <a:solidFill>
-                    <a:schemeClr val="tx1"/>
-                  </a:solidFill>
-                </a:rPr>
-                <a:t>innen</a:t>
-              </a:r>
-              <a:r>
-                <a:rPr lang="en-US" sz="1100" dirty="0">
-                  <a:solidFill>
-                    <a:schemeClr val="tx1"/>
-                  </a:solidFill>
-                </a:rPr>
-                <a:t> </a:t>
-              </a:r>
-              <a:r>
-                <a:rPr lang="en-US" sz="1100" dirty="0" err="1">
-                  <a:solidFill>
-                    <a:schemeClr val="tx1"/>
-                  </a:solidFill>
-                </a:rPr>
-                <a:t>können</a:t>
-              </a:r>
-              <a:r>
-                <a:rPr lang="en-US" sz="1100" dirty="0">
-                  <a:solidFill>
-                    <a:schemeClr val="tx1"/>
-                  </a:solidFill>
-                </a:rPr>
-                <a:t> Schneller </a:t>
-              </a:r>
-              <a:r>
-                <a:rPr lang="en-US" sz="1100" dirty="0" err="1">
-                  <a:solidFill>
-                    <a:schemeClr val="tx1"/>
-                  </a:solidFill>
-                </a:rPr>
-                <a:t>eine</a:t>
-              </a:r>
-              <a:r>
-                <a:rPr lang="en-US" sz="1100" dirty="0">
-                  <a:solidFill>
-                    <a:schemeClr val="tx1"/>
-                  </a:solidFill>
-                </a:rPr>
-                <a:t> </a:t>
-              </a:r>
-              <a:r>
-                <a:rPr lang="en-US" sz="1100" dirty="0" err="1">
-                  <a:solidFill>
-                    <a:schemeClr val="tx1"/>
-                  </a:solidFill>
-                </a:rPr>
-                <a:t>vollständige</a:t>
-              </a:r>
-              <a:r>
-                <a:rPr lang="en-US" sz="1100" dirty="0">
-                  <a:solidFill>
-                    <a:schemeClr val="tx1"/>
-                  </a:solidFill>
-                </a:rPr>
-                <a:t> </a:t>
-              </a:r>
-              <a:r>
-                <a:rPr lang="en-US" sz="1100" dirty="0" err="1">
-                  <a:solidFill>
-                    <a:schemeClr val="tx1"/>
-                  </a:solidFill>
-                </a:rPr>
-                <a:t>Anfrage</a:t>
-              </a:r>
-              <a:r>
-                <a:rPr lang="en-US" sz="1100" dirty="0">
-                  <a:solidFill>
-                    <a:schemeClr val="tx1"/>
-                  </a:solidFill>
-                </a:rPr>
-                <a:t> </a:t>
-              </a:r>
-              <a:r>
-                <a:rPr lang="en-US" sz="1100" dirty="0" err="1">
-                  <a:solidFill>
-                    <a:schemeClr val="tx1"/>
-                  </a:solidFill>
-                </a:rPr>
-                <a:t>oder</a:t>
-              </a:r>
-              <a:r>
-                <a:rPr lang="en-US" sz="1100" dirty="0">
-                  <a:solidFill>
-                    <a:schemeClr val="tx1"/>
-                  </a:solidFill>
-                </a:rPr>
-                <a:t> </a:t>
-              </a:r>
-              <a:r>
-                <a:rPr lang="en-US" sz="1100" dirty="0" err="1">
-                  <a:solidFill>
-                    <a:schemeClr val="tx1"/>
-                  </a:solidFill>
-                </a:rPr>
-                <a:t>Beratungsfall</a:t>
-              </a:r>
-              <a:r>
-                <a:rPr lang="en-US" sz="1100" dirty="0">
-                  <a:solidFill>
-                    <a:schemeClr val="tx1"/>
-                  </a:solidFill>
-                </a:rPr>
-                <a:t> </a:t>
-              </a:r>
-              <a:r>
-                <a:rPr lang="en-US" sz="1100" dirty="0" err="1">
-                  <a:solidFill>
-                    <a:schemeClr val="tx1"/>
-                  </a:solidFill>
-                </a:rPr>
-                <a:t>erfassen</a:t>
-              </a:r>
-              <a:r>
-                <a:rPr lang="en-US" sz="1100" dirty="0">
-                  <a:solidFill>
-                    <a:schemeClr val="tx1"/>
-                  </a:solidFill>
-                </a:rPr>
-                <a:t>. Alle </a:t>
-              </a:r>
-              <a:r>
-                <a:rPr lang="en-US" sz="1100" dirty="0" err="1">
-                  <a:solidFill>
-                    <a:schemeClr val="tx1"/>
-                  </a:solidFill>
-                </a:rPr>
-                <a:t>Pflichtfelder</a:t>
-              </a:r>
-              <a:r>
-                <a:rPr lang="en-US" sz="1100" dirty="0">
-                  <a:solidFill>
-                    <a:schemeClr val="tx1"/>
-                  </a:solidFill>
-                </a:rPr>
-                <a:t> </a:t>
-              </a:r>
-              <a:r>
-                <a:rPr lang="en-US" sz="1100" dirty="0" err="1">
-                  <a:solidFill>
-                    <a:schemeClr val="tx1"/>
-                  </a:solidFill>
-                </a:rPr>
-                <a:t>werden</a:t>
-              </a:r>
-              <a:r>
-                <a:rPr lang="en-US" sz="1100" dirty="0">
-                  <a:solidFill>
-                    <a:schemeClr val="tx1"/>
-                  </a:solidFill>
-                </a:rPr>
-                <a:t> </a:t>
-              </a:r>
-              <a:r>
-                <a:rPr lang="en-US" sz="1100" dirty="0" err="1">
-                  <a:solidFill>
-                    <a:schemeClr val="tx1"/>
-                  </a:solidFill>
-                </a:rPr>
-                <a:t>überprüft</a:t>
-              </a:r>
-              <a:r>
-                <a:rPr lang="en-US" sz="1100" dirty="0">
-                  <a:solidFill>
-                    <a:schemeClr val="tx1"/>
-                  </a:solidFill>
-                </a:rPr>
-                <a:t> und </a:t>
-              </a:r>
-              <a:r>
-                <a:rPr lang="en-US" sz="1100" dirty="0" err="1">
-                  <a:solidFill>
-                    <a:schemeClr val="tx1"/>
-                  </a:solidFill>
-                </a:rPr>
-                <a:t>Fehlermeldungen</a:t>
-              </a:r>
-              <a:r>
-                <a:rPr lang="en-US" sz="1100" dirty="0">
-                  <a:solidFill>
-                    <a:schemeClr val="tx1"/>
-                  </a:solidFill>
-                </a:rPr>
-                <a:t> </a:t>
-              </a:r>
-              <a:r>
-                <a:rPr lang="en-US" sz="1100" dirty="0" err="1">
-                  <a:solidFill>
-                    <a:schemeClr val="tx1"/>
-                  </a:solidFill>
-                </a:rPr>
-                <a:t>sind</a:t>
-              </a:r>
-              <a:r>
-                <a:rPr lang="en-US" sz="1100" dirty="0">
-                  <a:solidFill>
-                    <a:schemeClr val="tx1"/>
-                  </a:solidFill>
-                </a:rPr>
-                <a:t> </a:t>
-              </a:r>
-              <a:r>
-                <a:rPr lang="en-US" sz="1100" dirty="0" err="1">
-                  <a:solidFill>
-                    <a:schemeClr val="tx1"/>
-                  </a:solidFill>
-                </a:rPr>
-                <a:t>verständlich</a:t>
-              </a:r>
-              <a:r>
-                <a:rPr lang="en-US" sz="1100" dirty="0">
-                  <a:solidFill>
-                    <a:schemeClr val="tx1"/>
-                  </a:solidFill>
-                </a:rPr>
-                <a:t> </a:t>
-              </a:r>
-              <a:r>
-                <a:rPr lang="en-US" sz="1100" dirty="0" err="1">
-                  <a:solidFill>
-                    <a:schemeClr val="tx1"/>
-                  </a:solidFill>
-                </a:rPr>
-                <a:t>formuliert</a:t>
-              </a:r>
-              <a:endParaRPr lang="en-US" sz="1100" dirty="0">
-                <a:solidFill>
-                  <a:schemeClr val="tx1"/>
-                </a:solidFill>
-              </a:endParaRPr>
-            </a:p>
-            <a:p>
               <a:endParaRPr lang="en-US" sz="1600" u="sng" dirty="0">
                 <a:solidFill>
                   <a:schemeClr val="tx1"/>
@@ -10250,16 +8816,13 @@
                   <a:schemeClr val="tx1"/>
                 </a:solidFill>
               </a:rPr>
-              <a:t>: </a:t>
-            </a:r>
-            <a:r>
-              <a:rPr lang="de-DE" sz="1100" dirty="0">
-                <a:solidFill>
-                  <a:schemeClr val="tx1"/>
-                </a:solidFill>
-              </a:rPr>
-              <a:t>Schnellere Dokumentation &amp; schnellere Eingabe</a:t>
-            </a:r>
+              <a:t>:</a:t>
+            </a:r>
+            <a:endParaRPr lang="de-DE" sz="1100" dirty="0">
+              <a:solidFill>
+                <a:schemeClr val="tx1"/>
+              </a:solidFill>
+            </a:endParaRPr>
           </a:p>
         </p:txBody>
       </p:sp>
@@ -10334,16 +8897,13 @@
                   <a:schemeClr val="tx1"/>
                 </a:solidFill>
               </a:rPr>
-              <a:t>: </a:t>
-            </a:r>
-            <a:r>
-              <a:rPr lang="de-DE" sz="1100" dirty="0">
-                <a:solidFill>
-                  <a:schemeClr val="tx1"/>
-                </a:solidFill>
-              </a:rPr>
-              <a:t>Ohne diese Funktion bleibt der Erfassungsprozess unübersichtlich und die Fehleranfälligkeit bleibt hoch</a:t>
-            </a:r>
+              <a:t>:</a:t>
+            </a:r>
+            <a:endParaRPr lang="de-DE" sz="1100" dirty="0">
+              <a:solidFill>
+                <a:schemeClr val="tx1"/>
+              </a:solidFill>
+            </a:endParaRPr>
           </a:p>
         </p:txBody>
       </p:sp>
@@ -10415,16 +8975,13 @@
                   <a:schemeClr val="tx1"/>
                 </a:solidFill>
               </a:rPr>
-              <a:t>: </a:t>
-            </a:r>
-            <a:r>
-              <a:rPr lang="de-DE" sz="1100" dirty="0">
-                <a:solidFill>
-                  <a:schemeClr val="tx1"/>
-                </a:solidFill>
-              </a:rPr>
-              <a:t>Hoch</a:t>
-            </a:r>
+              <a:t>:</a:t>
+            </a:r>
+            <a:endParaRPr lang="de-DE" sz="1100" dirty="0">
+              <a:solidFill>
+                <a:schemeClr val="tx1"/>
+              </a:solidFill>
+            </a:endParaRPr>
           </a:p>
         </p:txBody>
       </p:sp>
@@ -10491,16 +9048,13 @@
                   <a:schemeClr val="tx1"/>
                 </a:solidFill>
               </a:rPr>
-              <a:t>: </a:t>
-            </a:r>
-            <a:r>
-              <a:rPr lang="de-DE" sz="1100" dirty="0">
-                <a:solidFill>
-                  <a:schemeClr val="tx1"/>
-                </a:solidFill>
-              </a:rPr>
-              <a:t>Bei zu vielen Pflichtfeldern kann die Erfassung als zu aufwendig empfunden werden. </a:t>
-            </a:r>
+              <a:t>:</a:t>
+            </a:r>
+            <a:endParaRPr lang="de-DE" sz="1100" dirty="0">
+              <a:solidFill>
+                <a:schemeClr val="tx1"/>
+              </a:solidFill>
+            </a:endParaRPr>
           </a:p>
         </p:txBody>
       </p:sp>
@@ -10572,16 +9126,13 @@
                   <a:schemeClr val="tx1"/>
                 </a:solidFill>
               </a:rPr>
-              <a:t> Materials: </a:t>
-            </a:r>
-            <a:r>
-              <a:rPr lang="de-DE" sz="1100" dirty="0">
-                <a:solidFill>
-                  <a:schemeClr val="tx1"/>
-                </a:solidFill>
-              </a:rPr>
-              <a:t>Projektbeschreibung</a:t>
-            </a:r>
+              <a:t> Materials:</a:t>
+            </a:r>
+            <a:endParaRPr lang="de-DE" sz="1100" dirty="0">
+              <a:solidFill>
+                <a:schemeClr val="tx1"/>
+              </a:solidFill>
+            </a:endParaRPr>
           </a:p>
         </p:txBody>
       </p:sp>
@@ -10653,7 +9204,7 @@
                   <a:schemeClr val="tx1"/>
                 </a:solidFill>
               </a:rPr>
-              <a:t>: </a:t>
+              <a:t>:</a:t>
             </a:r>
             <a:r>
               <a:rPr lang="de-DE" sz="1100" dirty="0">
@@ -10661,7 +9212,7 @@
                   <a:schemeClr val="tx1"/>
                 </a:solidFill>
               </a:rPr>
-              <a:t>01.11.</a:t>
+              <a:t>.</a:t>
             </a:r>
           </a:p>
         </p:txBody>
@@ -10918,7 +9469,7 @@
                   <a:schemeClr val="tx1"/>
                 </a:solidFill>
               </a:rPr>
-              <a:t>Event/BUC/PUC#:</a:t>
+              <a:t>Event/BUC/PUC #:</a:t>
             </a:r>
           </a:p>
         </p:txBody>
@@ -11052,334 +9603,11 @@
             <a:bodyPr rtlCol="0" anchor="ctr"/>
             <a:lstStyle/>
             <a:p>
-              <a:r>
-                <a:rPr lang="en-US" sz="1100" dirty="0">
-                  <a:solidFill>
-                    <a:schemeClr val="tx1"/>
-                  </a:solidFill>
-                </a:rPr>
-                <a:t>Das System </a:t>
-              </a:r>
-              <a:r>
-                <a:rPr lang="en-US" sz="1100" dirty="0" err="1">
-                  <a:solidFill>
-                    <a:schemeClr val="tx1"/>
-                  </a:solidFill>
-                </a:rPr>
-                <a:t>soll</a:t>
-              </a:r>
-              <a:r>
-                <a:rPr lang="en-US" sz="1100" dirty="0">
-                  <a:solidFill>
-                    <a:schemeClr val="tx1"/>
-                  </a:solidFill>
-                </a:rPr>
-                <a:t> </a:t>
-              </a:r>
-              <a:r>
-                <a:rPr lang="en-US" sz="1100" dirty="0" err="1">
-                  <a:solidFill>
-                    <a:schemeClr val="tx1"/>
-                  </a:solidFill>
-                </a:rPr>
-                <a:t>eine</a:t>
-              </a:r>
-              <a:r>
-                <a:rPr lang="en-US" sz="1100" dirty="0">
-                  <a:solidFill>
-                    <a:schemeClr val="tx1"/>
-                  </a:solidFill>
-                </a:rPr>
-                <a:t> </a:t>
-              </a:r>
-              <a:r>
-                <a:rPr lang="en-US" sz="1100" dirty="0" err="1">
-                  <a:solidFill>
-                    <a:schemeClr val="tx1"/>
-                  </a:solidFill>
-                </a:rPr>
-                <a:t>barrierearme</a:t>
-              </a:r>
-              <a:r>
-                <a:rPr lang="en-US" sz="1100" dirty="0">
-                  <a:solidFill>
-                    <a:schemeClr val="tx1"/>
-                  </a:solidFill>
-                </a:rPr>
-                <a:t> </a:t>
-              </a:r>
-              <a:r>
-                <a:rPr lang="en-US" sz="1100" dirty="0" err="1">
-                  <a:solidFill>
-                    <a:schemeClr val="tx1"/>
-                  </a:solidFill>
-                </a:rPr>
-                <a:t>Benutzeroberfläche</a:t>
-              </a:r>
-              <a:r>
-                <a:rPr lang="en-US" sz="1100" dirty="0">
-                  <a:solidFill>
-                    <a:schemeClr val="tx1"/>
-                  </a:solidFill>
-                </a:rPr>
-                <a:t> </a:t>
-              </a:r>
-              <a:r>
-                <a:rPr lang="en-US" sz="1100" dirty="0" err="1">
-                  <a:solidFill>
-                    <a:schemeClr val="tx1"/>
-                  </a:solidFill>
-                </a:rPr>
-                <a:t>bereitstellen</a:t>
-              </a:r>
-              <a:r>
-                <a:rPr lang="en-US" sz="1100" dirty="0">
-                  <a:solidFill>
-                    <a:schemeClr val="tx1"/>
-                  </a:solidFill>
-                </a:rPr>
-                <a:t>- </a:t>
-              </a:r>
-              <a:r>
-                <a:rPr lang="en-US" sz="1100" dirty="0" err="1">
-                  <a:solidFill>
-                    <a:schemeClr val="tx1"/>
-                  </a:solidFill>
-                </a:rPr>
-                <a:t>Diese</a:t>
-              </a:r>
-              <a:r>
-                <a:rPr lang="en-US" sz="1100" dirty="0">
-                  <a:solidFill>
-                    <a:schemeClr val="tx1"/>
-                  </a:solidFill>
-                </a:rPr>
-                <a:t> </a:t>
-              </a:r>
-              <a:r>
-                <a:rPr lang="en-US" sz="1100" dirty="0" err="1">
-                  <a:solidFill>
-                    <a:schemeClr val="tx1"/>
-                  </a:solidFill>
-                </a:rPr>
-                <a:t>soll</a:t>
-              </a:r>
-              <a:r>
-                <a:rPr lang="en-US" sz="1100" dirty="0">
-                  <a:solidFill>
-                    <a:schemeClr val="tx1"/>
-                  </a:solidFill>
-                </a:rPr>
-                <a:t> </a:t>
-              </a:r>
-              <a:r>
-                <a:rPr lang="en-US" sz="1100" dirty="0" err="1">
-                  <a:solidFill>
-                    <a:schemeClr val="tx1"/>
-                  </a:solidFill>
-                </a:rPr>
-                <a:t>ohne</a:t>
-              </a:r>
-              <a:r>
-                <a:rPr lang="en-US" sz="1100" dirty="0">
-                  <a:solidFill>
-                    <a:schemeClr val="tx1"/>
-                  </a:solidFill>
-                </a:rPr>
-                <a:t> </a:t>
-              </a:r>
-              <a:r>
-                <a:rPr lang="en-US" sz="1100" dirty="0" err="1">
-                  <a:solidFill>
-                    <a:schemeClr val="tx1"/>
-                  </a:solidFill>
-                </a:rPr>
-                <a:t>technische</a:t>
-              </a:r>
-              <a:r>
-                <a:rPr lang="en-US" sz="1100" dirty="0">
-                  <a:solidFill>
-                    <a:schemeClr val="tx1"/>
-                  </a:solidFill>
-                </a:rPr>
-                <a:t> </a:t>
-              </a:r>
-              <a:r>
-                <a:rPr lang="en-US" sz="1100" dirty="0" err="1">
-                  <a:solidFill>
-                    <a:schemeClr val="tx1"/>
-                  </a:solidFill>
-                </a:rPr>
-                <a:t>Vorkenntnisse</a:t>
-              </a:r>
-              <a:r>
-                <a:rPr lang="en-US" sz="1100" dirty="0">
-                  <a:solidFill>
-                    <a:schemeClr val="tx1"/>
-                  </a:solidFill>
-                </a:rPr>
-                <a:t> </a:t>
-              </a:r>
-              <a:r>
-                <a:rPr lang="en-US" sz="1100" dirty="0" err="1">
-                  <a:solidFill>
-                    <a:schemeClr val="tx1"/>
-                  </a:solidFill>
-                </a:rPr>
-                <a:t>bedienbar</a:t>
-              </a:r>
-              <a:r>
-                <a:rPr lang="en-US" sz="1100" dirty="0">
-                  <a:solidFill>
-                    <a:schemeClr val="tx1"/>
-                  </a:solidFill>
-                </a:rPr>
-                <a:t> sein. </a:t>
-              </a:r>
-              <a:r>
-                <a:rPr lang="en-US" sz="1100" dirty="0" err="1">
-                  <a:solidFill>
-                    <a:schemeClr val="tx1"/>
-                  </a:solidFill>
-                </a:rPr>
-                <a:t>Nutzer</a:t>
-              </a:r>
-              <a:r>
-                <a:rPr lang="en-US" sz="1100" dirty="0">
-                  <a:solidFill>
-                    <a:schemeClr val="tx1"/>
-                  </a:solidFill>
-                </a:rPr>
-                <a:t>*</a:t>
-              </a:r>
-              <a:r>
-                <a:rPr lang="en-US" sz="1100" dirty="0" err="1">
-                  <a:solidFill>
-                    <a:schemeClr val="tx1"/>
-                  </a:solidFill>
-                </a:rPr>
-                <a:t>innen</a:t>
-              </a:r>
-              <a:r>
-                <a:rPr lang="en-US" sz="1100" dirty="0">
-                  <a:solidFill>
-                    <a:schemeClr val="tx1"/>
-                  </a:solidFill>
-                </a:rPr>
-                <a:t> </a:t>
-              </a:r>
-              <a:r>
-                <a:rPr lang="en-US" sz="1100" dirty="0" err="1">
-                  <a:solidFill>
-                    <a:schemeClr val="tx1"/>
-                  </a:solidFill>
-                </a:rPr>
-                <a:t>sollen</a:t>
-              </a:r>
-              <a:r>
-                <a:rPr lang="en-US" sz="1100" dirty="0">
-                  <a:solidFill>
-                    <a:schemeClr val="tx1"/>
-                  </a:solidFill>
-                </a:rPr>
-                <a:t> </a:t>
-              </a:r>
-              <a:r>
-                <a:rPr lang="en-US" sz="1100" dirty="0" err="1">
-                  <a:solidFill>
-                    <a:schemeClr val="tx1"/>
-                  </a:solidFill>
-                </a:rPr>
-                <a:t>Funktionen</a:t>
-              </a:r>
-              <a:r>
-                <a:rPr lang="en-US" sz="1100" dirty="0">
-                  <a:solidFill>
-                    <a:schemeClr val="tx1"/>
-                  </a:solidFill>
-                </a:rPr>
-                <a:t> </a:t>
-              </a:r>
-              <a:r>
-                <a:rPr lang="en-US" sz="1100" dirty="0" err="1">
-                  <a:solidFill>
-                    <a:schemeClr val="tx1"/>
-                  </a:solidFill>
-                </a:rPr>
-                <a:t>wie</a:t>
-              </a:r>
-              <a:r>
-                <a:rPr lang="en-US" sz="1100" dirty="0">
-                  <a:solidFill>
-                    <a:schemeClr val="tx1"/>
-                  </a:solidFill>
-                </a:rPr>
-                <a:t> </a:t>
-              </a:r>
-              <a:r>
-                <a:rPr lang="en-US" sz="1100" dirty="0" err="1">
-                  <a:solidFill>
-                    <a:schemeClr val="tx1"/>
-                  </a:solidFill>
-                </a:rPr>
-                <a:t>Datenerfassung</a:t>
-              </a:r>
-              <a:r>
-                <a:rPr lang="en-US" sz="1100" dirty="0">
-                  <a:solidFill>
-                    <a:schemeClr val="tx1"/>
-                  </a:solidFill>
-                </a:rPr>
-                <a:t>, </a:t>
-              </a:r>
-              <a:r>
-                <a:rPr lang="en-US" sz="1100" dirty="0" err="1">
-                  <a:solidFill>
-                    <a:schemeClr val="tx1"/>
-                  </a:solidFill>
-                </a:rPr>
-                <a:t>Bearbeitung</a:t>
-              </a:r>
-              <a:r>
-                <a:rPr lang="en-US" sz="1100" dirty="0">
-                  <a:solidFill>
-                    <a:schemeClr val="tx1"/>
-                  </a:solidFill>
-                </a:rPr>
-                <a:t> und </a:t>
-              </a:r>
-              <a:r>
-                <a:rPr lang="en-US" sz="1100" dirty="0" err="1">
-                  <a:solidFill>
-                    <a:schemeClr val="tx1"/>
-                  </a:solidFill>
-                </a:rPr>
-                <a:t>Statistikausgabe</a:t>
-              </a:r>
-              <a:r>
-                <a:rPr lang="en-US" sz="1100" dirty="0">
-                  <a:solidFill>
-                    <a:schemeClr val="tx1"/>
-                  </a:solidFill>
-                </a:rPr>
-                <a:t> Leicht verstehen </a:t>
-              </a:r>
-              <a:r>
-                <a:rPr lang="en-US" sz="1100" dirty="0" err="1">
-                  <a:solidFill>
-                    <a:schemeClr val="tx1"/>
-                  </a:solidFill>
-                </a:rPr>
-                <a:t>können</a:t>
-              </a:r>
-              <a:r>
-                <a:rPr lang="en-US" sz="1100" dirty="0">
-                  <a:solidFill>
-                    <a:schemeClr val="tx1"/>
-                  </a:solidFill>
-                </a:rPr>
-                <a:t>. </a:t>
-              </a:r>
+              <a:endParaRPr lang="en-US" sz="1100" dirty="0">
+                <a:solidFill>
+                  <a:schemeClr val="tx1"/>
+                </a:solidFill>
+              </a:endParaRPr>
             </a:p>
           </p:txBody>
         </p:sp>
@@ -11513,142 +9741,11 @@
             <a:bodyPr rtlCol="0" anchor="ctr"/>
             <a:lstStyle/>
             <a:p>
-              <a:r>
-                <a:rPr lang="en-US" sz="1100" dirty="0">
-                  <a:solidFill>
-                    <a:schemeClr val="tx1"/>
-                  </a:solidFill>
-                </a:rPr>
-                <a:t>Eine </a:t>
-              </a:r>
-              <a:r>
-                <a:rPr lang="en-US" sz="1100" dirty="0" err="1">
-                  <a:solidFill>
-                    <a:schemeClr val="tx1"/>
-                  </a:solidFill>
-                </a:rPr>
-                <a:t>einfache</a:t>
-              </a:r>
-              <a:r>
-                <a:rPr lang="en-US" sz="1100" dirty="0">
-                  <a:solidFill>
-                    <a:schemeClr val="tx1"/>
-                  </a:solidFill>
-                </a:rPr>
-                <a:t> </a:t>
-              </a:r>
-              <a:r>
-                <a:rPr lang="en-US" sz="1100" dirty="0" err="1">
-                  <a:solidFill>
-                    <a:schemeClr val="tx1"/>
-                  </a:solidFill>
-                </a:rPr>
-                <a:t>Bedienung</a:t>
-              </a:r>
-              <a:r>
-                <a:rPr lang="en-US" sz="1100" dirty="0">
-                  <a:solidFill>
-                    <a:schemeClr val="tx1"/>
-                  </a:solidFill>
-                </a:rPr>
-                <a:t> </a:t>
-              </a:r>
-              <a:r>
-                <a:rPr lang="en-US" sz="1100" dirty="0" err="1">
-                  <a:solidFill>
-                    <a:schemeClr val="tx1"/>
-                  </a:solidFill>
-                </a:rPr>
-                <a:t>ist</a:t>
-              </a:r>
-              <a:r>
-                <a:rPr lang="en-US" sz="1100" dirty="0">
-                  <a:solidFill>
-                    <a:schemeClr val="tx1"/>
-                  </a:solidFill>
-                </a:rPr>
-                <a:t> </a:t>
-              </a:r>
-              <a:r>
-                <a:rPr lang="en-US" sz="1100" dirty="0" err="1">
-                  <a:solidFill>
-                    <a:schemeClr val="tx1"/>
-                  </a:solidFill>
-                </a:rPr>
-                <a:t>entscheidend</a:t>
-              </a:r>
-              <a:r>
-                <a:rPr lang="en-US" sz="1100" dirty="0">
-                  <a:solidFill>
-                    <a:schemeClr val="tx1"/>
-                  </a:solidFill>
-                </a:rPr>
-                <a:t>, um </a:t>
-              </a:r>
-              <a:r>
-                <a:rPr lang="en-US" sz="1100" dirty="0" err="1">
-                  <a:solidFill>
-                    <a:schemeClr val="tx1"/>
-                  </a:solidFill>
-                </a:rPr>
-                <a:t>fehlerfreie</a:t>
-              </a:r>
-              <a:r>
-                <a:rPr lang="en-US" sz="1100" dirty="0">
-                  <a:solidFill>
-                    <a:schemeClr val="tx1"/>
-                  </a:solidFill>
-                </a:rPr>
-                <a:t> </a:t>
-              </a:r>
-              <a:r>
-                <a:rPr lang="en-US" sz="1100" dirty="0" err="1">
-                  <a:solidFill>
-                    <a:schemeClr val="tx1"/>
-                  </a:solidFill>
-                </a:rPr>
-                <a:t>Nutzung</a:t>
-              </a:r>
-              <a:r>
-                <a:rPr lang="en-US" sz="1100" dirty="0">
-                  <a:solidFill>
-                    <a:schemeClr val="tx1"/>
-                  </a:solidFill>
-                </a:rPr>
-                <a:t> </a:t>
-              </a:r>
-              <a:r>
-                <a:rPr lang="en-US" sz="1100" dirty="0" err="1">
-                  <a:solidFill>
-                    <a:schemeClr val="tx1"/>
-                  </a:solidFill>
-                </a:rPr>
-                <a:t>zu</a:t>
-              </a:r>
-              <a:r>
-                <a:rPr lang="en-US" sz="1100" dirty="0">
-                  <a:solidFill>
-                    <a:schemeClr val="tx1"/>
-                  </a:solidFill>
-                </a:rPr>
-                <a:t> </a:t>
-              </a:r>
-              <a:r>
-                <a:rPr lang="en-US" sz="1100" dirty="0" err="1">
-                  <a:solidFill>
-                    <a:schemeClr val="tx1"/>
-                  </a:solidFill>
-                </a:rPr>
-                <a:t>gewährleisten</a:t>
-              </a:r>
-              <a:r>
-                <a:rPr lang="en-US" sz="1100" dirty="0">
-                  <a:solidFill>
-                    <a:schemeClr val="tx1"/>
-                  </a:solidFill>
-                </a:rPr>
-                <a:t>. </a:t>
-              </a:r>
+              <a:endParaRPr lang="en-US" sz="1100" dirty="0">
+                <a:solidFill>
+                  <a:schemeClr val="tx1"/>
+                </a:solidFill>
+              </a:endParaRPr>
             </a:p>
           </p:txBody>
         </p:sp>
@@ -11790,38 +9887,6 @@
             <a:bodyPr rtlCol="0" anchor="ctr"/>
             <a:lstStyle/>
             <a:p>
-              <a:r>
-                <a:rPr lang="en-US" sz="1100" dirty="0">
-                  <a:solidFill>
-                    <a:schemeClr val="tx1"/>
-                  </a:solidFill>
-                </a:rPr>
-                <a:t>Mitarbeiter*</a:t>
-              </a:r>
-              <a:r>
-                <a:rPr lang="en-US" sz="1100" dirty="0" err="1">
-                  <a:solidFill>
-                    <a:schemeClr val="tx1"/>
-                  </a:solidFill>
-                </a:rPr>
-                <a:t>innen</a:t>
-              </a:r>
-              <a:r>
-                <a:rPr lang="en-US" sz="1100" dirty="0">
-                  <a:solidFill>
-                    <a:schemeClr val="tx1"/>
-                  </a:solidFill>
-                </a:rPr>
-                <a:t> des Bellis </a:t>
-              </a:r>
-              <a:r>
-                <a:rPr lang="en-US" sz="1100" dirty="0" err="1">
-                  <a:solidFill>
-                    <a:schemeClr val="tx1"/>
-                  </a:solidFill>
-                </a:rPr>
-                <a:t>e.V.</a:t>
-              </a:r>
               <a:endParaRPr lang="en-US" sz="1100" dirty="0">
                 <a:solidFill>
                   <a:schemeClr val="tx1"/>
@@ -11983,352 +10048,6 @@
               </a:endParaRPr>
             </a:p>
             <a:p>
-              <a:r>
-                <a:rPr lang="en-US" sz="1200" dirty="0">
-                  <a:solidFill>
-                    <a:schemeClr val="tx1"/>
-                  </a:solidFill>
-                </a:rPr>
-                <a:t>Eine </a:t>
-              </a:r>
-              <a:r>
-                <a:rPr lang="en-US" sz="1200" dirty="0" err="1">
-                  <a:solidFill>
-                    <a:schemeClr val="tx1"/>
-                  </a:solidFill>
-                </a:rPr>
-                <a:t>neue</a:t>
-              </a:r>
-              <a:r>
-                <a:rPr lang="en-US" sz="1200" dirty="0">
-                  <a:solidFill>
-                    <a:schemeClr val="tx1"/>
-                  </a:solidFill>
-                </a:rPr>
-                <a:t> </a:t>
-              </a:r>
-              <a:r>
-                <a:rPr lang="en-US" sz="1200" dirty="0" err="1">
-                  <a:solidFill>
-                    <a:schemeClr val="tx1"/>
-                  </a:solidFill>
-                </a:rPr>
-                <a:t>Nutzer</a:t>
-              </a:r>
-              <a:r>
-                <a:rPr lang="en-US" sz="1200" dirty="0">
-                  <a:solidFill>
-                    <a:schemeClr val="tx1"/>
-                  </a:solidFill>
-                </a:rPr>
-                <a:t>*in </a:t>
-              </a:r>
-              <a:r>
-                <a:rPr lang="en-US" sz="1200" dirty="0" err="1">
-                  <a:solidFill>
-                    <a:schemeClr val="tx1"/>
-                  </a:solidFill>
-                </a:rPr>
-                <a:t>kann</a:t>
-              </a:r>
-              <a:r>
-                <a:rPr lang="en-US" sz="1200" dirty="0">
-                  <a:solidFill>
-                    <a:schemeClr val="tx1"/>
-                  </a:solidFill>
-                </a:rPr>
-                <a:t> </a:t>
-              </a:r>
-              <a:r>
-                <a:rPr lang="en-US" sz="1200" dirty="0" err="1">
-                  <a:solidFill>
-                    <a:schemeClr val="tx1"/>
-                  </a:solidFill>
-                </a:rPr>
-                <a:t>innerhalb</a:t>
-              </a:r>
-              <a:r>
-                <a:rPr lang="en-US" sz="1200" dirty="0">
-                  <a:solidFill>
-                    <a:schemeClr val="tx1"/>
-                  </a:solidFill>
-                </a:rPr>
-                <a:t> von </a:t>
-              </a:r>
-              <a:r>
-                <a:rPr lang="en-US" sz="1200" dirty="0" err="1">
-                  <a:solidFill>
-                    <a:schemeClr val="tx1"/>
-                  </a:solidFill>
-                </a:rPr>
-                <a:t>wenigen</a:t>
-              </a:r>
-              <a:r>
-                <a:rPr lang="en-US" sz="1200" dirty="0">
-                  <a:solidFill>
-                    <a:schemeClr val="tx1"/>
-                  </a:solidFill>
-                </a:rPr>
-                <a:t> </a:t>
-              </a:r>
-              <a:r>
-                <a:rPr lang="en-US" sz="1200" dirty="0" err="1">
-                  <a:solidFill>
-                    <a:schemeClr val="tx1"/>
-                  </a:solidFill>
-                </a:rPr>
-                <a:t>Minuten</a:t>
-              </a:r>
-              <a:r>
-                <a:rPr lang="en-US" sz="1200" dirty="0">
-                  <a:solidFill>
-                    <a:schemeClr val="tx1"/>
-                  </a:solidFill>
-                </a:rPr>
-                <a:t> </a:t>
-              </a:r>
-              <a:r>
-                <a:rPr lang="en-US" sz="1200" dirty="0" err="1">
-                  <a:solidFill>
-                    <a:schemeClr val="tx1"/>
-                  </a:solidFill>
-                </a:rPr>
-                <a:t>eine</a:t>
-              </a:r>
-              <a:r>
-                <a:rPr lang="en-US" sz="1200" dirty="0">
-                  <a:solidFill>
-                    <a:schemeClr val="tx1"/>
-                  </a:solidFill>
-                </a:rPr>
-                <a:t> </a:t>
-              </a:r>
-              <a:r>
-                <a:rPr lang="en-US" sz="1200" dirty="0" err="1">
-                  <a:solidFill>
-                    <a:schemeClr val="tx1"/>
-                  </a:solidFill>
-                </a:rPr>
-                <a:t>Anfrage</a:t>
-              </a:r>
-              <a:r>
-                <a:rPr lang="en-US" sz="1200" dirty="0">
-                  <a:solidFill>
-                    <a:schemeClr val="tx1"/>
-                  </a:solidFill>
-                </a:rPr>
-                <a:t> </a:t>
-              </a:r>
-              <a:r>
-                <a:rPr lang="en-US" sz="1200" dirty="0" err="1">
-                  <a:solidFill>
-                    <a:schemeClr val="tx1"/>
-                  </a:solidFill>
-                </a:rPr>
-                <a:t>vollständig</a:t>
-              </a:r>
-              <a:r>
-                <a:rPr lang="en-US" sz="1200" dirty="0">
-                  <a:solidFill>
-                    <a:schemeClr val="tx1"/>
-                  </a:solidFill>
-                </a:rPr>
-                <a:t> </a:t>
-              </a:r>
-              <a:r>
-                <a:rPr lang="en-US" sz="1200" dirty="0" err="1">
-                  <a:solidFill>
-                    <a:schemeClr val="tx1"/>
-                  </a:solidFill>
-                </a:rPr>
-                <a:t>erfassen</a:t>
-              </a:r>
-              <a:r>
-                <a:rPr lang="en-US" sz="1200" dirty="0">
-                  <a:solidFill>
-                    <a:schemeClr val="tx1"/>
-                  </a:solidFill>
-                </a:rPr>
-                <a:t>. Die </a:t>
-              </a:r>
-              <a:r>
-                <a:rPr lang="en-US" sz="1200" dirty="0" err="1">
-                  <a:solidFill>
-                    <a:schemeClr val="tx1"/>
-                  </a:solidFill>
-                </a:rPr>
-                <a:t>Oberfläche</a:t>
-              </a:r>
-              <a:r>
-                <a:rPr lang="en-US" sz="1200" dirty="0">
-                  <a:solidFill>
-                    <a:schemeClr val="tx1"/>
-                  </a:solidFill>
-                </a:rPr>
-                <a:t> </a:t>
-              </a:r>
-              <a:r>
-                <a:rPr lang="en-US" sz="1200" dirty="0" err="1">
-                  <a:solidFill>
-                    <a:schemeClr val="tx1"/>
-                  </a:solidFill>
-                </a:rPr>
-                <a:t>soll</a:t>
-              </a:r>
-              <a:r>
-                <a:rPr lang="en-US" sz="1200" dirty="0">
-                  <a:solidFill>
-                    <a:schemeClr val="tx1"/>
-                  </a:solidFill>
-                </a:rPr>
-                <a:t> </a:t>
-              </a:r>
-              <a:r>
-                <a:rPr lang="en-US" sz="1200" dirty="0" err="1">
-                  <a:solidFill>
-                    <a:schemeClr val="tx1"/>
-                  </a:solidFill>
-                </a:rPr>
-                <a:t>als</a:t>
-              </a:r>
-              <a:r>
-                <a:rPr lang="en-US" sz="1200" dirty="0">
-                  <a:solidFill>
-                    <a:schemeClr val="tx1"/>
-                  </a:solidFill>
-                </a:rPr>
-                <a:t> </a:t>
-              </a:r>
-              <a:r>
-                <a:rPr lang="en-US" sz="1200" dirty="0" err="1">
-                  <a:solidFill>
-                    <a:schemeClr val="tx1"/>
-                  </a:solidFill>
-                </a:rPr>
-                <a:t>intuitiv</a:t>
-              </a:r>
-              <a:r>
-                <a:rPr lang="en-US" sz="1200" dirty="0">
-                  <a:solidFill>
-                    <a:schemeClr val="tx1"/>
-                  </a:solidFill>
-                </a:rPr>
-                <a:t> und </a:t>
-              </a:r>
-              <a:r>
-                <a:rPr lang="en-US" sz="1200" dirty="0" err="1">
-                  <a:solidFill>
-                    <a:schemeClr val="tx1"/>
-                  </a:solidFill>
-                </a:rPr>
-                <a:t>verständlich</a:t>
-              </a:r>
-              <a:r>
-                <a:rPr lang="en-US" sz="1200" dirty="0">
-                  <a:solidFill>
-                    <a:schemeClr val="tx1"/>
-                  </a:solidFill>
-                </a:rPr>
-                <a:t> </a:t>
-              </a:r>
-              <a:r>
-                <a:rPr lang="en-US" sz="1200" dirty="0" err="1">
-                  <a:solidFill>
-                    <a:schemeClr val="tx1"/>
-                  </a:solidFill>
-                </a:rPr>
-                <a:t>wahrgenommen</a:t>
-              </a:r>
-              <a:r>
-                <a:rPr lang="en-US" sz="1200" dirty="0">
-                  <a:solidFill>
-                    <a:schemeClr val="tx1"/>
-                  </a:solidFill>
-                </a:rPr>
-                <a:t> </a:t>
-              </a:r>
-              <a:r>
-                <a:rPr lang="en-US" sz="1200" dirty="0" err="1">
-                  <a:solidFill>
-                    <a:schemeClr val="tx1"/>
-                  </a:solidFill>
-                </a:rPr>
-                <a:t>werden</a:t>
-              </a:r>
-              <a:r>
-                <a:rPr lang="en-US" sz="1200" dirty="0">
-                  <a:solidFill>
-                    <a:schemeClr val="tx1"/>
-                  </a:solidFill>
-                </a:rPr>
-                <a:t>. </a:t>
-              </a:r>
-              <a:r>
-                <a:rPr lang="en-US" sz="1200" dirty="0" err="1">
-                  <a:solidFill>
-                    <a:schemeClr val="tx1"/>
-                  </a:solidFill>
-                </a:rPr>
-                <a:t>Schriftgröße</a:t>
-              </a:r>
-              <a:r>
-                <a:rPr lang="en-US" sz="1200" dirty="0">
-                  <a:solidFill>
-                    <a:schemeClr val="tx1"/>
-                  </a:solidFill>
-                </a:rPr>
-                <a:t> und </a:t>
-              </a:r>
-              <a:r>
-                <a:rPr lang="en-US" sz="1200" dirty="0" err="1">
-                  <a:solidFill>
-                    <a:schemeClr val="tx1"/>
-                  </a:solidFill>
-                </a:rPr>
-                <a:t>Kontrast</a:t>
-              </a:r>
-              <a:r>
-                <a:rPr lang="en-US" sz="1200" dirty="0">
-                  <a:solidFill>
-                    <a:schemeClr val="tx1"/>
-                  </a:solidFill>
-                </a:rPr>
-                <a:t> </a:t>
-              </a:r>
-              <a:r>
-                <a:rPr lang="en-US" sz="1200" dirty="0" err="1">
-                  <a:solidFill>
-                    <a:schemeClr val="tx1"/>
-                  </a:solidFill>
-                </a:rPr>
-                <a:t>sind</a:t>
-              </a:r>
-              <a:r>
-                <a:rPr lang="en-US" sz="1200" dirty="0">
-                  <a:solidFill>
-                    <a:schemeClr val="tx1"/>
-                  </a:solidFill>
-                </a:rPr>
-                <a:t> </a:t>
-              </a:r>
-              <a:r>
-                <a:rPr lang="en-US" sz="1200" dirty="0" err="1">
-                  <a:solidFill>
-                    <a:schemeClr val="tx1"/>
-                  </a:solidFill>
-                </a:rPr>
-                <a:t>einstellbar</a:t>
-              </a:r>
-              <a:r>
-                <a:rPr lang="en-US" sz="1200" dirty="0">
-                  <a:solidFill>
-                    <a:schemeClr val="tx1"/>
-                  </a:solidFill>
-                </a:rPr>
-                <a:t>.</a:t>
-              </a:r>
-            </a:p>
-            <a:p>
               <a:endParaRPr lang="en-US" sz="1600" u="sng" dirty="0">
                 <a:solidFill>
                   <a:schemeClr val="tx1"/>
@@ -12414,16 +10133,13 @@
                   <a:schemeClr val="tx1"/>
                 </a:solidFill>
               </a:rPr>
-              <a:t>: </a:t>
-            </a:r>
-            <a:r>
-              <a:rPr lang="de-DE" sz="1100" dirty="0">
-                <a:solidFill>
-                  <a:schemeClr val="tx1"/>
-                </a:solidFill>
-              </a:rPr>
-              <a:t>Schnelle Einführung ohne Schulungsaufwand</a:t>
-            </a:r>
+              <a:t>:</a:t>
+            </a:r>
+            <a:endParaRPr lang="de-DE" sz="1100" dirty="0">
+              <a:solidFill>
+                <a:schemeClr val="tx1"/>
+              </a:solidFill>
+            </a:endParaRPr>
           </a:p>
         </p:txBody>
       </p:sp>
@@ -12498,16 +10214,13 @@
                   <a:schemeClr val="tx1"/>
                 </a:solidFill>
               </a:rPr>
-              <a:t>: </a:t>
-            </a:r>
-            <a:r>
-              <a:rPr lang="de-DE" sz="1100" dirty="0">
-                <a:solidFill>
-                  <a:schemeClr val="tx1"/>
-                </a:solidFill>
-              </a:rPr>
-              <a:t>Wenn die Oberfläche zu komplex ist, wird sie nicht gerne genutzt</a:t>
-            </a:r>
+              <a:t>:</a:t>
+            </a:r>
+            <a:endParaRPr lang="de-DE" sz="1100" dirty="0">
+              <a:solidFill>
+                <a:schemeClr val="tx1"/>
+              </a:solidFill>
+            </a:endParaRPr>
           </a:p>
         </p:txBody>
       </p:sp>
@@ -12579,16 +10292,13 @@
                   <a:schemeClr val="tx1"/>
                 </a:solidFill>
               </a:rPr>
-              <a:t>: </a:t>
-            </a:r>
-            <a:r>
-              <a:rPr lang="de-DE" sz="1100" dirty="0">
-                <a:solidFill>
-                  <a:schemeClr val="tx1"/>
-                </a:solidFill>
-              </a:rPr>
-              <a:t>Hoch</a:t>
-            </a:r>
+              <a:t>:</a:t>
+            </a:r>
+            <a:endParaRPr lang="de-DE" sz="1100" dirty="0">
+              <a:solidFill>
+                <a:schemeClr val="tx1"/>
+              </a:solidFill>
+            </a:endParaRPr>
           </a:p>
         </p:txBody>
       </p:sp>
@@ -12655,16 +10365,13 @@
                   <a:schemeClr val="tx1"/>
                 </a:solidFill>
               </a:rPr>
-              <a:t>: </a:t>
-            </a:r>
-            <a:r>
-              <a:rPr lang="de-DE" sz="1100" dirty="0">
-                <a:solidFill>
-                  <a:schemeClr val="tx1"/>
-                </a:solidFill>
-              </a:rPr>
-              <a:t>Höhere Barrierefreiheit kann die Designfreiheit einschränken</a:t>
-            </a:r>
+              <a:t>:</a:t>
+            </a:r>
+            <a:endParaRPr lang="de-DE" sz="1100" dirty="0">
+              <a:solidFill>
+                <a:schemeClr val="tx1"/>
+              </a:solidFill>
+            </a:endParaRPr>
           </a:p>
         </p:txBody>
       </p:sp>
@@ -12736,16 +10443,13 @@
                   <a:schemeClr val="tx1"/>
                 </a:solidFill>
               </a:rPr>
-              <a:t> Materials: </a:t>
-            </a:r>
-            <a:r>
-              <a:rPr lang="de-DE" sz="1100" dirty="0">
-                <a:solidFill>
-                  <a:schemeClr val="tx1"/>
-                </a:solidFill>
-              </a:rPr>
-              <a:t>Projektbeschreibung</a:t>
-            </a:r>
+              <a:t> Materials:</a:t>
+            </a:r>
+            <a:endParaRPr lang="de-DE" sz="1100" dirty="0">
+              <a:solidFill>
+                <a:schemeClr val="tx1"/>
+              </a:solidFill>
+            </a:endParaRPr>
           </a:p>
         </p:txBody>
       </p:sp>
@@ -12817,7 +10521,7 @@
                   <a:schemeClr val="tx1"/>
                 </a:solidFill>
               </a:rPr>
-              <a:t>: </a:t>
+              <a:t>:</a:t>
             </a:r>
             <a:r>
               <a:rPr lang="de-DE" sz="1100" dirty="0">
@@ -12825,7 +10529,7 @@
                   <a:schemeClr val="tx1"/>
                 </a:solidFill>
               </a:rPr>
-              <a:t>01.11.</a:t>
+              <a:t>.</a:t>
             </a:r>
           </a:p>
         </p:txBody>

--- a/requirements/Snow_Card_Template.pptx
+++ b/requirements/Snow_Card_Template.pptx
@@ -16,7 +16,7 @@
     <p:sldId id="320" r:id="rId4"/>
     <p:sldId id="325" r:id="rId5"/>
     <p:sldId id="323" r:id="rId6"/>
-    <p:sldId id="324" r:id="rId7"/>
+    <p:sldId id="326" r:id="rId7"/>
   </p:sldIdLst>
   <p:sldSz cx="12192000" cy="6858000"/>
   <p:notesSz cx="9928225" cy="6797675"/>
@@ -187,12 +187,20 @@
 </p:presentation>
 </file>
 
+<file path=ppt/revisionInfo.xml><?xml version="1.0" encoding="utf-8"?>
+<p1510:revInfo xmlns:a="http://schemas.openxmlformats.org/drawingml/2006/main" xmlns:r="http://schemas.openxmlformats.org/officeDocument/2006/relationships" xmlns:p1510="http://schemas.microsoft.com/office/powerpoint/2015/10/main">
+  <p1510:revLst>
+    <p1510:client id="{2D3C179A-FE43-4B4D-BDAA-011FEE47FC3E}" v="1" dt="2025-11-02T12:32:21.614"/>
+  </p1510:revLst>
+</p1510:revInfo>
+</file>
+
 <file path=ppt/changesInfos/changesInfo1.xml><?xml version="1.0" encoding="utf-8"?>
 <pc:chgInfo xmlns:a="http://schemas.openxmlformats.org/drawingml/2006/main" xmlns:r="http://schemas.openxmlformats.org/officeDocument/2006/relationships" xmlns:ac="http://schemas.microsoft.com/office/drawing/2013/main/command" xmlns:pc="http://schemas.microsoft.com/office/powerpoint/2013/main/command">
   <pc:docChgLst>
     <pc:chgData name="Anton Schmierer" userId="cd19fb61ffe98ab8" providerId="LiveId" clId="{80B9D0F7-EA3F-41F2-A018-82727FD7D854}"/>
     <pc:docChg chg="undo custSel addSld delSld modSld">
-      <pc:chgData name="Anton Schmierer" userId="cd19fb61ffe98ab8" providerId="LiveId" clId="{80B9D0F7-EA3F-41F2-A018-82727FD7D854}" dt="2025-11-02T12:01:20.402" v="1583" actId="20577"/>
+      <pc:chgData name="Anton Schmierer" userId="cd19fb61ffe98ab8" providerId="LiveId" clId="{80B9D0F7-EA3F-41F2-A018-82727FD7D854}" dt="2025-11-02T12:33:40.899" v="1621" actId="20577"/>
       <pc:docMkLst>
         <pc:docMk/>
       </pc:docMkLst>
@@ -262,7 +270,7 @@
         </pc:sldMkLst>
       </pc:sldChg>
       <pc:sldChg chg="addSp delSp modSp add mod">
-        <pc:chgData name="Anton Schmierer" userId="cd19fb61ffe98ab8" providerId="LiveId" clId="{80B9D0F7-EA3F-41F2-A018-82727FD7D854}" dt="2025-11-02T12:01:17.202" v="1582" actId="20577"/>
+        <pc:chgData name="Anton Schmierer" userId="cd19fb61ffe98ab8" providerId="LiveId" clId="{80B9D0F7-EA3F-41F2-A018-82727FD7D854}" dt="2025-11-02T12:32:54.827" v="1616" actId="1037"/>
         <pc:sldMkLst>
           <pc:docMk/>
           <pc:sldMk cId="840838842" sldId="323"/>
@@ -291,64 +299,64 @@
             <ac:spMk id="15" creationId="{13D26285-C189-D14B-8CAB-E66986D36895}"/>
           </ac:spMkLst>
         </pc:spChg>
-        <pc:spChg chg="add mod">
-          <ac:chgData name="Anton Schmierer" userId="cd19fb61ffe98ab8" providerId="LiveId" clId="{80B9D0F7-EA3F-41F2-A018-82727FD7D854}" dt="2025-10-31T17:22:55.685" v="1201" actId="207"/>
+        <pc:spChg chg="add mod topLvl">
+          <ac:chgData name="Anton Schmierer" userId="cd19fb61ffe98ab8" providerId="LiveId" clId="{80B9D0F7-EA3F-41F2-A018-82727FD7D854}" dt="2025-11-02T12:32:31.579" v="1586" actId="14100"/>
           <ac:spMkLst>
             <pc:docMk/>
             <pc:sldMk cId="840838842" sldId="323"/>
             <ac:spMk id="16" creationId="{53882B26-0FFE-8541-E3E9-B67B5CEEFFE6}"/>
           </ac:spMkLst>
         </pc:spChg>
-        <pc:spChg chg="add mod">
-          <ac:chgData name="Anton Schmierer" userId="cd19fb61ffe98ab8" providerId="LiveId" clId="{80B9D0F7-EA3F-41F2-A018-82727FD7D854}" dt="2025-11-02T12:00:52.753" v="1571" actId="6549"/>
+        <pc:spChg chg="add mod topLvl">
+          <ac:chgData name="Anton Schmierer" userId="cd19fb61ffe98ab8" providerId="LiveId" clId="{80B9D0F7-EA3F-41F2-A018-82727FD7D854}" dt="2025-11-02T12:32:54.827" v="1616" actId="1037"/>
           <ac:spMkLst>
             <pc:docMk/>
             <pc:sldMk cId="840838842" sldId="323"/>
             <ac:spMk id="23" creationId="{6DD8798C-9846-824E-B3B1-C5C10749438D}"/>
           </ac:spMkLst>
         </pc:spChg>
-        <pc:spChg chg="mod">
-          <ac:chgData name="Anton Schmierer" userId="cd19fb61ffe98ab8" providerId="LiveId" clId="{80B9D0F7-EA3F-41F2-A018-82727FD7D854}" dt="2025-10-31T17:22:55.685" v="1201" actId="207"/>
+        <pc:spChg chg="mod topLvl">
+          <ac:chgData name="Anton Schmierer" userId="cd19fb61ffe98ab8" providerId="LiveId" clId="{80B9D0F7-EA3F-41F2-A018-82727FD7D854}" dt="2025-11-02T12:32:31.579" v="1586" actId="14100"/>
           <ac:spMkLst>
             <pc:docMk/>
             <pc:sldMk cId="840838842" sldId="323"/>
             <ac:spMk id="29" creationId="{92138D5C-E1B9-EA96-3E7C-FDDE2159CABB}"/>
           </ac:spMkLst>
         </pc:spChg>
-        <pc:spChg chg="mod">
-          <ac:chgData name="Anton Schmierer" userId="cd19fb61ffe98ab8" providerId="LiveId" clId="{80B9D0F7-EA3F-41F2-A018-82727FD7D854}" dt="2025-11-02T12:00:54.121" v="1572" actId="6549"/>
+        <pc:spChg chg="mod topLvl">
+          <ac:chgData name="Anton Schmierer" userId="cd19fb61ffe98ab8" providerId="LiveId" clId="{80B9D0F7-EA3F-41F2-A018-82727FD7D854}" dt="2025-11-02T12:32:54.827" v="1616" actId="1037"/>
           <ac:spMkLst>
             <pc:docMk/>
             <pc:sldMk cId="840838842" sldId="323"/>
             <ac:spMk id="30" creationId="{2707EFF0-0358-C388-52AA-509B25C57232}"/>
           </ac:spMkLst>
         </pc:spChg>
-        <pc:spChg chg="mod">
-          <ac:chgData name="Anton Schmierer" userId="cd19fb61ffe98ab8" providerId="LiveId" clId="{80B9D0F7-EA3F-41F2-A018-82727FD7D854}" dt="2025-10-31T17:19:30.773" v="1122" actId="20577"/>
+        <pc:spChg chg="mod topLvl">
+          <ac:chgData name="Anton Schmierer" userId="cd19fb61ffe98ab8" providerId="LiveId" clId="{80B9D0F7-EA3F-41F2-A018-82727FD7D854}" dt="2025-11-02T12:32:31.579" v="1586" actId="14100"/>
           <ac:spMkLst>
             <pc:docMk/>
             <pc:sldMk cId="840838842" sldId="323"/>
             <ac:spMk id="32" creationId="{6858BD9C-DC70-6A02-FC6C-DF7AF7ED1BAA}"/>
           </ac:spMkLst>
         </pc:spChg>
-        <pc:spChg chg="mod">
-          <ac:chgData name="Anton Schmierer" userId="cd19fb61ffe98ab8" providerId="LiveId" clId="{80B9D0F7-EA3F-41F2-A018-82727FD7D854}" dt="2025-11-02T12:00:55.335" v="1573" actId="6549"/>
+        <pc:spChg chg="mod topLvl">
+          <ac:chgData name="Anton Schmierer" userId="cd19fb61ffe98ab8" providerId="LiveId" clId="{80B9D0F7-EA3F-41F2-A018-82727FD7D854}" dt="2025-11-02T12:32:54.827" v="1616" actId="1037"/>
           <ac:spMkLst>
             <pc:docMk/>
             <pc:sldMk cId="840838842" sldId="323"/>
             <ac:spMk id="33" creationId="{03DD2826-F937-C0B7-A640-E95A663B5EDD}"/>
           </ac:spMkLst>
         </pc:spChg>
-        <pc:spChg chg="mod">
-          <ac:chgData name="Anton Schmierer" userId="cd19fb61ffe98ab8" providerId="LiveId" clId="{80B9D0F7-EA3F-41F2-A018-82727FD7D854}" dt="2025-10-31T17:19:48.458" v="1136" actId="20577"/>
+        <pc:spChg chg="mod topLvl">
+          <ac:chgData name="Anton Schmierer" userId="cd19fb61ffe98ab8" providerId="LiveId" clId="{80B9D0F7-EA3F-41F2-A018-82727FD7D854}" dt="2025-11-02T12:32:31.579" v="1586" actId="14100"/>
           <ac:spMkLst>
             <pc:docMk/>
             <pc:sldMk cId="840838842" sldId="323"/>
             <ac:spMk id="35" creationId="{2FCE78B4-EA94-FE9F-F7CF-2E33EC11A462}"/>
           </ac:spMkLst>
         </pc:spChg>
-        <pc:spChg chg="mod">
-          <ac:chgData name="Anton Schmierer" userId="cd19fb61ffe98ab8" providerId="LiveId" clId="{80B9D0F7-EA3F-41F2-A018-82727FD7D854}" dt="2025-11-02T12:00:56.652" v="1574" actId="6549"/>
+        <pc:spChg chg="mod topLvl">
+          <ac:chgData name="Anton Schmierer" userId="cd19fb61ffe98ab8" providerId="LiveId" clId="{80B9D0F7-EA3F-41F2-A018-82727FD7D854}" dt="2025-11-02T12:32:54.827" v="1616" actId="1037"/>
           <ac:spMkLst>
             <pc:docMk/>
             <pc:sldMk cId="840838842" sldId="323"/>
@@ -403,32 +411,16 @@
             <ac:spMk id="42" creationId="{A08F465A-9724-A8DF-6B98-CEE36F3CECE1}"/>
           </ac:spMkLst>
         </pc:spChg>
-        <pc:grpChg chg="add mod">
-          <ac:chgData name="Anton Schmierer" userId="cd19fb61ffe98ab8" providerId="LiveId" clId="{80B9D0F7-EA3F-41F2-A018-82727FD7D854}" dt="2025-10-31T17:16:46.748" v="1005" actId="465"/>
-          <ac:grpSpMkLst>
-            <pc:docMk/>
-            <pc:sldMk cId="840838842" sldId="323"/>
-            <ac:grpSpMk id="26" creationId="{26F24192-8D2A-757B-7D7F-4620C16B5B51}"/>
-          </ac:grpSpMkLst>
-        </pc:grpChg>
-        <pc:grpChg chg="add mod">
-          <ac:chgData name="Anton Schmierer" userId="cd19fb61ffe98ab8" providerId="LiveId" clId="{80B9D0F7-EA3F-41F2-A018-82727FD7D854}" dt="2025-10-31T17:16:46.748" v="1005" actId="465"/>
-          <ac:grpSpMkLst>
-            <pc:docMk/>
-            <pc:sldMk cId="840838842" sldId="323"/>
-            <ac:grpSpMk id="28" creationId="{B643D27F-4376-A5A8-C2E1-1BCE062B0EF7}"/>
-          </ac:grpSpMkLst>
-        </pc:grpChg>
-        <pc:grpChg chg="add mod">
-          <ac:chgData name="Anton Schmierer" userId="cd19fb61ffe98ab8" providerId="LiveId" clId="{80B9D0F7-EA3F-41F2-A018-82727FD7D854}" dt="2025-10-31T17:16:46.748" v="1005" actId="465"/>
+        <pc:grpChg chg="add del mod">
+          <ac:chgData name="Anton Schmierer" userId="cd19fb61ffe98ab8" providerId="LiveId" clId="{80B9D0F7-EA3F-41F2-A018-82727FD7D854}" dt="2025-11-02T12:32:21.614" v="1585" actId="165"/>
           <ac:grpSpMkLst>
             <pc:docMk/>
             <pc:sldMk cId="840838842" sldId="323"/>
             <ac:grpSpMk id="31" creationId="{570A4109-C050-722F-51A5-8B185F183470}"/>
           </ac:grpSpMkLst>
         </pc:grpChg>
-        <pc:grpChg chg="add mod">
-          <ac:chgData name="Anton Schmierer" userId="cd19fb61ffe98ab8" providerId="LiveId" clId="{80B9D0F7-EA3F-41F2-A018-82727FD7D854}" dt="2025-10-31T17:16:46.748" v="1005" actId="465"/>
+        <pc:grpChg chg="add del mod">
+          <ac:chgData name="Anton Schmierer" userId="cd19fb61ffe98ab8" providerId="LiveId" clId="{80B9D0F7-EA3F-41F2-A018-82727FD7D854}" dt="2025-11-02T12:32:21.614" v="1585" actId="165"/>
           <ac:grpSpMkLst>
             <pc:docMk/>
             <pc:sldMk cId="840838842" sldId="323"/>
@@ -450,8 +442,8 @@
           <pc:sldMk cId="677564021" sldId="324"/>
         </pc:sldMkLst>
       </pc:sldChg>
-      <pc:sldChg chg="modSp add mod">
-        <pc:chgData name="Anton Schmierer" userId="cd19fb61ffe98ab8" providerId="LiveId" clId="{80B9D0F7-EA3F-41F2-A018-82727FD7D854}" dt="2025-11-02T12:01:20.402" v="1583" actId="20577"/>
+      <pc:sldChg chg="modSp add del mod">
+        <pc:chgData name="Anton Schmierer" userId="cd19fb61ffe98ab8" providerId="LiveId" clId="{80B9D0F7-EA3F-41F2-A018-82727FD7D854}" dt="2025-11-02T12:33:33.015" v="1619" actId="47"/>
         <pc:sldMkLst>
           <pc:docMk/>
           <pc:sldMk cId="3198472219" sldId="324"/>
@@ -581,6 +573,28 @@
           <pc:docMk/>
           <pc:sldMk cId="2155227119" sldId="326"/>
         </pc:sldMkLst>
+      </pc:sldChg>
+      <pc:sldChg chg="add del">
+        <pc:chgData name="Anton Schmierer" userId="cd19fb61ffe98ab8" providerId="LiveId" clId="{80B9D0F7-EA3F-41F2-A018-82727FD7D854}" dt="2025-11-02T12:33:11.085" v="1617" actId="47"/>
+        <pc:sldMkLst>
+          <pc:docMk/>
+          <pc:sldMk cId="2896009243" sldId="326"/>
+        </pc:sldMkLst>
+      </pc:sldChg>
+      <pc:sldChg chg="modSp add mod">
+        <pc:chgData name="Anton Schmierer" userId="cd19fb61ffe98ab8" providerId="LiveId" clId="{80B9D0F7-EA3F-41F2-A018-82727FD7D854}" dt="2025-11-02T12:33:40.899" v="1621" actId="20577"/>
+        <pc:sldMkLst>
+          <pc:docMk/>
+          <pc:sldMk cId="4161589437" sldId="326"/>
+        </pc:sldMkLst>
+        <pc:spChg chg="mod">
+          <ac:chgData name="Anton Schmierer" userId="cd19fb61ffe98ab8" providerId="LiveId" clId="{80B9D0F7-EA3F-41F2-A018-82727FD7D854}" dt="2025-11-02T12:33:40.899" v="1621" actId="20577"/>
+          <ac:spMkLst>
+            <pc:docMk/>
+            <pc:sldMk cId="4161589437" sldId="326"/>
+            <ac:spMk id="13" creationId="{9E0F501C-7EDD-EEF4-10C7-01AE4DDAD3A3}"/>
+          </ac:spMkLst>
+        </pc:spChg>
       </pc:sldChg>
       <pc:sldChg chg="del">
         <pc:chgData name="Anton Schmierer" userId="cd19fb61ffe98ab8" providerId="LiveId" clId="{80B9D0F7-EA3F-41F2-A018-82727FD7D854}" dt="2025-10-31T16:09:01.383" v="2" actId="2696"/>
@@ -1793,7 +1807,7 @@
         <p:cNvPr id="1" name="">
           <a:extLst>
             <a:ext uri="{FF2B5EF4-FFF2-40B4-BE49-F238E27FC236}">
-              <a16:creationId xmlns:a16="http://schemas.microsoft.com/office/drawing/2014/main" id="{AB24A8BD-F8E2-1C1B-DE73-3C3FEFDD393D}"/>
+              <a16:creationId xmlns:a16="http://schemas.microsoft.com/office/drawing/2014/main" id="{DDFDD08A-73BA-26D6-7C40-A0C0F90BE31F}"/>
             </a:ext>
           </a:extLst>
         </p:cNvPr>
@@ -1813,7 +1827,7 @@
           <p:cNvPr id="2" name="Folienbildplatzhalter 1">
             <a:extLst>
               <a:ext uri="{FF2B5EF4-FFF2-40B4-BE49-F238E27FC236}">
-                <a16:creationId xmlns:a16="http://schemas.microsoft.com/office/drawing/2014/main" id="{79F19A2E-7CD7-D4B7-9844-3BFB3FCB259A}"/>
+                <a16:creationId xmlns:a16="http://schemas.microsoft.com/office/drawing/2014/main" id="{6738BF81-93F3-3479-7B10-FE802A098EB5}"/>
               </a:ext>
             </a:extLst>
           </p:cNvPr>
@@ -1831,7 +1845,7 @@
           <p:cNvPr id="3" name="Notizenplatzhalter 2">
             <a:extLst>
               <a:ext uri="{FF2B5EF4-FFF2-40B4-BE49-F238E27FC236}">
-                <a16:creationId xmlns:a16="http://schemas.microsoft.com/office/drawing/2014/main" id="{4F26976E-E54C-6CE4-92F3-0422508A1CC7}"/>
+                <a16:creationId xmlns:a16="http://schemas.microsoft.com/office/drawing/2014/main" id="{516CFFCF-6DE1-0EF5-7F3C-4701B9135AB6}"/>
               </a:ext>
             </a:extLst>
           </p:cNvPr>
@@ -1856,7 +1870,7 @@
           <p:cNvPr id="4" name="Foliennummernplatzhalter 3">
             <a:extLst>
               <a:ext uri="{FF2B5EF4-FFF2-40B4-BE49-F238E27FC236}">
-                <a16:creationId xmlns:a16="http://schemas.microsoft.com/office/drawing/2014/main" id="{E8B4C674-BAD5-AACE-A606-C13A7B9A3DD5}"/>
+                <a16:creationId xmlns:a16="http://schemas.microsoft.com/office/drawing/2014/main" id="{344465DE-07B2-0949-B35C-AA8A275136FD}"/>
               </a:ext>
             </a:extLst>
           </p:cNvPr>
@@ -1884,7 +1898,7 @@
     </p:spTree>
     <p:extLst>
       <p:ext uri="{BB962C8B-B14F-4D97-AF65-F5344CB8AC3E}">
-        <p14:creationId xmlns:p14="http://schemas.microsoft.com/office/powerpoint/2010/main" val="2058104501"/>
+        <p14:creationId xmlns:p14="http://schemas.microsoft.com/office/powerpoint/2010/main" val="3690815359"/>
       </p:ext>
     </p:extLst>
   </p:cSld>
@@ -8157,589 +8171,505 @@
           </a:p>
         </p:txBody>
       </p:sp>
-      <p:grpSp>
-        <p:nvGrpSpPr>
-          <p:cNvPr id="26" name="Gruppieren 25">
+      <p:sp>
+        <p:nvSpPr>
+          <p:cNvPr id="16" name="Rechteck 15">
             <a:extLst>
               <a:ext uri="{FF2B5EF4-FFF2-40B4-BE49-F238E27FC236}">
-                <a16:creationId xmlns:a16="http://schemas.microsoft.com/office/drawing/2014/main" id="{26F24192-8D2A-757B-7D7F-4620C16B5B51}"/>
+                <a16:creationId xmlns:a16="http://schemas.microsoft.com/office/drawing/2014/main" id="{53882B26-0FFE-8541-E3E9-B67B5CEEFFE6}"/>
               </a:ext>
             </a:extLst>
           </p:cNvPr>
-          <p:cNvGrpSpPr/>
+          <p:cNvSpPr/>
           <p:nvPr/>
-        </p:nvGrpSpPr>
-        <p:grpSpPr>
+        </p:nvSpPr>
+        <p:spPr>
           <a:xfrm>
             <a:off x="192088" y="1370669"/>
-            <a:ext cx="11807823" cy="792000"/>
-            <a:chOff x="192088" y="1377950"/>
-            <a:chExt cx="11807823" cy="660400"/>
+            <a:ext cx="1375200" cy="324000"/>
           </a:xfrm>
-        </p:grpSpPr>
-        <p:sp>
-          <p:nvSpPr>
-            <p:cNvPr id="16" name="Rechteck 15">
-              <a:extLst>
-                <a:ext uri="{FF2B5EF4-FFF2-40B4-BE49-F238E27FC236}">
-                  <a16:creationId xmlns:a16="http://schemas.microsoft.com/office/drawing/2014/main" id="{53882B26-0FFE-8541-E3E9-B67B5CEEFFE6}"/>
-                </a:ext>
-              </a:extLst>
-            </p:cNvPr>
-            <p:cNvSpPr/>
-            <p:nvPr/>
-          </p:nvSpPr>
-          <p:spPr>
-            <a:xfrm>
-              <a:off x="192088" y="1377950"/>
-              <a:ext cx="2392362" cy="270164"/>
-            </a:xfrm>
-            <a:prstGeom prst="rect">
-              <a:avLst/>
-            </a:prstGeom>
+          <a:prstGeom prst="rect">
+            <a:avLst/>
+          </a:prstGeom>
+          <a:solidFill>
+            <a:schemeClr val="bg1"/>
+          </a:solidFill>
+          <a:ln w="6350">
             <a:solidFill>
-              <a:schemeClr val="bg1"/>
+              <a:schemeClr val="tx2"/>
             </a:solidFill>
-            <a:ln w="6350">
-              <a:solidFill>
-                <a:schemeClr val="tx2"/>
-              </a:solidFill>
-            </a:ln>
-          </p:spPr>
-          <p:style>
-            <a:lnRef idx="2">
-              <a:schemeClr val="accent1">
-                <a:shade val="15000"/>
-              </a:schemeClr>
-            </a:lnRef>
-            <a:fillRef idx="1">
-              <a:schemeClr val="accent1"/>
-            </a:fillRef>
-            <a:effectRef idx="0">
-              <a:schemeClr val="accent1"/>
-            </a:effectRef>
-            <a:fontRef idx="minor">
-              <a:schemeClr val="lt1"/>
-            </a:fontRef>
-          </p:style>
-          <p:txBody>
-            <a:bodyPr rtlCol="0" anchor="ctr"/>
-            <a:lstStyle/>
-            <a:p>
-              <a:r>
-                <a:rPr lang="de-DE" sz="1600" b="1" dirty="0">
-                  <a:solidFill>
-                    <a:schemeClr val="tx1"/>
-                  </a:solidFill>
-                </a:rPr>
-                <a:t>Description:</a:t>
-              </a:r>
-            </a:p>
-          </p:txBody>
-        </p:sp>
-        <p:sp>
-          <p:nvSpPr>
-            <p:cNvPr id="23" name="Rechteck 22">
-              <a:extLst>
-                <a:ext uri="{FF2B5EF4-FFF2-40B4-BE49-F238E27FC236}">
-                  <a16:creationId xmlns:a16="http://schemas.microsoft.com/office/drawing/2014/main" id="{6DD8798C-9846-824E-B3B1-C5C10749438D}"/>
-                </a:ext>
-              </a:extLst>
-            </p:cNvPr>
-            <p:cNvSpPr/>
-            <p:nvPr/>
-          </p:nvSpPr>
-          <p:spPr>
-            <a:xfrm>
-              <a:off x="2651918" y="1377950"/>
-              <a:ext cx="9347993" cy="660400"/>
-            </a:xfrm>
-            <a:prstGeom prst="rect">
-              <a:avLst/>
-            </a:prstGeom>
-            <a:solidFill>
-              <a:schemeClr val="bg1"/>
-            </a:solidFill>
-            <a:ln w="6350">
-              <a:solidFill>
-                <a:schemeClr val="tx2"/>
-              </a:solidFill>
-            </a:ln>
-          </p:spPr>
-          <p:style>
-            <a:lnRef idx="2">
-              <a:schemeClr val="accent1">
-                <a:shade val="15000"/>
-              </a:schemeClr>
-            </a:lnRef>
-            <a:fillRef idx="1">
-              <a:schemeClr val="accent1"/>
-            </a:fillRef>
-            <a:effectRef idx="0">
-              <a:schemeClr val="accent1"/>
-            </a:effectRef>
-            <a:fontRef idx="minor">
-              <a:schemeClr val="lt1"/>
-            </a:fontRef>
-          </p:style>
-          <p:txBody>
-            <a:bodyPr rtlCol="0" anchor="ctr"/>
-            <a:lstStyle/>
-            <a:p>
-              <a:endParaRPr lang="en-US" sz="1100" dirty="0">
-                <a:solidFill>
-                  <a:schemeClr val="tx1"/>
-                </a:solidFill>
-              </a:endParaRPr>
-            </a:p>
-          </p:txBody>
-        </p:sp>
-      </p:grpSp>
-      <p:grpSp>
-        <p:nvGrpSpPr>
-          <p:cNvPr id="28" name="Gruppieren 27">
+          </a:ln>
+        </p:spPr>
+        <p:style>
+          <a:lnRef idx="2">
+            <a:schemeClr val="accent1">
+              <a:shade val="15000"/>
+            </a:schemeClr>
+          </a:lnRef>
+          <a:fillRef idx="1">
+            <a:schemeClr val="accent1"/>
+          </a:fillRef>
+          <a:effectRef idx="0">
+            <a:schemeClr val="accent1"/>
+          </a:effectRef>
+          <a:fontRef idx="minor">
+            <a:schemeClr val="lt1"/>
+          </a:fontRef>
+        </p:style>
+        <p:txBody>
+          <a:bodyPr rtlCol="0" anchor="ctr"/>
+          <a:lstStyle/>
+          <a:p>
+            <a:r>
+              <a:rPr lang="de-DE" sz="1600" b="1" dirty="0">
+                <a:solidFill>
+                  <a:schemeClr val="tx1"/>
+                </a:solidFill>
+              </a:rPr>
+              <a:t>Description:</a:t>
+            </a:r>
+          </a:p>
+        </p:txBody>
+      </p:sp>
+      <p:sp>
+        <p:nvSpPr>
+          <p:cNvPr id="23" name="Rechteck 22">
             <a:extLst>
               <a:ext uri="{FF2B5EF4-FFF2-40B4-BE49-F238E27FC236}">
-                <a16:creationId xmlns:a16="http://schemas.microsoft.com/office/drawing/2014/main" id="{B643D27F-4376-A5A8-C2E1-1BCE062B0EF7}"/>
+                <a16:creationId xmlns:a16="http://schemas.microsoft.com/office/drawing/2014/main" id="{6DD8798C-9846-824E-B3B1-C5C10749438D}"/>
               </a:ext>
             </a:extLst>
           </p:cNvPr>
-          <p:cNvGrpSpPr/>
+          <p:cNvSpPr/>
           <p:nvPr/>
-        </p:nvGrpSpPr>
-        <p:grpSpPr>
+        </p:nvSpPr>
+        <p:spPr>
           <a:xfrm>
-            <a:off x="192090" y="2301438"/>
-            <a:ext cx="11807823" cy="792000"/>
-            <a:chOff x="192088" y="1377950"/>
-            <a:chExt cx="11807823" cy="792000"/>
+            <a:off x="1899251" y="1370669"/>
+            <a:ext cx="10098000" cy="792000"/>
           </a:xfrm>
-        </p:grpSpPr>
-        <p:sp>
-          <p:nvSpPr>
-            <p:cNvPr id="29" name="Rechteck 28">
-              <a:extLst>
-                <a:ext uri="{FF2B5EF4-FFF2-40B4-BE49-F238E27FC236}">
-                  <a16:creationId xmlns:a16="http://schemas.microsoft.com/office/drawing/2014/main" id="{92138D5C-E1B9-EA96-3E7C-FDDE2159CABB}"/>
-                </a:ext>
-              </a:extLst>
-            </p:cNvPr>
-            <p:cNvSpPr/>
-            <p:nvPr/>
-          </p:nvSpPr>
-          <p:spPr>
-            <a:xfrm>
-              <a:off x="192088" y="1377950"/>
-              <a:ext cx="2392362" cy="323850"/>
-            </a:xfrm>
-            <a:prstGeom prst="rect">
-              <a:avLst/>
-            </a:prstGeom>
+          <a:prstGeom prst="rect">
+            <a:avLst/>
+          </a:prstGeom>
+          <a:solidFill>
+            <a:schemeClr val="bg1"/>
+          </a:solidFill>
+          <a:ln w="6350">
             <a:solidFill>
-              <a:schemeClr val="bg1"/>
+              <a:schemeClr val="tx2"/>
             </a:solidFill>
-            <a:ln w="6350">
+          </a:ln>
+        </p:spPr>
+        <p:style>
+          <a:lnRef idx="2">
+            <a:schemeClr val="accent1">
+              <a:shade val="15000"/>
+            </a:schemeClr>
+          </a:lnRef>
+          <a:fillRef idx="1">
+            <a:schemeClr val="accent1"/>
+          </a:fillRef>
+          <a:effectRef idx="0">
+            <a:schemeClr val="accent1"/>
+          </a:effectRef>
+          <a:fontRef idx="minor">
+            <a:schemeClr val="lt1"/>
+          </a:fontRef>
+        </p:style>
+        <p:txBody>
+          <a:bodyPr rtlCol="0" anchor="ctr"/>
+          <a:lstStyle/>
+          <a:p>
+            <a:endParaRPr lang="en-US" sz="1100" dirty="0">
               <a:solidFill>
-                <a:schemeClr val="tx2"/>
+                <a:schemeClr val="tx1"/>
               </a:solidFill>
-            </a:ln>
-          </p:spPr>
-          <p:style>
-            <a:lnRef idx="2">
-              <a:schemeClr val="accent1">
-                <a:shade val="15000"/>
-              </a:schemeClr>
-            </a:lnRef>
-            <a:fillRef idx="1">
-              <a:schemeClr val="accent1"/>
-            </a:fillRef>
-            <a:effectRef idx="0">
-              <a:schemeClr val="accent1"/>
-            </a:effectRef>
-            <a:fontRef idx="minor">
-              <a:schemeClr val="lt1"/>
-            </a:fontRef>
-          </p:style>
-          <p:txBody>
-            <a:bodyPr rtlCol="0" anchor="ctr"/>
-            <a:lstStyle/>
-            <a:p>
-              <a:r>
-                <a:rPr lang="de-DE" sz="1600" b="1" dirty="0">
-                  <a:solidFill>
-                    <a:schemeClr val="tx1"/>
-                  </a:solidFill>
-                </a:rPr>
-                <a:t>Rationale:</a:t>
-              </a:r>
-            </a:p>
-          </p:txBody>
-        </p:sp>
-        <p:sp>
-          <p:nvSpPr>
-            <p:cNvPr id="30" name="Rechteck 29">
-              <a:extLst>
-                <a:ext uri="{FF2B5EF4-FFF2-40B4-BE49-F238E27FC236}">
-                  <a16:creationId xmlns:a16="http://schemas.microsoft.com/office/drawing/2014/main" id="{2707EFF0-0358-C388-52AA-509B25C57232}"/>
-                </a:ext>
-              </a:extLst>
-            </p:cNvPr>
-            <p:cNvSpPr/>
-            <p:nvPr/>
-          </p:nvSpPr>
-          <p:spPr>
-            <a:xfrm>
-              <a:off x="2651918" y="1377950"/>
-              <a:ext cx="9347993" cy="792000"/>
-            </a:xfrm>
-            <a:prstGeom prst="rect">
-              <a:avLst/>
-            </a:prstGeom>
-            <a:solidFill>
-              <a:schemeClr val="bg1"/>
-            </a:solidFill>
-            <a:ln w="6350">
-              <a:solidFill>
-                <a:schemeClr val="tx2"/>
-              </a:solidFill>
-            </a:ln>
-          </p:spPr>
-          <p:style>
-            <a:lnRef idx="2">
-              <a:schemeClr val="accent1">
-                <a:shade val="15000"/>
-              </a:schemeClr>
-            </a:lnRef>
-            <a:fillRef idx="1">
-              <a:schemeClr val="accent1"/>
-            </a:fillRef>
-            <a:effectRef idx="0">
-              <a:schemeClr val="accent1"/>
-            </a:effectRef>
-            <a:fontRef idx="minor">
-              <a:schemeClr val="lt1"/>
-            </a:fontRef>
-          </p:style>
-          <p:txBody>
-            <a:bodyPr rtlCol="0" anchor="ctr"/>
-            <a:lstStyle/>
-            <a:p>
-              <a:endParaRPr lang="en-US" sz="1100" dirty="0">
-                <a:solidFill>
-                  <a:schemeClr val="tx1"/>
-                </a:solidFill>
-              </a:endParaRPr>
-            </a:p>
-          </p:txBody>
-        </p:sp>
-      </p:grpSp>
-      <p:grpSp>
-        <p:nvGrpSpPr>
-          <p:cNvPr id="31" name="Gruppieren 30">
+            </a:endParaRPr>
+          </a:p>
+        </p:txBody>
+      </p:sp>
+      <p:sp>
+        <p:nvSpPr>
+          <p:cNvPr id="29" name="Rechteck 28">
             <a:extLst>
               <a:ext uri="{FF2B5EF4-FFF2-40B4-BE49-F238E27FC236}">
-                <a16:creationId xmlns:a16="http://schemas.microsoft.com/office/drawing/2014/main" id="{570A4109-C050-722F-51A5-8B185F183470}"/>
+                <a16:creationId xmlns:a16="http://schemas.microsoft.com/office/drawing/2014/main" id="{92138D5C-E1B9-EA96-3E7C-FDDE2159CABB}"/>
               </a:ext>
             </a:extLst>
           </p:cNvPr>
-          <p:cNvGrpSpPr/>
+          <p:cNvSpPr/>
           <p:nvPr/>
-        </p:nvGrpSpPr>
-        <p:grpSpPr>
+        </p:nvSpPr>
+        <p:spPr>
           <a:xfrm>
-            <a:off x="192088" y="3232207"/>
-            <a:ext cx="11807823" cy="323850"/>
-            <a:chOff x="192088" y="1377950"/>
-            <a:chExt cx="11807823" cy="323850"/>
+            <a:off x="192090" y="2301438"/>
+            <a:ext cx="1375200" cy="323850"/>
           </a:xfrm>
-        </p:grpSpPr>
-        <p:sp>
-          <p:nvSpPr>
-            <p:cNvPr id="32" name="Rechteck 31">
-              <a:extLst>
-                <a:ext uri="{FF2B5EF4-FFF2-40B4-BE49-F238E27FC236}">
-                  <a16:creationId xmlns:a16="http://schemas.microsoft.com/office/drawing/2014/main" id="{6858BD9C-DC70-6A02-FC6C-DF7AF7ED1BAA}"/>
-                </a:ext>
-              </a:extLst>
-            </p:cNvPr>
-            <p:cNvSpPr/>
-            <p:nvPr/>
-          </p:nvSpPr>
-          <p:spPr>
-            <a:xfrm>
-              <a:off x="192088" y="1377950"/>
-              <a:ext cx="2392362" cy="323850"/>
-            </a:xfrm>
-            <a:prstGeom prst="rect">
-              <a:avLst/>
-            </a:prstGeom>
+          <a:prstGeom prst="rect">
+            <a:avLst/>
+          </a:prstGeom>
+          <a:solidFill>
+            <a:schemeClr val="bg1"/>
+          </a:solidFill>
+          <a:ln w="6350">
             <a:solidFill>
-              <a:schemeClr val="bg1"/>
+              <a:schemeClr val="tx2"/>
             </a:solidFill>
-            <a:ln w="6350">
-              <a:solidFill>
-                <a:schemeClr val="tx2"/>
-              </a:solidFill>
-            </a:ln>
-          </p:spPr>
-          <p:style>
-            <a:lnRef idx="2">
-              <a:schemeClr val="accent1">
-                <a:shade val="15000"/>
-              </a:schemeClr>
-            </a:lnRef>
-            <a:fillRef idx="1">
-              <a:schemeClr val="accent1"/>
-            </a:fillRef>
-            <a:effectRef idx="0">
-              <a:schemeClr val="accent1"/>
-            </a:effectRef>
-            <a:fontRef idx="minor">
-              <a:schemeClr val="lt1"/>
-            </a:fontRef>
-          </p:style>
-          <p:txBody>
-            <a:bodyPr rtlCol="0" anchor="ctr"/>
-            <a:lstStyle/>
-            <a:p>
-              <a:r>
-                <a:rPr lang="de-DE" sz="1600" b="1" dirty="0" err="1">
-                  <a:solidFill>
-                    <a:schemeClr val="tx1"/>
-                  </a:solidFill>
-                </a:rPr>
-                <a:t>Originator</a:t>
-              </a:r>
-              <a:r>
-                <a:rPr lang="de-DE" sz="1600" b="1" dirty="0">
-                  <a:solidFill>
-                    <a:schemeClr val="tx1"/>
-                  </a:solidFill>
-                </a:rPr>
-                <a:t>:</a:t>
-              </a:r>
-            </a:p>
-          </p:txBody>
-        </p:sp>
-        <p:sp>
-          <p:nvSpPr>
-            <p:cNvPr id="33" name="Rechteck 32">
-              <a:extLst>
-                <a:ext uri="{FF2B5EF4-FFF2-40B4-BE49-F238E27FC236}">
-                  <a16:creationId xmlns:a16="http://schemas.microsoft.com/office/drawing/2014/main" id="{03DD2826-F937-C0B7-A640-E95A663B5EDD}"/>
-                </a:ext>
-              </a:extLst>
-            </p:cNvPr>
-            <p:cNvSpPr/>
-            <p:nvPr/>
-          </p:nvSpPr>
-          <p:spPr>
-            <a:xfrm>
-              <a:off x="2651918" y="1377950"/>
-              <a:ext cx="9347993" cy="323850"/>
-            </a:xfrm>
-            <a:prstGeom prst="rect">
-              <a:avLst/>
-            </a:prstGeom>
-            <a:solidFill>
-              <a:schemeClr val="bg1"/>
-            </a:solidFill>
-            <a:ln w="6350">
-              <a:solidFill>
-                <a:schemeClr val="tx2"/>
-              </a:solidFill>
-            </a:ln>
-          </p:spPr>
-          <p:style>
-            <a:lnRef idx="2">
-              <a:schemeClr val="accent1">
-                <a:shade val="15000"/>
-              </a:schemeClr>
-            </a:lnRef>
-            <a:fillRef idx="1">
-              <a:schemeClr val="accent1"/>
-            </a:fillRef>
-            <a:effectRef idx="0">
-              <a:schemeClr val="accent1"/>
-            </a:effectRef>
-            <a:fontRef idx="minor">
-              <a:schemeClr val="lt1"/>
-            </a:fontRef>
-          </p:style>
-          <p:txBody>
-            <a:bodyPr rtlCol="0" anchor="ctr"/>
-            <a:lstStyle/>
-            <a:p>
-              <a:endParaRPr lang="en-US" sz="1100" dirty="0">
-                <a:solidFill>
-                  <a:schemeClr val="tx1"/>
-                </a:solidFill>
-              </a:endParaRPr>
-            </a:p>
-          </p:txBody>
-        </p:sp>
-      </p:grpSp>
-      <p:grpSp>
-        <p:nvGrpSpPr>
-          <p:cNvPr id="34" name="Gruppieren 33">
+          </a:ln>
+        </p:spPr>
+        <p:style>
+          <a:lnRef idx="2">
+            <a:schemeClr val="accent1">
+              <a:shade val="15000"/>
+            </a:schemeClr>
+          </a:lnRef>
+          <a:fillRef idx="1">
+            <a:schemeClr val="accent1"/>
+          </a:fillRef>
+          <a:effectRef idx="0">
+            <a:schemeClr val="accent1"/>
+          </a:effectRef>
+          <a:fontRef idx="minor">
+            <a:schemeClr val="lt1"/>
+          </a:fontRef>
+        </p:style>
+        <p:txBody>
+          <a:bodyPr rtlCol="0" anchor="ctr"/>
+          <a:lstStyle/>
+          <a:p>
+            <a:r>
+              <a:rPr lang="de-DE" sz="1600" b="1" dirty="0">
+                <a:solidFill>
+                  <a:schemeClr val="tx1"/>
+                </a:solidFill>
+              </a:rPr>
+              <a:t>Rationale:</a:t>
+            </a:r>
+          </a:p>
+        </p:txBody>
+      </p:sp>
+      <p:sp>
+        <p:nvSpPr>
+          <p:cNvPr id="30" name="Rechteck 29">
             <a:extLst>
               <a:ext uri="{FF2B5EF4-FFF2-40B4-BE49-F238E27FC236}">
-                <a16:creationId xmlns:a16="http://schemas.microsoft.com/office/drawing/2014/main" id="{70CDD6CF-C98A-1E1C-B652-C3C6E0209A1E}"/>
+                <a16:creationId xmlns:a16="http://schemas.microsoft.com/office/drawing/2014/main" id="{2707EFF0-0358-C388-52AA-509B25C57232}"/>
               </a:ext>
             </a:extLst>
           </p:cNvPr>
-          <p:cNvGrpSpPr/>
+          <p:cNvSpPr/>
           <p:nvPr/>
-        </p:nvGrpSpPr>
-        <p:grpSpPr>
+        </p:nvSpPr>
+        <p:spPr>
           <a:xfrm>
-            <a:off x="192090" y="3694826"/>
-            <a:ext cx="11807823" cy="792000"/>
-            <a:chOff x="192088" y="1377949"/>
-            <a:chExt cx="11807823" cy="547293"/>
+            <a:off x="1899253" y="2301438"/>
+            <a:ext cx="10098000" cy="792000"/>
           </a:xfrm>
-        </p:grpSpPr>
-        <p:sp>
-          <p:nvSpPr>
-            <p:cNvPr id="35" name="Rechteck 34">
-              <a:extLst>
-                <a:ext uri="{FF2B5EF4-FFF2-40B4-BE49-F238E27FC236}">
-                  <a16:creationId xmlns:a16="http://schemas.microsoft.com/office/drawing/2014/main" id="{2FCE78B4-EA94-FE9F-F7CF-2E33EC11A462}"/>
-                </a:ext>
-              </a:extLst>
-            </p:cNvPr>
-            <p:cNvSpPr/>
-            <p:nvPr/>
-          </p:nvSpPr>
-          <p:spPr>
-            <a:xfrm>
-              <a:off x="192088" y="1377950"/>
-              <a:ext cx="2392362" cy="223893"/>
-            </a:xfrm>
-            <a:prstGeom prst="rect">
-              <a:avLst/>
-            </a:prstGeom>
+          <a:prstGeom prst="rect">
+            <a:avLst/>
+          </a:prstGeom>
+          <a:solidFill>
+            <a:schemeClr val="bg1"/>
+          </a:solidFill>
+          <a:ln w="6350">
             <a:solidFill>
-              <a:schemeClr val="bg1"/>
+              <a:schemeClr val="tx2"/>
             </a:solidFill>
-            <a:ln w="6350">
+          </a:ln>
+        </p:spPr>
+        <p:style>
+          <a:lnRef idx="2">
+            <a:schemeClr val="accent1">
+              <a:shade val="15000"/>
+            </a:schemeClr>
+          </a:lnRef>
+          <a:fillRef idx="1">
+            <a:schemeClr val="accent1"/>
+          </a:fillRef>
+          <a:effectRef idx="0">
+            <a:schemeClr val="accent1"/>
+          </a:effectRef>
+          <a:fontRef idx="minor">
+            <a:schemeClr val="lt1"/>
+          </a:fontRef>
+        </p:style>
+        <p:txBody>
+          <a:bodyPr rtlCol="0" anchor="ctr"/>
+          <a:lstStyle/>
+          <a:p>
+            <a:endParaRPr lang="en-US" sz="1100" dirty="0">
               <a:solidFill>
-                <a:schemeClr val="tx2"/>
+                <a:schemeClr val="tx1"/>
               </a:solidFill>
-            </a:ln>
-          </p:spPr>
-          <p:style>
-            <a:lnRef idx="2">
-              <a:schemeClr val="accent1">
-                <a:shade val="15000"/>
-              </a:schemeClr>
-            </a:lnRef>
-            <a:fillRef idx="1">
-              <a:schemeClr val="accent1"/>
-            </a:fillRef>
-            <a:effectRef idx="0">
-              <a:schemeClr val="accent1"/>
-            </a:effectRef>
-            <a:fontRef idx="minor">
-              <a:schemeClr val="lt1"/>
-            </a:fontRef>
-          </p:style>
-          <p:txBody>
-            <a:bodyPr rtlCol="0" anchor="ctr"/>
-            <a:lstStyle/>
-            <a:p>
-              <a:r>
-                <a:rPr lang="de-DE" sz="1600" b="1" dirty="0">
-                  <a:solidFill>
-                    <a:schemeClr val="tx1"/>
-                  </a:solidFill>
-                </a:rPr>
-                <a:t>Fit </a:t>
-              </a:r>
-              <a:r>
-                <a:rPr lang="de-DE" sz="1600" b="1" dirty="0" err="1">
-                  <a:solidFill>
-                    <a:schemeClr val="tx1"/>
-                  </a:solidFill>
-                </a:rPr>
-                <a:t>Criterion</a:t>
-              </a:r>
-              <a:r>
-                <a:rPr lang="de-DE" sz="1600" b="1" dirty="0">
-                  <a:solidFill>
-                    <a:schemeClr val="tx1"/>
-                  </a:solidFill>
-                </a:rPr>
-                <a:t>:</a:t>
-              </a:r>
-            </a:p>
-          </p:txBody>
-        </p:sp>
-        <p:sp>
-          <p:nvSpPr>
-            <p:cNvPr id="36" name="Rechteck 35">
-              <a:extLst>
-                <a:ext uri="{FF2B5EF4-FFF2-40B4-BE49-F238E27FC236}">
-                  <a16:creationId xmlns:a16="http://schemas.microsoft.com/office/drawing/2014/main" id="{FA260BE3-BC49-1D35-2774-58F1A8B11F71}"/>
-                </a:ext>
-              </a:extLst>
-            </p:cNvPr>
-            <p:cNvSpPr/>
-            <p:nvPr/>
-          </p:nvSpPr>
-          <p:spPr>
-            <a:xfrm>
-              <a:off x="2651918" y="1377949"/>
-              <a:ext cx="9347993" cy="547293"/>
-            </a:xfrm>
-            <a:prstGeom prst="rect">
-              <a:avLst/>
-            </a:prstGeom>
+            </a:endParaRPr>
+          </a:p>
+        </p:txBody>
+      </p:sp>
+      <p:sp>
+        <p:nvSpPr>
+          <p:cNvPr id="32" name="Rechteck 31">
+            <a:extLst>
+              <a:ext uri="{FF2B5EF4-FFF2-40B4-BE49-F238E27FC236}">
+                <a16:creationId xmlns:a16="http://schemas.microsoft.com/office/drawing/2014/main" id="{6858BD9C-DC70-6A02-FC6C-DF7AF7ED1BAA}"/>
+              </a:ext>
+            </a:extLst>
+          </p:cNvPr>
+          <p:cNvSpPr/>
+          <p:nvPr/>
+        </p:nvSpPr>
+        <p:spPr>
+          <a:xfrm>
+            <a:off x="192088" y="3232207"/>
+            <a:ext cx="1375200" cy="323850"/>
+          </a:xfrm>
+          <a:prstGeom prst="rect">
+            <a:avLst/>
+          </a:prstGeom>
+          <a:solidFill>
+            <a:schemeClr val="bg1"/>
+          </a:solidFill>
+          <a:ln w="6350">
             <a:solidFill>
-              <a:schemeClr val="bg1"/>
+              <a:schemeClr val="tx2"/>
             </a:solidFill>
-            <a:ln w="6350">
+          </a:ln>
+        </p:spPr>
+        <p:style>
+          <a:lnRef idx="2">
+            <a:schemeClr val="accent1">
+              <a:shade val="15000"/>
+            </a:schemeClr>
+          </a:lnRef>
+          <a:fillRef idx="1">
+            <a:schemeClr val="accent1"/>
+          </a:fillRef>
+          <a:effectRef idx="0">
+            <a:schemeClr val="accent1"/>
+          </a:effectRef>
+          <a:fontRef idx="minor">
+            <a:schemeClr val="lt1"/>
+          </a:fontRef>
+        </p:style>
+        <p:txBody>
+          <a:bodyPr rtlCol="0" anchor="ctr"/>
+          <a:lstStyle/>
+          <a:p>
+            <a:r>
+              <a:rPr lang="de-DE" sz="1600" b="1" dirty="0" err="1">
+                <a:solidFill>
+                  <a:schemeClr val="tx1"/>
+                </a:solidFill>
+              </a:rPr>
+              <a:t>Originator</a:t>
+            </a:r>
+            <a:r>
+              <a:rPr lang="de-DE" sz="1600" b="1" dirty="0">
+                <a:solidFill>
+                  <a:schemeClr val="tx1"/>
+                </a:solidFill>
+              </a:rPr>
+              <a:t>:</a:t>
+            </a:r>
+          </a:p>
+        </p:txBody>
+      </p:sp>
+      <p:sp>
+        <p:nvSpPr>
+          <p:cNvPr id="33" name="Rechteck 32">
+            <a:extLst>
+              <a:ext uri="{FF2B5EF4-FFF2-40B4-BE49-F238E27FC236}">
+                <a16:creationId xmlns:a16="http://schemas.microsoft.com/office/drawing/2014/main" id="{03DD2826-F937-C0B7-A640-E95A663B5EDD}"/>
+              </a:ext>
+            </a:extLst>
+          </p:cNvPr>
+          <p:cNvSpPr/>
+          <p:nvPr/>
+        </p:nvSpPr>
+        <p:spPr>
+          <a:xfrm>
+            <a:off x="1899251" y="3232207"/>
+            <a:ext cx="10098000" cy="323850"/>
+          </a:xfrm>
+          <a:prstGeom prst="rect">
+            <a:avLst/>
+          </a:prstGeom>
+          <a:solidFill>
+            <a:schemeClr val="bg1"/>
+          </a:solidFill>
+          <a:ln w="6350">
+            <a:solidFill>
+              <a:schemeClr val="tx2"/>
+            </a:solidFill>
+          </a:ln>
+        </p:spPr>
+        <p:style>
+          <a:lnRef idx="2">
+            <a:schemeClr val="accent1">
+              <a:shade val="15000"/>
+            </a:schemeClr>
+          </a:lnRef>
+          <a:fillRef idx="1">
+            <a:schemeClr val="accent1"/>
+          </a:fillRef>
+          <a:effectRef idx="0">
+            <a:schemeClr val="accent1"/>
+          </a:effectRef>
+          <a:fontRef idx="minor">
+            <a:schemeClr val="lt1"/>
+          </a:fontRef>
+        </p:style>
+        <p:txBody>
+          <a:bodyPr rtlCol="0" anchor="ctr"/>
+          <a:lstStyle/>
+          <a:p>
+            <a:endParaRPr lang="en-US" sz="1100" dirty="0">
               <a:solidFill>
-                <a:schemeClr val="tx2"/>
+                <a:schemeClr val="tx1"/>
               </a:solidFill>
-            </a:ln>
-          </p:spPr>
-          <p:style>
-            <a:lnRef idx="2">
-              <a:schemeClr val="accent1">
-                <a:shade val="15000"/>
-              </a:schemeClr>
-            </a:lnRef>
-            <a:fillRef idx="1">
-              <a:schemeClr val="accent1"/>
-            </a:fillRef>
-            <a:effectRef idx="0">
-              <a:schemeClr val="accent1"/>
-            </a:effectRef>
-            <a:fontRef idx="minor">
-              <a:schemeClr val="lt1"/>
-            </a:fontRef>
-          </p:style>
-          <p:txBody>
-            <a:bodyPr rtlCol="0" anchor="ctr"/>
-            <a:lstStyle/>
-            <a:p>
-              <a:endParaRPr lang="en-US" sz="1100" dirty="0">
-                <a:solidFill>
-                  <a:schemeClr val="tx1"/>
-                </a:solidFill>
-              </a:endParaRPr>
-            </a:p>
-            <a:p>
-              <a:endParaRPr lang="en-US" sz="1600" u="sng" dirty="0">
-                <a:solidFill>
-                  <a:schemeClr val="tx1"/>
-                </a:solidFill>
-              </a:endParaRPr>
-            </a:p>
-          </p:txBody>
-        </p:sp>
-      </p:grpSp>
+            </a:endParaRPr>
+          </a:p>
+        </p:txBody>
+      </p:sp>
+      <p:sp>
+        <p:nvSpPr>
+          <p:cNvPr id="35" name="Rechteck 34">
+            <a:extLst>
+              <a:ext uri="{FF2B5EF4-FFF2-40B4-BE49-F238E27FC236}">
+                <a16:creationId xmlns:a16="http://schemas.microsoft.com/office/drawing/2014/main" id="{2FCE78B4-EA94-FE9F-F7CF-2E33EC11A462}"/>
+              </a:ext>
+            </a:extLst>
+          </p:cNvPr>
+          <p:cNvSpPr/>
+          <p:nvPr/>
+        </p:nvSpPr>
+        <p:spPr>
+          <a:xfrm>
+            <a:off x="192090" y="3694827"/>
+            <a:ext cx="1375200" cy="324001"/>
+          </a:xfrm>
+          <a:prstGeom prst="rect">
+            <a:avLst/>
+          </a:prstGeom>
+          <a:solidFill>
+            <a:schemeClr val="bg1"/>
+          </a:solidFill>
+          <a:ln w="6350">
+            <a:solidFill>
+              <a:schemeClr val="tx2"/>
+            </a:solidFill>
+          </a:ln>
+        </p:spPr>
+        <p:style>
+          <a:lnRef idx="2">
+            <a:schemeClr val="accent1">
+              <a:shade val="15000"/>
+            </a:schemeClr>
+          </a:lnRef>
+          <a:fillRef idx="1">
+            <a:schemeClr val="accent1"/>
+          </a:fillRef>
+          <a:effectRef idx="0">
+            <a:schemeClr val="accent1"/>
+          </a:effectRef>
+          <a:fontRef idx="minor">
+            <a:schemeClr val="lt1"/>
+          </a:fontRef>
+        </p:style>
+        <p:txBody>
+          <a:bodyPr rtlCol="0" anchor="ctr"/>
+          <a:lstStyle/>
+          <a:p>
+            <a:r>
+              <a:rPr lang="de-DE" sz="1600" b="1" dirty="0">
+                <a:solidFill>
+                  <a:schemeClr val="tx1"/>
+                </a:solidFill>
+              </a:rPr>
+              <a:t>Fit </a:t>
+            </a:r>
+            <a:r>
+              <a:rPr lang="de-DE" sz="1600" b="1" dirty="0" err="1">
+                <a:solidFill>
+                  <a:schemeClr val="tx1"/>
+                </a:solidFill>
+              </a:rPr>
+              <a:t>Criterion</a:t>
+            </a:r>
+            <a:r>
+              <a:rPr lang="de-DE" sz="1600" b="1" dirty="0">
+                <a:solidFill>
+                  <a:schemeClr val="tx1"/>
+                </a:solidFill>
+              </a:rPr>
+              <a:t>:</a:t>
+            </a:r>
+          </a:p>
+        </p:txBody>
+      </p:sp>
+      <p:sp>
+        <p:nvSpPr>
+          <p:cNvPr id="36" name="Rechteck 35">
+            <a:extLst>
+              <a:ext uri="{FF2B5EF4-FFF2-40B4-BE49-F238E27FC236}">
+                <a16:creationId xmlns:a16="http://schemas.microsoft.com/office/drawing/2014/main" id="{FA260BE3-BC49-1D35-2774-58F1A8B11F71}"/>
+              </a:ext>
+            </a:extLst>
+          </p:cNvPr>
+          <p:cNvSpPr/>
+          <p:nvPr/>
+        </p:nvSpPr>
+        <p:spPr>
+          <a:xfrm>
+            <a:off x="1899253" y="3694826"/>
+            <a:ext cx="10098000" cy="792000"/>
+          </a:xfrm>
+          <a:prstGeom prst="rect">
+            <a:avLst/>
+          </a:prstGeom>
+          <a:solidFill>
+            <a:schemeClr val="bg1"/>
+          </a:solidFill>
+          <a:ln w="6350">
+            <a:solidFill>
+              <a:schemeClr val="tx2"/>
+            </a:solidFill>
+          </a:ln>
+        </p:spPr>
+        <p:style>
+          <a:lnRef idx="2">
+            <a:schemeClr val="accent1">
+              <a:shade val="15000"/>
+            </a:schemeClr>
+          </a:lnRef>
+          <a:fillRef idx="1">
+            <a:schemeClr val="accent1"/>
+          </a:fillRef>
+          <a:effectRef idx="0">
+            <a:schemeClr val="accent1"/>
+          </a:effectRef>
+          <a:fontRef idx="minor">
+            <a:schemeClr val="lt1"/>
+          </a:fontRef>
+        </p:style>
+        <p:txBody>
+          <a:bodyPr rtlCol="0" anchor="ctr"/>
+          <a:lstStyle/>
+          <a:p>
+            <a:endParaRPr lang="en-US" sz="1100" dirty="0">
+              <a:solidFill>
+                <a:schemeClr val="tx1"/>
+              </a:solidFill>
+            </a:endParaRPr>
+          </a:p>
+          <a:p>
+            <a:endParaRPr lang="en-US" sz="1600" u="sng" dirty="0">
+              <a:solidFill>
+                <a:schemeClr val="tx1"/>
+              </a:solidFill>
+            </a:endParaRPr>
+          </a:p>
+        </p:txBody>
+      </p:sp>
       <p:sp>
         <p:nvSpPr>
           <p:cNvPr id="37" name="Rechteck 36">
@@ -9238,7 +9168,7 @@
         <p:cNvPr id="1" name="">
           <a:extLst>
             <a:ext uri="{FF2B5EF4-FFF2-40B4-BE49-F238E27FC236}">
-              <a16:creationId xmlns:a16="http://schemas.microsoft.com/office/drawing/2014/main" id="{1C15151D-EDAF-9401-F91E-7F352099FC99}"/>
+              <a16:creationId xmlns:a16="http://schemas.microsoft.com/office/drawing/2014/main" id="{9D02C32C-6F8C-9A5F-919D-1F3899CE2AEA}"/>
             </a:ext>
           </a:extLst>
         </p:cNvPr>
@@ -9258,7 +9188,7 @@
           <p:cNvPr id="5" name="Titel 4">
             <a:extLst>
               <a:ext uri="{FF2B5EF4-FFF2-40B4-BE49-F238E27FC236}">
-                <a16:creationId xmlns:a16="http://schemas.microsoft.com/office/drawing/2014/main" id="{000C1D0B-B467-5948-C622-835FFEE33463}"/>
+                <a16:creationId xmlns:a16="http://schemas.microsoft.com/office/drawing/2014/main" id="{73A64C4F-7A42-518E-D003-CD6D1C38B8BB}"/>
               </a:ext>
             </a:extLst>
           </p:cNvPr>
@@ -9283,7 +9213,7 @@
           <a:p>
             <a:r>
               <a:rPr lang="en-US" dirty="0"/>
-              <a:t>2. Non-Functional Requirements</a:t>
+              <a:t>1. Functional Requirements</a:t>
             </a:r>
             <a:endParaRPr lang="de-DE" dirty="0"/>
           </a:p>
@@ -9294,7 +9224,7 @@
           <p:cNvPr id="13" name="Rechteck 12">
             <a:extLst>
               <a:ext uri="{FF2B5EF4-FFF2-40B4-BE49-F238E27FC236}">
-                <a16:creationId xmlns:a16="http://schemas.microsoft.com/office/drawing/2014/main" id="{D1D282D5-4954-C473-A622-74E78E5BFE57}"/>
+                <a16:creationId xmlns:a16="http://schemas.microsoft.com/office/drawing/2014/main" id="{9E0F501C-7EDD-EEF4-10C7-01AE4DDAD3A3}"/>
               </a:ext>
             </a:extLst>
           </p:cNvPr>
@@ -9344,8 +9274,21 @@
                   <a:schemeClr val="tx1"/>
                 </a:solidFill>
               </a:rPr>
-              <a:t>Requirement #: NFR-01</a:t>
-            </a:r>
+              <a:t>Requirement </a:t>
+            </a:r>
+            <a:r>
+              <a:rPr lang="en-US" sz="1600" b="1">
+                <a:solidFill>
+                  <a:schemeClr val="tx1"/>
+                </a:solidFill>
+              </a:rPr>
+              <a:t>#: NR-1</a:t>
+            </a:r>
+            <a:endParaRPr lang="en-US" sz="1600" b="1" dirty="0">
+              <a:solidFill>
+                <a:schemeClr val="tx1"/>
+              </a:solidFill>
+            </a:endParaRPr>
           </a:p>
         </p:txBody>
       </p:sp>
@@ -9354,7 +9297,7 @@
           <p:cNvPr id="14" name="Rechteck 13">
             <a:extLst>
               <a:ext uri="{FF2B5EF4-FFF2-40B4-BE49-F238E27FC236}">
-                <a16:creationId xmlns:a16="http://schemas.microsoft.com/office/drawing/2014/main" id="{2CC41686-ED32-1541-B38B-03EE9A0E25FC}"/>
+                <a16:creationId xmlns:a16="http://schemas.microsoft.com/office/drawing/2014/main" id="{C027A50E-2504-AF72-B16F-FCF53584F119}"/>
               </a:ext>
             </a:extLst>
           </p:cNvPr>
@@ -9363,7 +9306,7 @@
         </p:nvSpPr>
         <p:spPr>
           <a:xfrm>
-            <a:off x="4277517" y="910844"/>
+            <a:off x="4436269" y="908050"/>
             <a:ext cx="3319462" cy="323850"/>
           </a:xfrm>
           <a:prstGeom prst="rect">
@@ -9404,13 +9347,8 @@
                   <a:schemeClr val="tx1"/>
                 </a:solidFill>
               </a:rPr>
-              <a:t>Requirement Type: Non-Functional</a:t>
-            </a:r>
-            <a:endParaRPr lang="en-US" sz="1400" b="1" dirty="0">
-              <a:solidFill>
-                <a:schemeClr val="tx1"/>
-              </a:solidFill>
-            </a:endParaRPr>
+              <a:t>Requirement Type: Functional</a:t>
+            </a:r>
           </a:p>
         </p:txBody>
       </p:sp>
@@ -9419,7 +9357,7 @@
           <p:cNvPr id="15" name="Rechteck 14">
             <a:extLst>
               <a:ext uri="{FF2B5EF4-FFF2-40B4-BE49-F238E27FC236}">
-                <a16:creationId xmlns:a16="http://schemas.microsoft.com/office/drawing/2014/main" id="{856B961D-F51D-6F4C-A1F9-B09D60081259}"/>
+                <a16:creationId xmlns:a16="http://schemas.microsoft.com/office/drawing/2014/main" id="{78D65D79-DB3F-9818-E6A8-982780F38FB5}"/>
               </a:ext>
             </a:extLst>
           </p:cNvPr>
@@ -9471,598 +9409,519 @@
               </a:rPr>
               <a:t>Event/BUC/PUC #:</a:t>
             </a:r>
+            <a:endParaRPr lang="de-DE" sz="1100" dirty="0">
+              <a:solidFill>
+                <a:schemeClr val="tx1"/>
+              </a:solidFill>
+            </a:endParaRPr>
           </a:p>
         </p:txBody>
       </p:sp>
-      <p:grpSp>
-        <p:nvGrpSpPr>
-          <p:cNvPr id="26" name="Gruppieren 25">
+      <p:sp>
+        <p:nvSpPr>
+          <p:cNvPr id="16" name="Rechteck 15">
             <a:extLst>
               <a:ext uri="{FF2B5EF4-FFF2-40B4-BE49-F238E27FC236}">
-                <a16:creationId xmlns:a16="http://schemas.microsoft.com/office/drawing/2014/main" id="{7C1A837D-EB9E-C5A4-EA10-2C2D0B78AFB2}"/>
+                <a16:creationId xmlns:a16="http://schemas.microsoft.com/office/drawing/2014/main" id="{DF65658E-2669-9D66-7D0E-A8B865C3435D}"/>
               </a:ext>
             </a:extLst>
           </p:cNvPr>
-          <p:cNvGrpSpPr/>
+          <p:cNvSpPr/>
           <p:nvPr/>
-        </p:nvGrpSpPr>
-        <p:grpSpPr>
+        </p:nvSpPr>
+        <p:spPr>
           <a:xfrm>
             <a:off x="192088" y="1370669"/>
-            <a:ext cx="11807823" cy="792000"/>
-            <a:chOff x="192088" y="1377950"/>
-            <a:chExt cx="11807823" cy="660400"/>
+            <a:ext cx="1375200" cy="324000"/>
           </a:xfrm>
-        </p:grpSpPr>
-        <p:sp>
-          <p:nvSpPr>
-            <p:cNvPr id="16" name="Rechteck 15">
-              <a:extLst>
-                <a:ext uri="{FF2B5EF4-FFF2-40B4-BE49-F238E27FC236}">
-                  <a16:creationId xmlns:a16="http://schemas.microsoft.com/office/drawing/2014/main" id="{CDCF8D9F-C00F-220D-1FE5-10B55DE47164}"/>
-                </a:ext>
-              </a:extLst>
-            </p:cNvPr>
-            <p:cNvSpPr/>
-            <p:nvPr/>
-          </p:nvSpPr>
-          <p:spPr>
-            <a:xfrm>
-              <a:off x="192088" y="1377950"/>
-              <a:ext cx="2392362" cy="270164"/>
-            </a:xfrm>
-            <a:prstGeom prst="rect">
-              <a:avLst/>
-            </a:prstGeom>
+          <a:prstGeom prst="rect">
+            <a:avLst/>
+          </a:prstGeom>
+          <a:solidFill>
+            <a:schemeClr val="bg1"/>
+          </a:solidFill>
+          <a:ln w="6350">
             <a:solidFill>
-              <a:schemeClr val="bg1"/>
+              <a:schemeClr val="tx2"/>
             </a:solidFill>
-            <a:ln w="6350">
-              <a:solidFill>
-                <a:schemeClr val="tx2"/>
-              </a:solidFill>
-            </a:ln>
-          </p:spPr>
-          <p:style>
-            <a:lnRef idx="2">
-              <a:schemeClr val="accent1">
-                <a:shade val="15000"/>
-              </a:schemeClr>
-            </a:lnRef>
-            <a:fillRef idx="1">
-              <a:schemeClr val="accent1"/>
-            </a:fillRef>
-            <a:effectRef idx="0">
-              <a:schemeClr val="accent1"/>
-            </a:effectRef>
-            <a:fontRef idx="minor">
-              <a:schemeClr val="lt1"/>
-            </a:fontRef>
-          </p:style>
-          <p:txBody>
-            <a:bodyPr rtlCol="0" anchor="ctr"/>
-            <a:lstStyle/>
-            <a:p>
-              <a:r>
-                <a:rPr lang="de-DE" sz="1600" b="1" dirty="0">
-                  <a:solidFill>
-                    <a:schemeClr val="tx1"/>
-                  </a:solidFill>
-                </a:rPr>
-                <a:t>Description:</a:t>
-              </a:r>
-            </a:p>
-          </p:txBody>
-        </p:sp>
-        <p:sp>
-          <p:nvSpPr>
-            <p:cNvPr id="23" name="Rechteck 22">
-              <a:extLst>
-                <a:ext uri="{FF2B5EF4-FFF2-40B4-BE49-F238E27FC236}">
-                  <a16:creationId xmlns:a16="http://schemas.microsoft.com/office/drawing/2014/main" id="{2C1286C7-C68F-5F16-0D9B-1DBA4D2E3D45}"/>
-                </a:ext>
-              </a:extLst>
-            </p:cNvPr>
-            <p:cNvSpPr/>
-            <p:nvPr/>
-          </p:nvSpPr>
-          <p:spPr>
-            <a:xfrm>
-              <a:off x="2651918" y="1377950"/>
-              <a:ext cx="9347993" cy="660400"/>
-            </a:xfrm>
-            <a:prstGeom prst="rect">
-              <a:avLst/>
-            </a:prstGeom>
-            <a:solidFill>
-              <a:schemeClr val="bg1"/>
-            </a:solidFill>
-            <a:ln w="6350">
-              <a:solidFill>
-                <a:schemeClr val="tx2"/>
-              </a:solidFill>
-            </a:ln>
-          </p:spPr>
-          <p:style>
-            <a:lnRef idx="2">
-              <a:schemeClr val="accent1">
-                <a:shade val="15000"/>
-              </a:schemeClr>
-            </a:lnRef>
-            <a:fillRef idx="1">
-              <a:schemeClr val="accent1"/>
-            </a:fillRef>
-            <a:effectRef idx="0">
-              <a:schemeClr val="accent1"/>
-            </a:effectRef>
-            <a:fontRef idx="minor">
-              <a:schemeClr val="lt1"/>
-            </a:fontRef>
-          </p:style>
-          <p:txBody>
-            <a:bodyPr rtlCol="0" anchor="ctr"/>
-            <a:lstStyle/>
-            <a:p>
-              <a:endParaRPr lang="en-US" sz="1100" dirty="0">
-                <a:solidFill>
-                  <a:schemeClr val="tx1"/>
-                </a:solidFill>
-              </a:endParaRPr>
-            </a:p>
-          </p:txBody>
-        </p:sp>
-      </p:grpSp>
-      <p:grpSp>
-        <p:nvGrpSpPr>
-          <p:cNvPr id="28" name="Gruppieren 27">
+          </a:ln>
+        </p:spPr>
+        <p:style>
+          <a:lnRef idx="2">
+            <a:schemeClr val="accent1">
+              <a:shade val="15000"/>
+            </a:schemeClr>
+          </a:lnRef>
+          <a:fillRef idx="1">
+            <a:schemeClr val="accent1"/>
+          </a:fillRef>
+          <a:effectRef idx="0">
+            <a:schemeClr val="accent1"/>
+          </a:effectRef>
+          <a:fontRef idx="minor">
+            <a:schemeClr val="lt1"/>
+          </a:fontRef>
+        </p:style>
+        <p:txBody>
+          <a:bodyPr rtlCol="0" anchor="ctr"/>
+          <a:lstStyle/>
+          <a:p>
+            <a:r>
+              <a:rPr lang="de-DE" sz="1600" b="1" dirty="0">
+                <a:solidFill>
+                  <a:schemeClr val="tx1"/>
+                </a:solidFill>
+              </a:rPr>
+              <a:t>Description:</a:t>
+            </a:r>
+          </a:p>
+        </p:txBody>
+      </p:sp>
+      <p:sp>
+        <p:nvSpPr>
+          <p:cNvPr id="23" name="Rechteck 22">
             <a:extLst>
               <a:ext uri="{FF2B5EF4-FFF2-40B4-BE49-F238E27FC236}">
-                <a16:creationId xmlns:a16="http://schemas.microsoft.com/office/drawing/2014/main" id="{50134241-EF9D-70A4-3626-D8FC9E43A41B}"/>
+                <a16:creationId xmlns:a16="http://schemas.microsoft.com/office/drawing/2014/main" id="{929F4E60-0869-352B-3917-F4F772838C32}"/>
               </a:ext>
             </a:extLst>
           </p:cNvPr>
-          <p:cNvGrpSpPr/>
+          <p:cNvSpPr/>
           <p:nvPr/>
-        </p:nvGrpSpPr>
-        <p:grpSpPr>
+        </p:nvSpPr>
+        <p:spPr>
           <a:xfrm>
-            <a:off x="192090" y="2301438"/>
-            <a:ext cx="11807823" cy="792000"/>
-            <a:chOff x="192088" y="1377950"/>
-            <a:chExt cx="11807823" cy="792000"/>
+            <a:off x="1899251" y="1370669"/>
+            <a:ext cx="10098000" cy="792000"/>
           </a:xfrm>
-        </p:grpSpPr>
-        <p:sp>
-          <p:nvSpPr>
-            <p:cNvPr id="29" name="Rechteck 28">
-              <a:extLst>
-                <a:ext uri="{FF2B5EF4-FFF2-40B4-BE49-F238E27FC236}">
-                  <a16:creationId xmlns:a16="http://schemas.microsoft.com/office/drawing/2014/main" id="{5210C88F-9D7A-4519-D08F-BC808ADF718C}"/>
-                </a:ext>
-              </a:extLst>
-            </p:cNvPr>
-            <p:cNvSpPr/>
-            <p:nvPr/>
-          </p:nvSpPr>
-          <p:spPr>
-            <a:xfrm>
-              <a:off x="192088" y="1377950"/>
-              <a:ext cx="2392362" cy="323850"/>
-            </a:xfrm>
-            <a:prstGeom prst="rect">
-              <a:avLst/>
-            </a:prstGeom>
+          <a:prstGeom prst="rect">
+            <a:avLst/>
+          </a:prstGeom>
+          <a:solidFill>
+            <a:schemeClr val="bg1"/>
+          </a:solidFill>
+          <a:ln w="6350">
             <a:solidFill>
-              <a:schemeClr val="bg1"/>
+              <a:schemeClr val="tx2"/>
             </a:solidFill>
-            <a:ln w="6350">
+          </a:ln>
+        </p:spPr>
+        <p:style>
+          <a:lnRef idx="2">
+            <a:schemeClr val="accent1">
+              <a:shade val="15000"/>
+            </a:schemeClr>
+          </a:lnRef>
+          <a:fillRef idx="1">
+            <a:schemeClr val="accent1"/>
+          </a:fillRef>
+          <a:effectRef idx="0">
+            <a:schemeClr val="accent1"/>
+          </a:effectRef>
+          <a:fontRef idx="minor">
+            <a:schemeClr val="lt1"/>
+          </a:fontRef>
+        </p:style>
+        <p:txBody>
+          <a:bodyPr rtlCol="0" anchor="ctr"/>
+          <a:lstStyle/>
+          <a:p>
+            <a:endParaRPr lang="en-US" sz="1100" dirty="0">
               <a:solidFill>
-                <a:schemeClr val="tx2"/>
+                <a:schemeClr val="tx1"/>
               </a:solidFill>
-            </a:ln>
-          </p:spPr>
-          <p:style>
-            <a:lnRef idx="2">
-              <a:schemeClr val="accent1">
-                <a:shade val="15000"/>
-              </a:schemeClr>
-            </a:lnRef>
-            <a:fillRef idx="1">
-              <a:schemeClr val="accent1"/>
-            </a:fillRef>
-            <a:effectRef idx="0">
-              <a:schemeClr val="accent1"/>
-            </a:effectRef>
-            <a:fontRef idx="minor">
-              <a:schemeClr val="lt1"/>
-            </a:fontRef>
-          </p:style>
-          <p:txBody>
-            <a:bodyPr rtlCol="0" anchor="ctr"/>
-            <a:lstStyle/>
-            <a:p>
-              <a:r>
-                <a:rPr lang="de-DE" sz="1600" b="1" dirty="0">
-                  <a:solidFill>
-                    <a:schemeClr val="tx1"/>
-                  </a:solidFill>
-                </a:rPr>
-                <a:t>Rationale:</a:t>
-              </a:r>
-            </a:p>
-          </p:txBody>
-        </p:sp>
-        <p:sp>
-          <p:nvSpPr>
-            <p:cNvPr id="30" name="Rechteck 29">
-              <a:extLst>
-                <a:ext uri="{FF2B5EF4-FFF2-40B4-BE49-F238E27FC236}">
-                  <a16:creationId xmlns:a16="http://schemas.microsoft.com/office/drawing/2014/main" id="{6D0FFC1E-8967-7C12-A88E-CE3F989EE207}"/>
-                </a:ext>
-              </a:extLst>
-            </p:cNvPr>
-            <p:cNvSpPr/>
-            <p:nvPr/>
-          </p:nvSpPr>
-          <p:spPr>
-            <a:xfrm>
-              <a:off x="2651918" y="1377950"/>
-              <a:ext cx="9347993" cy="792000"/>
-            </a:xfrm>
-            <a:prstGeom prst="rect">
-              <a:avLst/>
-            </a:prstGeom>
-            <a:solidFill>
-              <a:schemeClr val="bg1"/>
-            </a:solidFill>
-            <a:ln w="6350">
-              <a:solidFill>
-                <a:schemeClr val="tx2"/>
-              </a:solidFill>
-            </a:ln>
-          </p:spPr>
-          <p:style>
-            <a:lnRef idx="2">
-              <a:schemeClr val="accent1">
-                <a:shade val="15000"/>
-              </a:schemeClr>
-            </a:lnRef>
-            <a:fillRef idx="1">
-              <a:schemeClr val="accent1"/>
-            </a:fillRef>
-            <a:effectRef idx="0">
-              <a:schemeClr val="accent1"/>
-            </a:effectRef>
-            <a:fontRef idx="minor">
-              <a:schemeClr val="lt1"/>
-            </a:fontRef>
-          </p:style>
-          <p:txBody>
-            <a:bodyPr rtlCol="0" anchor="ctr"/>
-            <a:lstStyle/>
-            <a:p>
-              <a:endParaRPr lang="en-US" sz="1100" dirty="0">
-                <a:solidFill>
-                  <a:schemeClr val="tx1"/>
-                </a:solidFill>
-              </a:endParaRPr>
-            </a:p>
-          </p:txBody>
-        </p:sp>
-      </p:grpSp>
-      <p:grpSp>
-        <p:nvGrpSpPr>
-          <p:cNvPr id="31" name="Gruppieren 30">
+            </a:endParaRPr>
+          </a:p>
+        </p:txBody>
+      </p:sp>
+      <p:sp>
+        <p:nvSpPr>
+          <p:cNvPr id="29" name="Rechteck 28">
             <a:extLst>
               <a:ext uri="{FF2B5EF4-FFF2-40B4-BE49-F238E27FC236}">
-                <a16:creationId xmlns:a16="http://schemas.microsoft.com/office/drawing/2014/main" id="{F7C808C0-AF2B-98A5-FC61-83DC36D66CE8}"/>
+                <a16:creationId xmlns:a16="http://schemas.microsoft.com/office/drawing/2014/main" id="{1C49140B-90E8-CD57-F810-3420661164B3}"/>
               </a:ext>
             </a:extLst>
           </p:cNvPr>
-          <p:cNvGrpSpPr/>
+          <p:cNvSpPr/>
           <p:nvPr/>
-        </p:nvGrpSpPr>
-        <p:grpSpPr>
+        </p:nvSpPr>
+        <p:spPr>
           <a:xfrm>
-            <a:off x="192088" y="3232207"/>
-            <a:ext cx="11807823" cy="323850"/>
-            <a:chOff x="192088" y="1377950"/>
-            <a:chExt cx="11807823" cy="323850"/>
+            <a:off x="192090" y="2301438"/>
+            <a:ext cx="1375200" cy="323850"/>
           </a:xfrm>
-        </p:grpSpPr>
-        <p:sp>
-          <p:nvSpPr>
-            <p:cNvPr id="32" name="Rechteck 31">
-              <a:extLst>
-                <a:ext uri="{FF2B5EF4-FFF2-40B4-BE49-F238E27FC236}">
-                  <a16:creationId xmlns:a16="http://schemas.microsoft.com/office/drawing/2014/main" id="{1B499BAB-54B0-190B-41B8-3ADB0D4BA76F}"/>
-                </a:ext>
-              </a:extLst>
-            </p:cNvPr>
-            <p:cNvSpPr/>
-            <p:nvPr/>
-          </p:nvSpPr>
-          <p:spPr>
-            <a:xfrm>
-              <a:off x="192088" y="1377950"/>
-              <a:ext cx="2392362" cy="323850"/>
-            </a:xfrm>
-            <a:prstGeom prst="rect">
-              <a:avLst/>
-            </a:prstGeom>
+          <a:prstGeom prst="rect">
+            <a:avLst/>
+          </a:prstGeom>
+          <a:solidFill>
+            <a:schemeClr val="bg1"/>
+          </a:solidFill>
+          <a:ln w="6350">
             <a:solidFill>
-              <a:schemeClr val="bg1"/>
+              <a:schemeClr val="tx2"/>
             </a:solidFill>
-            <a:ln w="6350">
-              <a:solidFill>
-                <a:schemeClr val="tx2"/>
-              </a:solidFill>
-            </a:ln>
-          </p:spPr>
-          <p:style>
-            <a:lnRef idx="2">
-              <a:schemeClr val="accent1">
-                <a:shade val="15000"/>
-              </a:schemeClr>
-            </a:lnRef>
-            <a:fillRef idx="1">
-              <a:schemeClr val="accent1"/>
-            </a:fillRef>
-            <a:effectRef idx="0">
-              <a:schemeClr val="accent1"/>
-            </a:effectRef>
-            <a:fontRef idx="minor">
-              <a:schemeClr val="lt1"/>
-            </a:fontRef>
-          </p:style>
-          <p:txBody>
-            <a:bodyPr rtlCol="0" anchor="ctr"/>
-            <a:lstStyle/>
-            <a:p>
-              <a:r>
-                <a:rPr lang="de-DE" sz="1600" b="1" dirty="0" err="1">
-                  <a:solidFill>
-                    <a:schemeClr val="tx1"/>
-                  </a:solidFill>
-                </a:rPr>
-                <a:t>Originator</a:t>
-              </a:r>
-              <a:r>
-                <a:rPr lang="de-DE" sz="1600" b="1" dirty="0">
-                  <a:solidFill>
-                    <a:schemeClr val="tx1"/>
-                  </a:solidFill>
-                </a:rPr>
-                <a:t>:</a:t>
-              </a:r>
-            </a:p>
-          </p:txBody>
-        </p:sp>
-        <p:sp>
-          <p:nvSpPr>
-            <p:cNvPr id="33" name="Rechteck 32">
-              <a:extLst>
-                <a:ext uri="{FF2B5EF4-FFF2-40B4-BE49-F238E27FC236}">
-                  <a16:creationId xmlns:a16="http://schemas.microsoft.com/office/drawing/2014/main" id="{4CFA62C9-9BD8-1E81-A223-56D80A9F9FB2}"/>
-                </a:ext>
-              </a:extLst>
-            </p:cNvPr>
-            <p:cNvSpPr/>
-            <p:nvPr/>
-          </p:nvSpPr>
-          <p:spPr>
-            <a:xfrm>
-              <a:off x="2651918" y="1377950"/>
-              <a:ext cx="9347993" cy="323850"/>
-            </a:xfrm>
-            <a:prstGeom prst="rect">
-              <a:avLst/>
-            </a:prstGeom>
-            <a:solidFill>
-              <a:schemeClr val="bg1"/>
-            </a:solidFill>
-            <a:ln w="6350">
-              <a:solidFill>
-                <a:schemeClr val="tx2"/>
-              </a:solidFill>
-            </a:ln>
-          </p:spPr>
-          <p:style>
-            <a:lnRef idx="2">
-              <a:schemeClr val="accent1">
-                <a:shade val="15000"/>
-              </a:schemeClr>
-            </a:lnRef>
-            <a:fillRef idx="1">
-              <a:schemeClr val="accent1"/>
-            </a:fillRef>
-            <a:effectRef idx="0">
-              <a:schemeClr val="accent1"/>
-            </a:effectRef>
-            <a:fontRef idx="minor">
-              <a:schemeClr val="lt1"/>
-            </a:fontRef>
-          </p:style>
-          <p:txBody>
-            <a:bodyPr rtlCol="0" anchor="ctr"/>
-            <a:lstStyle/>
-            <a:p>
-              <a:endParaRPr lang="en-US" sz="1100" dirty="0">
-                <a:solidFill>
-                  <a:schemeClr val="tx1"/>
-                </a:solidFill>
-              </a:endParaRPr>
-            </a:p>
-          </p:txBody>
-        </p:sp>
-      </p:grpSp>
-      <p:grpSp>
-        <p:nvGrpSpPr>
-          <p:cNvPr id="34" name="Gruppieren 33">
+          </a:ln>
+        </p:spPr>
+        <p:style>
+          <a:lnRef idx="2">
+            <a:schemeClr val="accent1">
+              <a:shade val="15000"/>
+            </a:schemeClr>
+          </a:lnRef>
+          <a:fillRef idx="1">
+            <a:schemeClr val="accent1"/>
+          </a:fillRef>
+          <a:effectRef idx="0">
+            <a:schemeClr val="accent1"/>
+          </a:effectRef>
+          <a:fontRef idx="minor">
+            <a:schemeClr val="lt1"/>
+          </a:fontRef>
+        </p:style>
+        <p:txBody>
+          <a:bodyPr rtlCol="0" anchor="ctr"/>
+          <a:lstStyle/>
+          <a:p>
+            <a:r>
+              <a:rPr lang="de-DE" sz="1600" b="1" dirty="0">
+                <a:solidFill>
+                  <a:schemeClr val="tx1"/>
+                </a:solidFill>
+              </a:rPr>
+              <a:t>Rationale:</a:t>
+            </a:r>
+          </a:p>
+        </p:txBody>
+      </p:sp>
+      <p:sp>
+        <p:nvSpPr>
+          <p:cNvPr id="30" name="Rechteck 29">
             <a:extLst>
               <a:ext uri="{FF2B5EF4-FFF2-40B4-BE49-F238E27FC236}">
-                <a16:creationId xmlns:a16="http://schemas.microsoft.com/office/drawing/2014/main" id="{3658EFA5-70B9-9F70-E196-8DBF52C096FE}"/>
+                <a16:creationId xmlns:a16="http://schemas.microsoft.com/office/drawing/2014/main" id="{825F9097-AEE0-B324-9BEE-3F8E06DF50DE}"/>
               </a:ext>
             </a:extLst>
           </p:cNvPr>
-          <p:cNvGrpSpPr/>
+          <p:cNvSpPr/>
           <p:nvPr/>
-        </p:nvGrpSpPr>
-        <p:grpSpPr>
+        </p:nvSpPr>
+        <p:spPr>
           <a:xfrm>
-            <a:off x="192090" y="3694826"/>
-            <a:ext cx="11807823" cy="792000"/>
-            <a:chOff x="192088" y="1377949"/>
-            <a:chExt cx="11807823" cy="547293"/>
+            <a:off x="1899253" y="2301438"/>
+            <a:ext cx="10098000" cy="792000"/>
           </a:xfrm>
-        </p:grpSpPr>
-        <p:sp>
-          <p:nvSpPr>
-            <p:cNvPr id="35" name="Rechteck 34">
-              <a:extLst>
-                <a:ext uri="{FF2B5EF4-FFF2-40B4-BE49-F238E27FC236}">
-                  <a16:creationId xmlns:a16="http://schemas.microsoft.com/office/drawing/2014/main" id="{35B3141B-CD4D-DDFD-C419-44BABD53611E}"/>
-                </a:ext>
-              </a:extLst>
-            </p:cNvPr>
-            <p:cNvSpPr/>
-            <p:nvPr/>
-          </p:nvSpPr>
-          <p:spPr>
-            <a:xfrm>
-              <a:off x="192088" y="1377950"/>
-              <a:ext cx="2392362" cy="223893"/>
-            </a:xfrm>
-            <a:prstGeom prst="rect">
-              <a:avLst/>
-            </a:prstGeom>
+          <a:prstGeom prst="rect">
+            <a:avLst/>
+          </a:prstGeom>
+          <a:solidFill>
+            <a:schemeClr val="bg1"/>
+          </a:solidFill>
+          <a:ln w="6350">
             <a:solidFill>
-              <a:schemeClr val="bg1"/>
+              <a:schemeClr val="tx2"/>
             </a:solidFill>
-            <a:ln w="6350">
+          </a:ln>
+        </p:spPr>
+        <p:style>
+          <a:lnRef idx="2">
+            <a:schemeClr val="accent1">
+              <a:shade val="15000"/>
+            </a:schemeClr>
+          </a:lnRef>
+          <a:fillRef idx="1">
+            <a:schemeClr val="accent1"/>
+          </a:fillRef>
+          <a:effectRef idx="0">
+            <a:schemeClr val="accent1"/>
+          </a:effectRef>
+          <a:fontRef idx="minor">
+            <a:schemeClr val="lt1"/>
+          </a:fontRef>
+        </p:style>
+        <p:txBody>
+          <a:bodyPr rtlCol="0" anchor="ctr"/>
+          <a:lstStyle/>
+          <a:p>
+            <a:endParaRPr lang="en-US" sz="1100" dirty="0">
               <a:solidFill>
-                <a:schemeClr val="tx2"/>
+                <a:schemeClr val="tx1"/>
               </a:solidFill>
-            </a:ln>
-          </p:spPr>
-          <p:style>
-            <a:lnRef idx="2">
-              <a:schemeClr val="accent1">
-                <a:shade val="15000"/>
-              </a:schemeClr>
-            </a:lnRef>
-            <a:fillRef idx="1">
-              <a:schemeClr val="accent1"/>
-            </a:fillRef>
-            <a:effectRef idx="0">
-              <a:schemeClr val="accent1"/>
-            </a:effectRef>
-            <a:fontRef idx="minor">
-              <a:schemeClr val="lt1"/>
-            </a:fontRef>
-          </p:style>
-          <p:txBody>
-            <a:bodyPr rtlCol="0" anchor="ctr"/>
-            <a:lstStyle/>
-            <a:p>
-              <a:r>
-                <a:rPr lang="de-DE" sz="1600" b="1" dirty="0">
-                  <a:solidFill>
-                    <a:schemeClr val="tx1"/>
-                  </a:solidFill>
-                </a:rPr>
-                <a:t>Fit </a:t>
-              </a:r>
-              <a:r>
-                <a:rPr lang="de-DE" sz="1600" b="1" dirty="0" err="1">
-                  <a:solidFill>
-                    <a:schemeClr val="tx1"/>
-                  </a:solidFill>
-                </a:rPr>
-                <a:t>Criterion</a:t>
-              </a:r>
-              <a:r>
-                <a:rPr lang="de-DE" sz="1600" b="1" dirty="0">
-                  <a:solidFill>
-                    <a:schemeClr val="tx1"/>
-                  </a:solidFill>
-                </a:rPr>
-                <a:t>:</a:t>
-              </a:r>
-            </a:p>
-          </p:txBody>
-        </p:sp>
-        <p:sp>
-          <p:nvSpPr>
-            <p:cNvPr id="36" name="Rechteck 35">
-              <a:extLst>
-                <a:ext uri="{FF2B5EF4-FFF2-40B4-BE49-F238E27FC236}">
-                  <a16:creationId xmlns:a16="http://schemas.microsoft.com/office/drawing/2014/main" id="{1EA3713F-729B-04C7-B7E5-83DBB5A34B0E}"/>
-                </a:ext>
-              </a:extLst>
-            </p:cNvPr>
-            <p:cNvSpPr/>
-            <p:nvPr/>
-          </p:nvSpPr>
-          <p:spPr>
-            <a:xfrm>
-              <a:off x="2651918" y="1377949"/>
-              <a:ext cx="9347993" cy="547293"/>
-            </a:xfrm>
-            <a:prstGeom prst="rect">
-              <a:avLst/>
-            </a:prstGeom>
+            </a:endParaRPr>
+          </a:p>
+        </p:txBody>
+      </p:sp>
+      <p:sp>
+        <p:nvSpPr>
+          <p:cNvPr id="32" name="Rechteck 31">
+            <a:extLst>
+              <a:ext uri="{FF2B5EF4-FFF2-40B4-BE49-F238E27FC236}">
+                <a16:creationId xmlns:a16="http://schemas.microsoft.com/office/drawing/2014/main" id="{DD361AF4-BA5C-9964-D0EC-7BE5407A5017}"/>
+              </a:ext>
+            </a:extLst>
+          </p:cNvPr>
+          <p:cNvSpPr/>
+          <p:nvPr/>
+        </p:nvSpPr>
+        <p:spPr>
+          <a:xfrm>
+            <a:off x="192088" y="3232207"/>
+            <a:ext cx="1375200" cy="323850"/>
+          </a:xfrm>
+          <a:prstGeom prst="rect">
+            <a:avLst/>
+          </a:prstGeom>
+          <a:solidFill>
+            <a:schemeClr val="bg1"/>
+          </a:solidFill>
+          <a:ln w="6350">
             <a:solidFill>
-              <a:schemeClr val="bg1"/>
+              <a:schemeClr val="tx2"/>
             </a:solidFill>
-            <a:ln w="6350">
+          </a:ln>
+        </p:spPr>
+        <p:style>
+          <a:lnRef idx="2">
+            <a:schemeClr val="accent1">
+              <a:shade val="15000"/>
+            </a:schemeClr>
+          </a:lnRef>
+          <a:fillRef idx="1">
+            <a:schemeClr val="accent1"/>
+          </a:fillRef>
+          <a:effectRef idx="0">
+            <a:schemeClr val="accent1"/>
+          </a:effectRef>
+          <a:fontRef idx="minor">
+            <a:schemeClr val="lt1"/>
+          </a:fontRef>
+        </p:style>
+        <p:txBody>
+          <a:bodyPr rtlCol="0" anchor="ctr"/>
+          <a:lstStyle/>
+          <a:p>
+            <a:r>
+              <a:rPr lang="de-DE" sz="1600" b="1" dirty="0" err="1">
+                <a:solidFill>
+                  <a:schemeClr val="tx1"/>
+                </a:solidFill>
+              </a:rPr>
+              <a:t>Originator</a:t>
+            </a:r>
+            <a:r>
+              <a:rPr lang="de-DE" sz="1600" b="1" dirty="0">
+                <a:solidFill>
+                  <a:schemeClr val="tx1"/>
+                </a:solidFill>
+              </a:rPr>
+              <a:t>:</a:t>
+            </a:r>
+          </a:p>
+        </p:txBody>
+      </p:sp>
+      <p:sp>
+        <p:nvSpPr>
+          <p:cNvPr id="33" name="Rechteck 32">
+            <a:extLst>
+              <a:ext uri="{FF2B5EF4-FFF2-40B4-BE49-F238E27FC236}">
+                <a16:creationId xmlns:a16="http://schemas.microsoft.com/office/drawing/2014/main" id="{749F0444-9F90-80CD-16E8-AF251010BEDC}"/>
+              </a:ext>
+            </a:extLst>
+          </p:cNvPr>
+          <p:cNvSpPr/>
+          <p:nvPr/>
+        </p:nvSpPr>
+        <p:spPr>
+          <a:xfrm>
+            <a:off x="1899251" y="3232207"/>
+            <a:ext cx="10098000" cy="323850"/>
+          </a:xfrm>
+          <a:prstGeom prst="rect">
+            <a:avLst/>
+          </a:prstGeom>
+          <a:solidFill>
+            <a:schemeClr val="bg1"/>
+          </a:solidFill>
+          <a:ln w="6350">
+            <a:solidFill>
+              <a:schemeClr val="tx2"/>
+            </a:solidFill>
+          </a:ln>
+        </p:spPr>
+        <p:style>
+          <a:lnRef idx="2">
+            <a:schemeClr val="accent1">
+              <a:shade val="15000"/>
+            </a:schemeClr>
+          </a:lnRef>
+          <a:fillRef idx="1">
+            <a:schemeClr val="accent1"/>
+          </a:fillRef>
+          <a:effectRef idx="0">
+            <a:schemeClr val="accent1"/>
+          </a:effectRef>
+          <a:fontRef idx="minor">
+            <a:schemeClr val="lt1"/>
+          </a:fontRef>
+        </p:style>
+        <p:txBody>
+          <a:bodyPr rtlCol="0" anchor="ctr"/>
+          <a:lstStyle/>
+          <a:p>
+            <a:endParaRPr lang="en-US" sz="1100" dirty="0">
               <a:solidFill>
-                <a:schemeClr val="tx2"/>
+                <a:schemeClr val="tx1"/>
               </a:solidFill>
-            </a:ln>
-          </p:spPr>
-          <p:style>
-            <a:lnRef idx="2">
-              <a:schemeClr val="accent1">
-                <a:shade val="15000"/>
-              </a:schemeClr>
-            </a:lnRef>
-            <a:fillRef idx="1">
-              <a:schemeClr val="accent1"/>
-            </a:fillRef>
-            <a:effectRef idx="0">
-              <a:schemeClr val="accent1"/>
-            </a:effectRef>
-            <a:fontRef idx="minor">
-              <a:schemeClr val="lt1"/>
-            </a:fontRef>
-          </p:style>
-          <p:txBody>
-            <a:bodyPr rtlCol="0" anchor="ctr"/>
-            <a:lstStyle/>
-            <a:p>
-              <a:endParaRPr lang="en-US" sz="1600" u="sng" dirty="0">
-                <a:solidFill>
-                  <a:schemeClr val="tx1"/>
-                </a:solidFill>
-              </a:endParaRPr>
-            </a:p>
-            <a:p>
-              <a:endParaRPr lang="en-US" sz="1600" u="sng" dirty="0">
-                <a:solidFill>
-                  <a:schemeClr val="tx1"/>
-                </a:solidFill>
-              </a:endParaRPr>
-            </a:p>
-          </p:txBody>
-        </p:sp>
-      </p:grpSp>
+            </a:endParaRPr>
+          </a:p>
+        </p:txBody>
+      </p:sp>
+      <p:sp>
+        <p:nvSpPr>
+          <p:cNvPr id="35" name="Rechteck 34">
+            <a:extLst>
+              <a:ext uri="{FF2B5EF4-FFF2-40B4-BE49-F238E27FC236}">
+                <a16:creationId xmlns:a16="http://schemas.microsoft.com/office/drawing/2014/main" id="{DD624CD5-CE03-4BFD-FFA8-BEE36136E572}"/>
+              </a:ext>
+            </a:extLst>
+          </p:cNvPr>
+          <p:cNvSpPr/>
+          <p:nvPr/>
+        </p:nvSpPr>
+        <p:spPr>
+          <a:xfrm>
+            <a:off x="192090" y="3694827"/>
+            <a:ext cx="1375200" cy="324001"/>
+          </a:xfrm>
+          <a:prstGeom prst="rect">
+            <a:avLst/>
+          </a:prstGeom>
+          <a:solidFill>
+            <a:schemeClr val="bg1"/>
+          </a:solidFill>
+          <a:ln w="6350">
+            <a:solidFill>
+              <a:schemeClr val="tx2"/>
+            </a:solidFill>
+          </a:ln>
+        </p:spPr>
+        <p:style>
+          <a:lnRef idx="2">
+            <a:schemeClr val="accent1">
+              <a:shade val="15000"/>
+            </a:schemeClr>
+          </a:lnRef>
+          <a:fillRef idx="1">
+            <a:schemeClr val="accent1"/>
+          </a:fillRef>
+          <a:effectRef idx="0">
+            <a:schemeClr val="accent1"/>
+          </a:effectRef>
+          <a:fontRef idx="minor">
+            <a:schemeClr val="lt1"/>
+          </a:fontRef>
+        </p:style>
+        <p:txBody>
+          <a:bodyPr rtlCol="0" anchor="ctr"/>
+          <a:lstStyle/>
+          <a:p>
+            <a:r>
+              <a:rPr lang="de-DE" sz="1600" b="1" dirty="0">
+                <a:solidFill>
+                  <a:schemeClr val="tx1"/>
+                </a:solidFill>
+              </a:rPr>
+              <a:t>Fit </a:t>
+            </a:r>
+            <a:r>
+              <a:rPr lang="de-DE" sz="1600" b="1" dirty="0" err="1">
+                <a:solidFill>
+                  <a:schemeClr val="tx1"/>
+                </a:solidFill>
+              </a:rPr>
+              <a:t>Criterion</a:t>
+            </a:r>
+            <a:r>
+              <a:rPr lang="de-DE" sz="1600" b="1" dirty="0">
+                <a:solidFill>
+                  <a:schemeClr val="tx1"/>
+                </a:solidFill>
+              </a:rPr>
+              <a:t>:</a:t>
+            </a:r>
+          </a:p>
+        </p:txBody>
+      </p:sp>
+      <p:sp>
+        <p:nvSpPr>
+          <p:cNvPr id="36" name="Rechteck 35">
+            <a:extLst>
+              <a:ext uri="{FF2B5EF4-FFF2-40B4-BE49-F238E27FC236}">
+                <a16:creationId xmlns:a16="http://schemas.microsoft.com/office/drawing/2014/main" id="{70CE36B2-422A-5142-2384-A14E86CE427D}"/>
+              </a:ext>
+            </a:extLst>
+          </p:cNvPr>
+          <p:cNvSpPr/>
+          <p:nvPr/>
+        </p:nvSpPr>
+        <p:spPr>
+          <a:xfrm>
+            <a:off x="1899253" y="3694826"/>
+            <a:ext cx="10098000" cy="792000"/>
+          </a:xfrm>
+          <a:prstGeom prst="rect">
+            <a:avLst/>
+          </a:prstGeom>
+          <a:solidFill>
+            <a:schemeClr val="bg1"/>
+          </a:solidFill>
+          <a:ln w="6350">
+            <a:solidFill>
+              <a:schemeClr val="tx2"/>
+            </a:solidFill>
+          </a:ln>
+        </p:spPr>
+        <p:style>
+          <a:lnRef idx="2">
+            <a:schemeClr val="accent1">
+              <a:shade val="15000"/>
+            </a:schemeClr>
+          </a:lnRef>
+          <a:fillRef idx="1">
+            <a:schemeClr val="accent1"/>
+          </a:fillRef>
+          <a:effectRef idx="0">
+            <a:schemeClr val="accent1"/>
+          </a:effectRef>
+          <a:fontRef idx="minor">
+            <a:schemeClr val="lt1"/>
+          </a:fontRef>
+        </p:style>
+        <p:txBody>
+          <a:bodyPr rtlCol="0" anchor="ctr"/>
+          <a:lstStyle/>
+          <a:p>
+            <a:endParaRPr lang="en-US" sz="1100" dirty="0">
+              <a:solidFill>
+                <a:schemeClr val="tx1"/>
+              </a:solidFill>
+            </a:endParaRPr>
+          </a:p>
+          <a:p>
+            <a:endParaRPr lang="en-US" sz="1600" u="sng" dirty="0">
+              <a:solidFill>
+                <a:schemeClr val="tx1"/>
+              </a:solidFill>
+            </a:endParaRPr>
+          </a:p>
+        </p:txBody>
+      </p:sp>
       <p:sp>
         <p:nvSpPr>
           <p:cNvPr id="37" name="Rechteck 36">
             <a:extLst>
               <a:ext uri="{FF2B5EF4-FFF2-40B4-BE49-F238E27FC236}">
-                <a16:creationId xmlns:a16="http://schemas.microsoft.com/office/drawing/2014/main" id="{8BF66F1C-F3F0-6207-6D6C-D7D327A8FC3B}"/>
+                <a16:creationId xmlns:a16="http://schemas.microsoft.com/office/drawing/2014/main" id="{5A11AB4B-1235-FB0D-DA58-107CC2A61348}"/>
               </a:ext>
             </a:extLst>
           </p:cNvPr>
@@ -10148,7 +10007,7 @@
           <p:cNvPr id="38" name="Rechteck 37">
             <a:extLst>
               <a:ext uri="{FF2B5EF4-FFF2-40B4-BE49-F238E27FC236}">
-                <a16:creationId xmlns:a16="http://schemas.microsoft.com/office/drawing/2014/main" id="{C35DC875-2562-1A44-A2D2-2B03E097E088}"/>
+                <a16:creationId xmlns:a16="http://schemas.microsoft.com/office/drawing/2014/main" id="{9C8019AA-6C21-F77F-ADB4-CFEA43654DF3}"/>
               </a:ext>
             </a:extLst>
           </p:cNvPr>
@@ -10229,7 +10088,7 @@
           <p:cNvPr id="39" name="Rechteck 38">
             <a:extLst>
               <a:ext uri="{FF2B5EF4-FFF2-40B4-BE49-F238E27FC236}">
-                <a16:creationId xmlns:a16="http://schemas.microsoft.com/office/drawing/2014/main" id="{24BE4F8F-8C82-1E22-A77E-1A39EBD6F4B1}"/>
+                <a16:creationId xmlns:a16="http://schemas.microsoft.com/office/drawing/2014/main" id="{0C4B31DF-787C-0B08-752B-276F57E64B35}"/>
               </a:ext>
             </a:extLst>
           </p:cNvPr>
@@ -10307,7 +10166,7 @@
           <p:cNvPr id="40" name="Rechteck 39">
             <a:extLst>
               <a:ext uri="{FF2B5EF4-FFF2-40B4-BE49-F238E27FC236}">
-                <a16:creationId xmlns:a16="http://schemas.microsoft.com/office/drawing/2014/main" id="{E43B6525-5DD7-A335-6AF1-9D22F4E70BE3}"/>
+                <a16:creationId xmlns:a16="http://schemas.microsoft.com/office/drawing/2014/main" id="{0AE0F170-EC26-6626-1713-0DCF8ABB5F42}"/>
               </a:ext>
             </a:extLst>
           </p:cNvPr>
@@ -10380,7 +10239,7 @@
           <p:cNvPr id="41" name="Rechteck 40">
             <a:extLst>
               <a:ext uri="{FF2B5EF4-FFF2-40B4-BE49-F238E27FC236}">
-                <a16:creationId xmlns:a16="http://schemas.microsoft.com/office/drawing/2014/main" id="{D767AA3C-7BA7-BCCD-1823-6957F385573B}"/>
+                <a16:creationId xmlns:a16="http://schemas.microsoft.com/office/drawing/2014/main" id="{B6AF39D2-A358-D179-08A4-D67BEBE4EBB0}"/>
               </a:ext>
             </a:extLst>
           </p:cNvPr>
@@ -10458,7 +10317,7 @@
           <p:cNvPr id="42" name="Rechteck 41">
             <a:extLst>
               <a:ext uri="{FF2B5EF4-FFF2-40B4-BE49-F238E27FC236}">
-                <a16:creationId xmlns:a16="http://schemas.microsoft.com/office/drawing/2014/main" id="{0BEE69BB-E5CD-6491-43F9-7B7EBF604529}"/>
+                <a16:creationId xmlns:a16="http://schemas.microsoft.com/office/drawing/2014/main" id="{67CFCD9B-60C5-9C9D-4692-90A045EC6DDB}"/>
               </a:ext>
             </a:extLst>
           </p:cNvPr>
@@ -10537,7 +10396,7 @@
     </p:spTree>
     <p:extLst>
       <p:ext uri="{BB962C8B-B14F-4D97-AF65-F5344CB8AC3E}">
-        <p14:creationId xmlns:p14="http://schemas.microsoft.com/office/powerpoint/2010/main" val="3198472219"/>
+        <p14:creationId xmlns:p14="http://schemas.microsoft.com/office/powerpoint/2010/main" val="4161589437"/>
       </p:ext>
     </p:extLst>
   </p:cSld>
